--- a/Revisions/06_Modelisation_LoisES_Fiche/images/6_Modelisation_LoisES_Fiche_Figures.pptx
+++ b/Revisions/06_Modelisation_LoisES_Fiche/images/6_Modelisation_LoisES_Fiche_Figures.pptx
@@ -6,18 +6,19 @@
   </p:sldMasterIdLst>
   <p:sldIdLst>
     <p:sldId id="268" r:id="rId2"/>
-    <p:sldId id="256" r:id="rId3"/>
-    <p:sldId id="257" r:id="rId4"/>
-    <p:sldId id="258" r:id="rId5"/>
-    <p:sldId id="259" r:id="rId6"/>
-    <p:sldId id="267" r:id="rId7"/>
-    <p:sldId id="260" r:id="rId8"/>
-    <p:sldId id="265" r:id="rId9"/>
-    <p:sldId id="261" r:id="rId10"/>
-    <p:sldId id="262" r:id="rId11"/>
-    <p:sldId id="263" r:id="rId12"/>
-    <p:sldId id="264" r:id="rId13"/>
-    <p:sldId id="266" r:id="rId14"/>
+    <p:sldId id="269" r:id="rId3"/>
+    <p:sldId id="256" r:id="rId4"/>
+    <p:sldId id="257" r:id="rId5"/>
+    <p:sldId id="258" r:id="rId6"/>
+    <p:sldId id="259" r:id="rId7"/>
+    <p:sldId id="267" r:id="rId8"/>
+    <p:sldId id="260" r:id="rId9"/>
+    <p:sldId id="265" r:id="rId10"/>
+    <p:sldId id="261" r:id="rId11"/>
+    <p:sldId id="262" r:id="rId12"/>
+    <p:sldId id="263" r:id="rId13"/>
+    <p:sldId id="264" r:id="rId14"/>
+    <p:sldId id="266" r:id="rId15"/>
   </p:sldIdLst>
   <p:sldSz cx="9144000" cy="6858000" type="screen4x3"/>
   <p:notesSz cx="6858000" cy="9144000"/>
@@ -3596,8 +3597,8 @@
           </a:p>
         </p:txBody>
       </p:sp>
-      <mc:AlternateContent xmlns:mc="http://schemas.openxmlformats.org/markup-compatibility/2006">
-        <mc:Choice xmlns:a14="http://schemas.microsoft.com/office/drawing/2010/main" Requires="a14">
+      <mc:AlternateContent xmlns:mc="http://schemas.openxmlformats.org/markup-compatibility/2006" xmlns:a14="http://schemas.microsoft.com/office/drawing/2010/main">
+        <mc:Choice Requires="a14">
           <p:sp>
             <p:nvSpPr>
               <p:cNvPr id="18" name="ZoneTexte 17">
@@ -3647,7 +3648,7 @@
             </p:txBody>
           </p:sp>
         </mc:Choice>
-        <mc:Fallback>
+        <mc:Fallback xmlns="">
           <p:sp>
             <p:nvSpPr>
               <p:cNvPr id="18" name="ZoneTexte 17">
@@ -3692,8 +3693,8 @@
           </p:sp>
         </mc:Fallback>
       </mc:AlternateContent>
-      <mc:AlternateContent xmlns:mc="http://schemas.openxmlformats.org/markup-compatibility/2006">
-        <mc:Choice xmlns:a14="http://schemas.microsoft.com/office/drawing/2010/main" Requires="a14">
+      <mc:AlternateContent xmlns:mc="http://schemas.openxmlformats.org/markup-compatibility/2006" xmlns:a14="http://schemas.microsoft.com/office/drawing/2010/main">
+        <mc:Choice Requires="a14">
           <p:sp>
             <p:nvSpPr>
               <p:cNvPr id="19" name="ZoneTexte 18">
@@ -3743,7 +3744,7 @@
             </p:txBody>
           </p:sp>
         </mc:Choice>
-        <mc:Fallback>
+        <mc:Fallback xmlns="">
           <p:sp>
             <p:nvSpPr>
               <p:cNvPr id="19" name="ZoneTexte 18">
@@ -3960,8 +3961,8 @@
             </a:fontRef>
           </p:style>
         </p:cxnSp>
-        <mc:AlternateContent xmlns:mc="http://schemas.openxmlformats.org/markup-compatibility/2006">
-          <mc:Choice xmlns:a14="http://schemas.microsoft.com/office/drawing/2010/main" Requires="a14">
+        <mc:AlternateContent xmlns:mc="http://schemas.openxmlformats.org/markup-compatibility/2006" xmlns:a14="http://schemas.microsoft.com/office/drawing/2010/main">
+          <mc:Choice Requires="a14">
             <p:sp>
               <p:nvSpPr>
                 <p:cNvPr id="28" name="ZoneTexte 27">
@@ -4042,7 +4043,7 @@
               </p:txBody>
             </p:sp>
           </mc:Choice>
-          <mc:Fallback>
+          <mc:Fallback xmlns="">
             <p:sp>
               <p:nvSpPr>
                 <p:cNvPr id="28" name="ZoneTexte 27">
@@ -4131,8 +4132,8 @@
             </a:fontRef>
           </p:style>
         </p:cxnSp>
-        <mc:AlternateContent xmlns:mc="http://schemas.openxmlformats.org/markup-compatibility/2006">
-          <mc:Choice xmlns:a14="http://schemas.microsoft.com/office/drawing/2010/main" Requires="a14">
+        <mc:AlternateContent xmlns:mc="http://schemas.openxmlformats.org/markup-compatibility/2006" xmlns:a14="http://schemas.microsoft.com/office/drawing/2010/main">
+          <mc:Choice Requires="a14">
             <p:sp>
               <p:nvSpPr>
                 <p:cNvPr id="30" name="ZoneTexte 29">
@@ -4213,7 +4214,7 @@
               </p:txBody>
             </p:sp>
           </mc:Choice>
-          <mc:Fallback>
+          <mc:Fallback xmlns="">
             <p:sp>
               <p:nvSpPr>
                 <p:cNvPr id="30" name="ZoneTexte 29">
@@ -4325,8 +4326,8 @@
             </a:fontRef>
           </p:style>
         </p:cxnSp>
-        <mc:AlternateContent xmlns:mc="http://schemas.openxmlformats.org/markup-compatibility/2006">
-          <mc:Choice xmlns:a14="http://schemas.microsoft.com/office/drawing/2010/main" Requires="a14">
+        <mc:AlternateContent xmlns:mc="http://schemas.openxmlformats.org/markup-compatibility/2006" xmlns:a14="http://schemas.microsoft.com/office/drawing/2010/main">
+          <mc:Choice Requires="a14">
             <p:sp>
               <p:nvSpPr>
                 <p:cNvPr id="25" name="ZoneTexte 24">
@@ -4407,7 +4408,7 @@
               </p:txBody>
             </p:sp>
           </mc:Choice>
-          <mc:Fallback>
+          <mc:Fallback xmlns="">
             <p:sp>
               <p:nvSpPr>
                 <p:cNvPr id="25" name="ZoneTexte 24">
@@ -4498,8 +4499,8 @@
             </a:fontRef>
           </p:style>
         </p:cxnSp>
-        <mc:AlternateContent xmlns:mc="http://schemas.openxmlformats.org/markup-compatibility/2006">
-          <mc:Choice xmlns:a14="http://schemas.microsoft.com/office/drawing/2010/main" Requires="a14">
+        <mc:AlternateContent xmlns:mc="http://schemas.openxmlformats.org/markup-compatibility/2006" xmlns:a14="http://schemas.microsoft.com/office/drawing/2010/main">
+          <mc:Choice Requires="a14">
             <p:sp>
               <p:nvSpPr>
                 <p:cNvPr id="32" name="ZoneTexte 31">
@@ -4583,7 +4584,7 @@
               </p:txBody>
             </p:sp>
           </mc:Choice>
-          <mc:Fallback>
+          <mc:Fallback xmlns="">
             <p:sp>
               <p:nvSpPr>
                 <p:cNvPr id="32" name="ZoneTexte 31">
@@ -5071,8 +5072,8 @@
             </p:txBody>
           </p:sp>
         </p:grpSp>
-        <mc:AlternateContent xmlns:mc="http://schemas.openxmlformats.org/markup-compatibility/2006">
-          <mc:Choice xmlns:a14="http://schemas.microsoft.com/office/drawing/2010/main" Requires="a14">
+        <mc:AlternateContent xmlns:mc="http://schemas.openxmlformats.org/markup-compatibility/2006" xmlns:a14="http://schemas.microsoft.com/office/drawing/2010/main">
+          <mc:Choice Requires="a14">
             <p:sp>
               <p:nvSpPr>
                 <p:cNvPr id="44" name="ZoneTexte 43">
@@ -5199,7 +5200,7 @@
               </p:txBody>
             </p:sp>
           </mc:Choice>
-          <mc:Fallback>
+          <mc:Fallback xmlns="">
             <p:sp>
               <p:nvSpPr>
                 <p:cNvPr id="44" name="ZoneTexte 43">
@@ -5302,8 +5303,8 @@
             </a:p>
           </p:txBody>
         </p:sp>
-        <mc:AlternateContent xmlns:mc="http://schemas.openxmlformats.org/markup-compatibility/2006">
-          <mc:Choice xmlns:a14="http://schemas.microsoft.com/office/drawing/2010/main" Requires="a14">
+        <mc:AlternateContent xmlns:mc="http://schemas.openxmlformats.org/markup-compatibility/2006" xmlns:a14="http://schemas.microsoft.com/office/drawing/2010/main">
+          <mc:Choice Requires="a14">
             <p:sp>
               <p:nvSpPr>
                 <p:cNvPr id="48" name="ZoneTexte 47">
@@ -5387,7 +5388,7 @@
               </p:txBody>
             </p:sp>
           </mc:Choice>
-          <mc:Fallback>
+          <mc:Fallback xmlns="">
             <p:sp>
               <p:nvSpPr>
                 <p:cNvPr id="48" name="ZoneTexte 47">
@@ -5435,8 +5436,8 @@
             </p:sp>
           </mc:Fallback>
         </mc:AlternateContent>
-        <mc:AlternateContent xmlns:mc="http://schemas.openxmlformats.org/markup-compatibility/2006">
-          <mc:Choice xmlns:a14="http://schemas.microsoft.com/office/drawing/2010/main" Requires="a14">
+        <mc:AlternateContent xmlns:mc="http://schemas.openxmlformats.org/markup-compatibility/2006" xmlns:a14="http://schemas.microsoft.com/office/drawing/2010/main">
+          <mc:Choice Requires="a14">
             <p:sp>
               <p:nvSpPr>
                 <p:cNvPr id="49" name="ZoneTexte 48">
@@ -5520,7 +5521,7 @@
               </p:txBody>
             </p:sp>
           </mc:Choice>
-          <mc:Fallback>
+          <mc:Fallback xmlns="">
             <p:sp>
               <p:nvSpPr>
                 <p:cNvPr id="49" name="ZoneTexte 48">
@@ -5568,8 +5569,8 @@
             </p:sp>
           </mc:Fallback>
         </mc:AlternateContent>
-        <mc:AlternateContent xmlns:mc="http://schemas.openxmlformats.org/markup-compatibility/2006">
-          <mc:Choice xmlns:a14="http://schemas.microsoft.com/office/drawing/2010/main" Requires="a14">
+        <mc:AlternateContent xmlns:mc="http://schemas.openxmlformats.org/markup-compatibility/2006" xmlns:a14="http://schemas.microsoft.com/office/drawing/2010/main">
+          <mc:Choice Requires="a14">
             <p:sp>
               <p:nvSpPr>
                 <p:cNvPr id="50" name="ZoneTexte 49">
@@ -5653,7 +5654,7 @@
               </p:txBody>
             </p:sp>
           </mc:Choice>
-          <mc:Fallback>
+          <mc:Fallback xmlns="">
             <p:sp>
               <p:nvSpPr>
                 <p:cNvPr id="50" name="ZoneTexte 49">
@@ -5701,8 +5702,8 @@
             </p:sp>
           </mc:Fallback>
         </mc:AlternateContent>
-        <mc:AlternateContent xmlns:mc="http://schemas.openxmlformats.org/markup-compatibility/2006">
-          <mc:Choice xmlns:a14="http://schemas.microsoft.com/office/drawing/2010/main" Requires="a14">
+        <mc:AlternateContent xmlns:mc="http://schemas.openxmlformats.org/markup-compatibility/2006" xmlns:a14="http://schemas.microsoft.com/office/drawing/2010/main">
+          <mc:Choice Requires="a14">
             <p:sp>
               <p:nvSpPr>
                 <p:cNvPr id="51" name="ZoneTexte 50">
@@ -5786,7 +5787,7 @@
               </p:txBody>
             </p:sp>
           </mc:Choice>
-          <mc:Fallback>
+          <mc:Fallback xmlns="">
             <p:sp>
               <p:nvSpPr>
                 <p:cNvPr id="51" name="ZoneTexte 50">
@@ -5937,8 +5938,8 @@
           </mc:Fallback>
         </mc:AlternateContent>
       </p:grpSp>
-      <mc:AlternateContent xmlns:mc="http://schemas.openxmlformats.org/markup-compatibility/2006">
-        <mc:Choice xmlns:a14="http://schemas.microsoft.com/office/drawing/2010/main" Requires="a14">
+      <mc:AlternateContent xmlns:mc="http://schemas.openxmlformats.org/markup-compatibility/2006" xmlns:a14="http://schemas.microsoft.com/office/drawing/2010/main">
+        <mc:Choice Requires="a14">
           <p:sp>
             <p:nvSpPr>
               <p:cNvPr id="54" name="ZoneTexte 53">
@@ -6119,7 +6120,7 @@
             </p:txBody>
           </p:sp>
         </mc:Choice>
-        <mc:Fallback>
+        <mc:Fallback xmlns="">
           <p:sp>
             <p:nvSpPr>
               <p:cNvPr id="54" name="ZoneTexte 53">
@@ -6197,33 +6198,175 @@
           <a:chExt cx="0" cy="0"/>
         </a:xfrm>
       </p:grpSpPr>
+      <p:pic>
+        <p:nvPicPr>
+          <p:cNvPr id="2050" name="Picture 2"/>
+          <p:cNvPicPr>
+            <a:picLocks noChangeAspect="1" noChangeArrowheads="1"/>
+          </p:cNvPicPr>
+          <p:nvPr/>
+        </p:nvPicPr>
+        <p:blipFill>
+          <a:blip r:embed="rId2" cstate="print">
+            <a:extLst>
+              <a:ext uri="{28A0092B-C50C-407E-A947-70E740481C1C}">
+                <a14:useLocalDpi xmlns:a14="http://schemas.microsoft.com/office/drawing/2010/main" val="0"/>
+              </a:ext>
+            </a:extLst>
+          </a:blip>
+          <a:srcRect/>
+          <a:stretch>
+            <a:fillRect/>
+          </a:stretch>
+        </p:blipFill>
+        <p:spPr bwMode="auto">
+          <a:xfrm>
+            <a:off x="755576" y="1628800"/>
+            <a:ext cx="1810387" cy="956488"/>
+          </a:xfrm>
+          <a:prstGeom prst="rect">
+            <a:avLst/>
+          </a:prstGeom>
+          <a:noFill/>
+          <a:ln>
+            <a:noFill/>
+          </a:ln>
+          <a:effectLst/>
+          <a:extLst>
+            <a:ext uri="{909E8E84-426E-40DD-AFC4-6F175D3DCCD1}">
+              <a14:hiddenFill xmlns:a14="http://schemas.microsoft.com/office/drawing/2010/main">
+                <a:solidFill>
+                  <a:schemeClr val="accent1"/>
+                </a:solidFill>
+              </a14:hiddenFill>
+            </a:ext>
+            <a:ext uri="{91240B29-F687-4F45-9708-019B960494DF}">
+              <a14:hiddenLine xmlns:a14="http://schemas.microsoft.com/office/drawing/2010/main" w="9525">
+                <a:solidFill>
+                  <a:schemeClr val="tx1"/>
+                </a:solidFill>
+                <a:miter lim="800000"/>
+                <a:headEnd/>
+                <a:tailEnd/>
+              </a14:hiddenLine>
+            </a:ext>
+            <a:ext uri="{AF507438-7753-43E0-B8FC-AC1667EBCBE1}">
+              <a14:hiddenEffects xmlns:a14="http://schemas.microsoft.com/office/drawing/2010/main">
+                <a:effectLst>
+                  <a:outerShdw dist="35921" dir="2700000" algn="ctr" rotWithShape="0">
+                    <a:schemeClr val="bg2"/>
+                  </a:outerShdw>
+                </a:effectLst>
+              </a14:hiddenEffects>
+            </a:ext>
+          </a:extLst>
+        </p:spPr>
+      </p:pic>
       <p:cxnSp>
         <p:nvCxnSpPr>
-          <p:cNvPr id="14" name="Connecteur droit avec flèche 13"/>
-          <p:cNvCxnSpPr/>
+          <p:cNvPr id="5" name="Connecteur droit avec flèche 4"/>
+          <p:cNvCxnSpPr>
+            <a:stCxn id="2050" idx="3"/>
+          </p:cNvCxnSpPr>
           <p:nvPr/>
         </p:nvCxnSpPr>
         <p:spPr>
           <a:xfrm>
-            <a:off x="6480212" y="2277549"/>
-            <a:ext cx="720080" cy="0"/>
+            <a:off x="2565963" y="2107044"/>
+            <a:ext cx="3950253" cy="0"/>
           </a:xfrm>
           <a:prstGeom prst="straightConnector1">
             <a:avLst/>
           </a:prstGeom>
-          <a:ln>
+          <a:ln w="28575">
             <a:tailEnd type="arrow"/>
           </a:ln>
         </p:spPr>
         <p:style>
-          <a:lnRef idx="2">
-            <a:schemeClr val="accent2"/>
+          <a:lnRef idx="1">
+            <a:schemeClr val="accent1"/>
           </a:lnRef>
           <a:fillRef idx="0">
-            <a:schemeClr val="accent2"/>
+            <a:schemeClr val="accent1"/>
           </a:fillRef>
-          <a:effectRef idx="1">
-            <a:schemeClr val="accent2"/>
+          <a:effectRef idx="0">
+            <a:schemeClr val="accent1"/>
+          </a:effectRef>
+          <a:fontRef idx="minor">
+            <a:schemeClr val="tx1"/>
+          </a:fontRef>
+        </p:style>
+      </p:cxnSp>
+      <p:sp>
+        <p:nvSpPr>
+          <p:cNvPr id="8" name="ZoneTexte 7"/>
+          <p:cNvSpPr txBox="1"/>
+          <p:nvPr/>
+        </p:nvSpPr>
+        <p:spPr>
+          <a:xfrm>
+            <a:off x="6444208" y="2052455"/>
+            <a:ext cx="2016224" cy="307777"/>
+          </a:xfrm>
+          <a:prstGeom prst="rect">
+            <a:avLst/>
+          </a:prstGeom>
+          <a:noFill/>
+        </p:spPr>
+        <p:txBody>
+          <a:bodyPr wrap="square" rtlCol="0">
+            <a:spAutoFit/>
+          </a:bodyPr>
+          <a:lstStyle/>
+          <a:p>
+            <a:r>
+              <a:rPr lang="fr-FR" sz="1400" dirty="0">
+                <a:solidFill>
+                  <a:schemeClr val="accent1"/>
+                </a:solidFill>
+              </a:rPr>
+              <a:t>Altitude de consigne </a:t>
+            </a:r>
+            <a:r>
+              <a:rPr lang="fr-FR" sz="1400" i="1" dirty="0">
+                <a:solidFill>
+                  <a:schemeClr val="accent1"/>
+                </a:solidFill>
+              </a:rPr>
+              <a:t>e(t)</a:t>
+            </a:r>
+          </a:p>
+        </p:txBody>
+      </p:sp>
+      <p:cxnSp>
+        <p:nvCxnSpPr>
+          <p:cNvPr id="10" name="Connecteur droit 9"/>
+          <p:cNvCxnSpPr/>
+          <p:nvPr/>
+        </p:nvCxnSpPr>
+        <p:spPr>
+          <a:xfrm>
+            <a:off x="2565963" y="1988840"/>
+            <a:ext cx="781901" cy="0"/>
+          </a:xfrm>
+          <a:prstGeom prst="line">
+            <a:avLst/>
+          </a:prstGeom>
+          <a:ln w="28575">
+            <a:solidFill>
+              <a:srgbClr val="FF0000"/>
+            </a:solidFill>
+          </a:ln>
+        </p:spPr>
+        <p:style>
+          <a:lnRef idx="1">
+            <a:schemeClr val="accent1"/>
+          </a:lnRef>
+          <a:fillRef idx="0">
+            <a:schemeClr val="accent1"/>
+          </a:fillRef>
+          <a:effectRef idx="0">
+            <a:schemeClr val="accent1"/>
           </a:effectRef>
           <a:fontRef idx="minor">
             <a:schemeClr val="tx1"/>
@@ -6232,31 +6375,33 @@
       </p:cxnSp>
       <p:cxnSp>
         <p:nvCxnSpPr>
-          <p:cNvPr id="5" name="Connecteur droit avec flèche 4"/>
+          <p:cNvPr id="12" name="Connecteur droit 11"/>
           <p:cNvCxnSpPr/>
           <p:nvPr/>
         </p:nvCxnSpPr>
         <p:spPr>
           <a:xfrm>
-            <a:off x="2411760" y="2132856"/>
-            <a:ext cx="720080" cy="0"/>
-          </a:xfrm>
-          <a:prstGeom prst="straightConnector1">
-            <a:avLst/>
-          </a:prstGeom>
-          <a:ln>
-            <a:tailEnd type="arrow"/>
+            <a:off x="5364088" y="1988840"/>
+            <a:ext cx="781901" cy="0"/>
+          </a:xfrm>
+          <a:prstGeom prst="line">
+            <a:avLst/>
+          </a:prstGeom>
+          <a:ln w="28575">
+            <a:solidFill>
+              <a:srgbClr val="FF0000"/>
+            </a:solidFill>
           </a:ln>
         </p:spPr>
         <p:style>
-          <a:lnRef idx="2">
-            <a:schemeClr val="accent2"/>
+          <a:lnRef idx="1">
+            <a:schemeClr val="accent1"/>
           </a:lnRef>
           <a:fillRef idx="0">
-            <a:schemeClr val="accent2"/>
+            <a:schemeClr val="accent1"/>
           </a:fillRef>
-          <a:effectRef idx="1">
-            <a:schemeClr val="accent2"/>
+          <a:effectRef idx="0">
+            <a:schemeClr val="accent1"/>
           </a:effectRef>
           <a:fontRef idx="minor">
             <a:schemeClr val="tx1"/>
@@ -6265,76 +6410,183 @@
       </p:cxnSp>
       <p:sp>
         <p:nvSpPr>
-          <p:cNvPr id="6" name="ZoneTexte 5"/>
-          <p:cNvSpPr txBox="1"/>
-          <p:nvPr/>
-        </p:nvSpPr>
-        <p:spPr>
-          <a:xfrm>
-            <a:off x="2339752" y="1839307"/>
-            <a:ext cx="864096" cy="276999"/>
-          </a:xfrm>
-          <a:prstGeom prst="rect">
-            <a:avLst/>
-          </a:prstGeom>
-          <a:noFill/>
-        </p:spPr>
-        <p:txBody>
-          <a:bodyPr wrap="square" rtlCol="0">
-            <a:spAutoFit/>
-          </a:bodyPr>
-          <a:lstStyle/>
-          <a:p>
-            <a:r>
-              <a:rPr lang="fr-FR" sz="1200" i="1" dirty="0"/>
-              <a:t>e(t) en m</a:t>
-            </a:r>
-          </a:p>
-        </p:txBody>
-      </p:sp>
-      <p:cxnSp>
-        <p:nvCxnSpPr>
-          <p:cNvPr id="7" name="Connecteur droit avec flèche 6"/>
-          <p:cNvCxnSpPr/>
-          <p:nvPr/>
-        </p:nvCxnSpPr>
-        <p:spPr>
-          <a:xfrm>
-            <a:off x="2411760" y="2572673"/>
-            <a:ext cx="720080" cy="0"/>
-          </a:xfrm>
-          <a:prstGeom prst="straightConnector1">
-            <a:avLst/>
-          </a:prstGeom>
-          <a:ln>
-            <a:tailEnd type="arrow"/>
+          <p:cNvPr id="11" name="Forme libre 10"/>
+          <p:cNvSpPr/>
+          <p:nvPr/>
+        </p:nvSpPr>
+        <p:spPr>
+          <a:xfrm>
+            <a:off x="3329796" y="1992700"/>
+            <a:ext cx="2061714" cy="716188"/>
+          </a:xfrm>
+          <a:custGeom>
+            <a:avLst/>
+            <a:gdLst>
+              <a:gd name="connsiteX0" fmla="*/ 0 w 2009955"/>
+              <a:gd name="connsiteY0" fmla="*/ 0 h 1321725"/>
+              <a:gd name="connsiteX1" fmla="*/ 1069676 w 2009955"/>
+              <a:gd name="connsiteY1" fmla="*/ 1319842 h 1321725"/>
+              <a:gd name="connsiteX2" fmla="*/ 1526876 w 2009955"/>
+              <a:gd name="connsiteY2" fmla="*/ 284672 h 1321725"/>
+              <a:gd name="connsiteX3" fmla="*/ 2009955 w 2009955"/>
+              <a:gd name="connsiteY3" fmla="*/ 0 h 1321725"/>
+              <a:gd name="connsiteX0" fmla="*/ 0 w 2009955"/>
+              <a:gd name="connsiteY0" fmla="*/ 0 h 1331141"/>
+              <a:gd name="connsiteX1" fmla="*/ 517585 w 2009955"/>
+              <a:gd name="connsiteY1" fmla="*/ 785004 h 1331141"/>
+              <a:gd name="connsiteX2" fmla="*/ 1069676 w 2009955"/>
+              <a:gd name="connsiteY2" fmla="*/ 1319842 h 1331141"/>
+              <a:gd name="connsiteX3" fmla="*/ 1526876 w 2009955"/>
+              <a:gd name="connsiteY3" fmla="*/ 284672 h 1331141"/>
+              <a:gd name="connsiteX4" fmla="*/ 2009955 w 2009955"/>
+              <a:gd name="connsiteY4" fmla="*/ 0 h 1331141"/>
+              <a:gd name="connsiteX0" fmla="*/ 0 w 2009955"/>
+              <a:gd name="connsiteY0" fmla="*/ 0 h 1331141"/>
+              <a:gd name="connsiteX1" fmla="*/ 517585 w 2009955"/>
+              <a:gd name="connsiteY1" fmla="*/ 785004 h 1331141"/>
+              <a:gd name="connsiteX2" fmla="*/ 1069676 w 2009955"/>
+              <a:gd name="connsiteY2" fmla="*/ 1319842 h 1331141"/>
+              <a:gd name="connsiteX3" fmla="*/ 1526876 w 2009955"/>
+              <a:gd name="connsiteY3" fmla="*/ 284672 h 1331141"/>
+              <a:gd name="connsiteX4" fmla="*/ 2009955 w 2009955"/>
+              <a:gd name="connsiteY4" fmla="*/ 0 h 1331141"/>
+              <a:gd name="connsiteX0" fmla="*/ 0 w 2009955"/>
+              <a:gd name="connsiteY0" fmla="*/ 0 h 1331141"/>
+              <a:gd name="connsiteX1" fmla="*/ 517585 w 2009955"/>
+              <a:gd name="connsiteY1" fmla="*/ 785004 h 1331141"/>
+              <a:gd name="connsiteX2" fmla="*/ 1069676 w 2009955"/>
+              <a:gd name="connsiteY2" fmla="*/ 1319842 h 1331141"/>
+              <a:gd name="connsiteX3" fmla="*/ 1526876 w 2009955"/>
+              <a:gd name="connsiteY3" fmla="*/ 284672 h 1331141"/>
+              <a:gd name="connsiteX4" fmla="*/ 2009955 w 2009955"/>
+              <a:gd name="connsiteY4" fmla="*/ 0 h 1331141"/>
+              <a:gd name="connsiteX0" fmla="*/ 0 w 2009955"/>
+              <a:gd name="connsiteY0" fmla="*/ 0 h 1343447"/>
+              <a:gd name="connsiteX1" fmla="*/ 517585 w 2009955"/>
+              <a:gd name="connsiteY1" fmla="*/ 785004 h 1343447"/>
+              <a:gd name="connsiteX2" fmla="*/ 1069676 w 2009955"/>
+              <a:gd name="connsiteY2" fmla="*/ 1319842 h 1343447"/>
+              <a:gd name="connsiteX3" fmla="*/ 2009955 w 2009955"/>
+              <a:gd name="connsiteY3" fmla="*/ 0 h 1343447"/>
+              <a:gd name="connsiteX0" fmla="*/ 0 w 2009955"/>
+              <a:gd name="connsiteY0" fmla="*/ 0 h 1319842"/>
+              <a:gd name="connsiteX1" fmla="*/ 1069676 w 2009955"/>
+              <a:gd name="connsiteY1" fmla="*/ 1319842 h 1319842"/>
+              <a:gd name="connsiteX2" fmla="*/ 2009955 w 2009955"/>
+              <a:gd name="connsiteY2" fmla="*/ 0 h 1319842"/>
+              <a:gd name="connsiteX0" fmla="*/ 0 w 2009955"/>
+              <a:gd name="connsiteY0" fmla="*/ 0 h 1319842"/>
+              <a:gd name="connsiteX1" fmla="*/ 1069676 w 2009955"/>
+              <a:gd name="connsiteY1" fmla="*/ 1319842 h 1319842"/>
+              <a:gd name="connsiteX2" fmla="*/ 2009955 w 2009955"/>
+              <a:gd name="connsiteY2" fmla="*/ 0 h 1319842"/>
+              <a:gd name="connsiteX0" fmla="*/ 0 w 2009955"/>
+              <a:gd name="connsiteY0" fmla="*/ 0 h 1319842"/>
+              <a:gd name="connsiteX1" fmla="*/ 1069676 w 2009955"/>
+              <a:gd name="connsiteY1" fmla="*/ 1319842 h 1319842"/>
+              <a:gd name="connsiteX2" fmla="*/ 2009955 w 2009955"/>
+              <a:gd name="connsiteY2" fmla="*/ 0 h 1319842"/>
+              <a:gd name="connsiteX0" fmla="*/ 0 w 2009955"/>
+              <a:gd name="connsiteY0" fmla="*/ 0 h 1293963"/>
+              <a:gd name="connsiteX1" fmla="*/ 957532 w 2009955"/>
+              <a:gd name="connsiteY1" fmla="*/ 1293963 h 1293963"/>
+              <a:gd name="connsiteX2" fmla="*/ 2009955 w 2009955"/>
+              <a:gd name="connsiteY2" fmla="*/ 0 h 1293963"/>
+              <a:gd name="connsiteX0" fmla="*/ 0 w 2009955"/>
+              <a:gd name="connsiteY0" fmla="*/ 0 h 1294020"/>
+              <a:gd name="connsiteX1" fmla="*/ 957532 w 2009955"/>
+              <a:gd name="connsiteY1" fmla="*/ 1293963 h 1294020"/>
+              <a:gd name="connsiteX2" fmla="*/ 2009955 w 2009955"/>
+              <a:gd name="connsiteY2" fmla="*/ 0 h 1294020"/>
+              <a:gd name="connsiteX0" fmla="*/ 0 w 2027208"/>
+              <a:gd name="connsiteY0" fmla="*/ 0 h 1309744"/>
+              <a:gd name="connsiteX1" fmla="*/ 974785 w 2027208"/>
+              <a:gd name="connsiteY1" fmla="*/ 1309740 h 1309744"/>
+              <a:gd name="connsiteX2" fmla="*/ 2027208 w 2027208"/>
+              <a:gd name="connsiteY2" fmla="*/ 15777 h 1309744"/>
+              <a:gd name="connsiteX0" fmla="*/ 0 w 2061714"/>
+              <a:gd name="connsiteY0" fmla="*/ 0 h 1309740"/>
+              <a:gd name="connsiteX1" fmla="*/ 974785 w 2061714"/>
+              <a:gd name="connsiteY1" fmla="*/ 1309740 h 1309740"/>
+              <a:gd name="connsiteX2" fmla="*/ 2061714 w 2061714"/>
+              <a:gd name="connsiteY2" fmla="*/ 0 h 1309740"/>
+            </a:gdLst>
+            <a:ahLst/>
+            <a:cxnLst>
+              <a:cxn ang="0">
+                <a:pos x="connsiteX0" y="connsiteY0"/>
+              </a:cxn>
+              <a:cxn ang="0">
+                <a:pos x="connsiteX1" y="connsiteY1"/>
+              </a:cxn>
+              <a:cxn ang="0">
+                <a:pos x="connsiteX2" y="connsiteY2"/>
+              </a:cxn>
+            </a:cxnLst>
+            <a:rect l="l" t="t" r="r" b="b"/>
+            <a:pathLst>
+              <a:path w="2061714" h="1309740">
+                <a:moveTo>
+                  <a:pt x="0" y="0"/>
+                </a:moveTo>
+                <a:cubicBezTo>
+                  <a:pt x="455763" y="-1078"/>
+                  <a:pt x="631166" y="1309740"/>
+                  <a:pt x="974785" y="1309740"/>
+                </a:cubicBezTo>
+                <a:cubicBezTo>
+                  <a:pt x="1318404" y="1309740"/>
+                  <a:pt x="1598404" y="7548"/>
+                  <a:pt x="2061714" y="0"/>
+                </a:cubicBezTo>
+              </a:path>
+            </a:pathLst>
+          </a:custGeom>
+          <a:ln w="28575">
+            <a:solidFill>
+              <a:srgbClr val="FF0000"/>
+            </a:solidFill>
           </a:ln>
         </p:spPr>
         <p:style>
-          <a:lnRef idx="2">
-            <a:schemeClr val="accent2"/>
+          <a:lnRef idx="1">
+            <a:schemeClr val="accent1"/>
           </a:lnRef>
           <a:fillRef idx="0">
-            <a:schemeClr val="accent2"/>
+            <a:schemeClr val="accent1"/>
           </a:fillRef>
-          <a:effectRef idx="1">
-            <a:schemeClr val="accent2"/>
+          <a:effectRef idx="0">
+            <a:schemeClr val="accent1"/>
           </a:effectRef>
           <a:fontRef idx="minor">
             <a:schemeClr val="tx1"/>
           </a:fontRef>
         </p:style>
-      </p:cxnSp>
-      <p:sp>
-        <p:nvSpPr>
-          <p:cNvPr id="8" name="ZoneTexte 7"/>
+        <p:txBody>
+          <a:bodyPr rtlCol="0" anchor="ctr"/>
+          <a:lstStyle/>
+          <a:p>
+            <a:pPr algn="ctr"/>
+            <a:endParaRPr lang="fr-FR" dirty="0">
+              <a:ln>
+                <a:solidFill>
+                  <a:srgbClr val="FF0000"/>
+                </a:solidFill>
+              </a:ln>
+            </a:endParaRPr>
+          </a:p>
+        </p:txBody>
+      </p:sp>
+      <p:sp>
+        <p:nvSpPr>
+          <p:cNvPr id="14" name="ZoneTexte 13"/>
           <p:cNvSpPr txBox="1"/>
           <p:nvPr/>
         </p:nvSpPr>
         <p:spPr>
           <a:xfrm>
-            <a:off x="2339752" y="2279124"/>
-            <a:ext cx="864096" cy="276999"/>
+            <a:off x="6444208" y="1772816"/>
+            <a:ext cx="1872208" cy="307777"/>
           </a:xfrm>
           <a:prstGeom prst="rect">
             <a:avLst/>
@@ -6348,104 +6600,34 @@
           <a:lstStyle/>
           <a:p>
             <a:r>
-              <a:rPr lang="fr-FR" sz="1200" i="1" dirty="0"/>
-              <a:t>s(t) en m</a:t>
-            </a:r>
-          </a:p>
-        </p:txBody>
-      </p:sp>
-      <p:sp>
-        <p:nvSpPr>
-          <p:cNvPr id="10" name="Rectangle 9"/>
-          <p:cNvSpPr/>
-          <p:nvPr/>
-        </p:nvSpPr>
-        <p:spPr>
-          <a:xfrm>
-            <a:off x="5400092" y="1989517"/>
-            <a:ext cx="1080120" cy="576064"/>
-          </a:xfrm>
-          <a:prstGeom prst="rect">
-            <a:avLst/>
-          </a:prstGeom>
-          <a:noFill/>
-          <a:effectLst>
-            <a:outerShdw blurRad="50800" dist="38100" dir="2700000" algn="tl" rotWithShape="0">
-              <a:prstClr val="black">
-                <a:alpha val="40000"/>
-              </a:prstClr>
-            </a:outerShdw>
-          </a:effectLst>
-        </p:spPr>
-        <p:style>
-          <a:lnRef idx="2">
-            <a:schemeClr val="accent2"/>
-          </a:lnRef>
-          <a:fillRef idx="1">
-            <a:schemeClr val="lt1"/>
-          </a:fillRef>
-          <a:effectRef idx="0">
-            <a:schemeClr val="accent2"/>
-          </a:effectRef>
-          <a:fontRef idx="minor">
-            <a:schemeClr val="dk1"/>
-          </a:fontRef>
-        </p:style>
-        <p:txBody>
-          <a:bodyPr rtlCol="0" anchor="ctr"/>
-          <a:lstStyle/>
-          <a:p>
-            <a:pPr algn="ctr"/>
-            <a:r>
-              <a:rPr lang="fr-FR" sz="1600" dirty="0"/>
-              <a:t>Bloc</a:t>
-            </a:r>
-          </a:p>
-        </p:txBody>
-      </p:sp>
-      <p:cxnSp>
-        <p:nvCxnSpPr>
-          <p:cNvPr id="11" name="Connecteur droit avec flèche 10"/>
-          <p:cNvCxnSpPr/>
-          <p:nvPr/>
-        </p:nvCxnSpPr>
-        <p:spPr>
-          <a:xfrm>
-            <a:off x="4680012" y="2277549"/>
-            <a:ext cx="720080" cy="0"/>
-          </a:xfrm>
-          <a:prstGeom prst="straightConnector1">
-            <a:avLst/>
-          </a:prstGeom>
-          <a:ln>
-            <a:tailEnd type="arrow"/>
-          </a:ln>
-        </p:spPr>
-        <p:style>
-          <a:lnRef idx="2">
-            <a:schemeClr val="accent2"/>
-          </a:lnRef>
-          <a:fillRef idx="0">
-            <a:schemeClr val="accent2"/>
-          </a:fillRef>
-          <a:effectRef idx="1">
-            <a:schemeClr val="accent2"/>
-          </a:effectRef>
-          <a:fontRef idx="minor">
-            <a:schemeClr val="tx1"/>
-          </a:fontRef>
-        </p:style>
-      </p:cxnSp>
-      <p:sp>
-        <p:nvSpPr>
-          <p:cNvPr id="12" name="ZoneTexte 11"/>
+              <a:rPr lang="fr-FR" sz="1400" dirty="0">
+                <a:solidFill>
+                  <a:srgbClr val="FF0000"/>
+                </a:solidFill>
+              </a:rPr>
+              <a:t>Altitude de l’avion </a:t>
+            </a:r>
+            <a:r>
+              <a:rPr lang="fr-FR" sz="1400" i="1" dirty="0">
+                <a:solidFill>
+                  <a:srgbClr val="FF0000"/>
+                </a:solidFill>
+              </a:rPr>
+              <a:t>s(t)</a:t>
+            </a:r>
+          </a:p>
+        </p:txBody>
+      </p:sp>
+      <p:sp>
+        <p:nvSpPr>
+          <p:cNvPr id="15" name="ZoneTexte 14"/>
           <p:cNvSpPr txBox="1"/>
           <p:nvPr/>
         </p:nvSpPr>
         <p:spPr>
           <a:xfrm>
-            <a:off x="3815916" y="2140624"/>
-            <a:ext cx="864096" cy="276999"/>
+            <a:off x="3329796" y="2725639"/>
+            <a:ext cx="936104" cy="307777"/>
           </a:xfrm>
           <a:prstGeom prst="rect">
             <a:avLst/>
@@ -6458,124 +6640,44 @@
           </a:bodyPr>
           <a:lstStyle/>
           <a:p>
-            <a:pPr algn="r"/>
-            <a:r>
-              <a:rPr lang="fr-FR" sz="1200" dirty="0"/>
-              <a:t>Entrée </a:t>
-            </a:r>
-            <a:r>
-              <a:rPr lang="fr-FR" sz="1200" i="1" dirty="0"/>
-              <a:t>e(t)</a:t>
-            </a:r>
-          </a:p>
-        </p:txBody>
-      </p:sp>
-      <p:sp>
-        <p:nvSpPr>
-          <p:cNvPr id="13" name="ZoneTexte 12"/>
-          <p:cNvSpPr txBox="1"/>
-          <p:nvPr/>
-        </p:nvSpPr>
-        <p:spPr>
-          <a:xfrm>
-            <a:off x="7174413" y="2139049"/>
-            <a:ext cx="864096" cy="276999"/>
-          </a:xfrm>
-          <a:prstGeom prst="rect">
-            <a:avLst/>
-          </a:prstGeom>
-          <a:noFill/>
-        </p:spPr>
-        <p:txBody>
-          <a:bodyPr wrap="square" rtlCol="0">
-            <a:spAutoFit/>
-          </a:bodyPr>
-          <a:lstStyle/>
-          <a:p>
-            <a:r>
-              <a:rPr lang="fr-FR" sz="1200" dirty="0"/>
-              <a:t>Sortie </a:t>
-            </a:r>
-            <a:r>
-              <a:rPr lang="fr-FR" sz="1200" i="1" dirty="0"/>
-              <a:t>s(t)</a:t>
-            </a:r>
-          </a:p>
-        </p:txBody>
-      </p:sp>
-      <p:sp>
-        <p:nvSpPr>
-          <p:cNvPr id="15" name="Organigramme : Jonction de sommaire 14"/>
-          <p:cNvSpPr/>
-          <p:nvPr/>
-        </p:nvSpPr>
-        <p:spPr>
-          <a:xfrm>
-            <a:off x="2771800" y="3501008"/>
-            <a:ext cx="360040" cy="360040"/>
-          </a:xfrm>
-          <a:prstGeom prst="flowChartSummingJunction">
-            <a:avLst/>
-          </a:prstGeom>
-          <a:noFill/>
-          <a:effectLst>
-            <a:outerShdw blurRad="50800" dist="38100" dir="2700000" algn="tl" rotWithShape="0">
-              <a:prstClr val="black">
-                <a:alpha val="40000"/>
-              </a:prstClr>
-            </a:outerShdw>
-          </a:effectLst>
+            <a:r>
+              <a:rPr lang="fr-FR" sz="1400" dirty="0"/>
+              <a:t>Trou d’air</a:t>
+            </a:r>
+          </a:p>
+        </p:txBody>
+      </p:sp>
+      <p:cxnSp>
+        <p:nvCxnSpPr>
+          <p:cNvPr id="16" name="Connecteur droit 15"/>
+          <p:cNvCxnSpPr>
+            <a:stCxn id="11" idx="0"/>
+          </p:cNvCxnSpPr>
+          <p:nvPr/>
+        </p:nvCxnSpPr>
+        <p:spPr>
+          <a:xfrm>
+            <a:off x="3329796" y="1992700"/>
+            <a:ext cx="0" cy="1057469"/>
+          </a:xfrm>
+          <a:prstGeom prst="line">
+            <a:avLst/>
+          </a:prstGeom>
+          <a:ln>
+            <a:solidFill>
+              <a:srgbClr val="FF0000"/>
+            </a:solidFill>
+          </a:ln>
         </p:spPr>
         <p:style>
-          <a:lnRef idx="2">
-            <a:schemeClr val="accent2"/>
+          <a:lnRef idx="1">
+            <a:schemeClr val="accent1"/>
           </a:lnRef>
-          <a:fillRef idx="1">
-            <a:schemeClr val="lt1"/>
+          <a:fillRef idx="0">
+            <a:schemeClr val="accent1"/>
           </a:fillRef>
           <a:effectRef idx="0">
-            <a:schemeClr val="accent2"/>
-          </a:effectRef>
-          <a:fontRef idx="minor">
-            <a:schemeClr val="dk1"/>
-          </a:fontRef>
-        </p:style>
-        <p:txBody>
-          <a:bodyPr rtlCol="0" anchor="ctr"/>
-          <a:lstStyle/>
-          <a:p>
-            <a:pPr algn="ctr"/>
-            <a:endParaRPr lang="fr-FR" dirty="0"/>
-          </a:p>
-        </p:txBody>
-      </p:sp>
-      <p:cxnSp>
-        <p:nvCxnSpPr>
-          <p:cNvPr id="16" name="Connecteur droit avec flèche 15"/>
-          <p:cNvCxnSpPr/>
-          <p:nvPr/>
-        </p:nvCxnSpPr>
-        <p:spPr>
-          <a:xfrm>
-            <a:off x="2051720" y="3681028"/>
-            <a:ext cx="720080" cy="0"/>
-          </a:xfrm>
-          <a:prstGeom prst="straightConnector1">
-            <a:avLst/>
-          </a:prstGeom>
-          <a:ln>
-            <a:tailEnd type="arrow"/>
-          </a:ln>
-        </p:spPr>
-        <p:style>
-          <a:lnRef idx="2">
-            <a:schemeClr val="accent2"/>
-          </a:lnRef>
-          <a:fillRef idx="0">
-            <a:schemeClr val="accent2"/>
-          </a:fillRef>
-          <a:effectRef idx="1">
-            <a:schemeClr val="accent2"/>
+            <a:schemeClr val="accent1"/>
           </a:effectRef>
           <a:fontRef idx="minor">
             <a:schemeClr val="tx1"/>
@@ -6584,31 +6686,33 @@
       </p:cxnSp>
       <p:cxnSp>
         <p:nvCxnSpPr>
-          <p:cNvPr id="17" name="Connecteur droit avec flèche 16"/>
+          <p:cNvPr id="18" name="Connecteur droit 17"/>
           <p:cNvCxnSpPr/>
           <p:nvPr/>
         </p:nvCxnSpPr>
         <p:spPr>
-          <a:xfrm rot="16200000">
-            <a:off x="2591625" y="4221088"/>
-            <a:ext cx="720080" cy="0"/>
-          </a:xfrm>
-          <a:prstGeom prst="straightConnector1">
+          <a:xfrm>
+            <a:off x="5391510" y="1992700"/>
+            <a:ext cx="0" cy="1057469"/>
+          </a:xfrm>
+          <a:prstGeom prst="line">
             <a:avLst/>
           </a:prstGeom>
           <a:ln>
-            <a:tailEnd type="arrow"/>
+            <a:solidFill>
+              <a:srgbClr val="FF0000"/>
+            </a:solidFill>
           </a:ln>
         </p:spPr>
         <p:style>
-          <a:lnRef idx="2">
-            <a:schemeClr val="accent2"/>
+          <a:lnRef idx="1">
+            <a:schemeClr val="accent1"/>
           </a:lnRef>
           <a:fillRef idx="0">
-            <a:schemeClr val="accent2"/>
+            <a:schemeClr val="accent1"/>
           </a:fillRef>
-          <a:effectRef idx="1">
-            <a:schemeClr val="accent2"/>
+          <a:effectRef idx="0">
+            <a:schemeClr val="accent1"/>
           </a:effectRef>
           <a:fontRef idx="minor">
             <a:schemeClr val="tx1"/>
@@ -6617,391 +6721,35 @@
       </p:cxnSp>
       <p:cxnSp>
         <p:nvCxnSpPr>
-          <p:cNvPr id="18" name="Connecteur droit avec flèche 17"/>
-          <p:cNvCxnSpPr/>
+          <p:cNvPr id="19" name="Connecteur droit 18"/>
+          <p:cNvCxnSpPr>
+            <a:stCxn id="11" idx="1"/>
+          </p:cNvCxnSpPr>
           <p:nvPr/>
         </p:nvCxnSpPr>
         <p:spPr>
           <a:xfrm>
-            <a:off x="3131840" y="3684328"/>
-            <a:ext cx="720080" cy="0"/>
-          </a:xfrm>
-          <a:prstGeom prst="straightConnector1">
+            <a:off x="4304581" y="2708888"/>
+            <a:ext cx="0" cy="341281"/>
+          </a:xfrm>
+          <a:prstGeom prst="line">
             <a:avLst/>
           </a:prstGeom>
           <a:ln>
-            <a:tailEnd type="arrow"/>
+            <a:solidFill>
+              <a:srgbClr val="FF0000"/>
+            </a:solidFill>
           </a:ln>
         </p:spPr>
         <p:style>
-          <a:lnRef idx="2">
-            <a:schemeClr val="accent2"/>
+          <a:lnRef idx="1">
+            <a:schemeClr val="accent1"/>
           </a:lnRef>
           <a:fillRef idx="0">
-            <a:schemeClr val="accent2"/>
-          </a:fillRef>
-          <a:effectRef idx="1">
-            <a:schemeClr val="accent2"/>
-          </a:effectRef>
-          <a:fontRef idx="minor">
-            <a:schemeClr val="tx1"/>
-          </a:fontRef>
-        </p:style>
-      </p:cxnSp>
-      <p:sp>
-        <p:nvSpPr>
-          <p:cNvPr id="19" name="ZoneTexte 18"/>
-          <p:cNvSpPr txBox="1"/>
-          <p:nvPr/>
-        </p:nvSpPr>
-        <p:spPr>
-          <a:xfrm>
-            <a:off x="1207355" y="3545828"/>
-            <a:ext cx="864096" cy="276999"/>
-          </a:xfrm>
-          <a:prstGeom prst="rect">
-            <a:avLst/>
-          </a:prstGeom>
-          <a:noFill/>
-        </p:spPr>
-        <p:txBody>
-          <a:bodyPr wrap="square" rtlCol="0">
-            <a:spAutoFit/>
-          </a:bodyPr>
-          <a:lstStyle/>
-          <a:p>
-            <a:pPr algn="r"/>
-            <a:r>
-              <a:rPr lang="fr-FR" sz="1200" i="1" dirty="0"/>
-              <a:t>e</a:t>
-            </a:r>
-            <a:r>
-              <a:rPr lang="fr-FR" sz="1200" i="1" baseline="-25000" dirty="0"/>
-              <a:t>1</a:t>
-            </a:r>
-            <a:r>
-              <a:rPr lang="fr-FR" sz="1200" i="1" dirty="0"/>
-              <a:t>(t)</a:t>
-            </a:r>
-          </a:p>
-        </p:txBody>
-      </p:sp>
-      <p:sp>
-        <p:nvSpPr>
-          <p:cNvPr id="20" name="ZoneTexte 19"/>
-          <p:cNvSpPr txBox="1"/>
-          <p:nvPr/>
-        </p:nvSpPr>
-        <p:spPr>
-          <a:xfrm>
-            <a:off x="2519772" y="4581128"/>
-            <a:ext cx="864096" cy="276999"/>
-          </a:xfrm>
-          <a:prstGeom prst="rect">
-            <a:avLst/>
-          </a:prstGeom>
-          <a:noFill/>
-        </p:spPr>
-        <p:txBody>
-          <a:bodyPr wrap="square" rtlCol="0">
-            <a:spAutoFit/>
-          </a:bodyPr>
-          <a:lstStyle/>
-          <a:p>
-            <a:pPr algn="ctr"/>
-            <a:r>
-              <a:rPr lang="fr-FR" sz="1200" i="1" dirty="0"/>
-              <a:t>e</a:t>
-            </a:r>
-            <a:r>
-              <a:rPr lang="fr-FR" sz="1200" i="1" baseline="-25000" dirty="0"/>
-              <a:t>2</a:t>
-            </a:r>
-            <a:r>
-              <a:rPr lang="fr-FR" sz="1200" i="1" dirty="0"/>
-              <a:t>(t)</a:t>
-            </a:r>
-          </a:p>
-        </p:txBody>
-      </p:sp>
-      <p:sp>
-        <p:nvSpPr>
-          <p:cNvPr id="21" name="ZoneTexte 20"/>
-          <p:cNvSpPr txBox="1"/>
-          <p:nvPr/>
-        </p:nvSpPr>
-        <p:spPr>
-          <a:xfrm>
-            <a:off x="3851920" y="3542528"/>
-            <a:ext cx="1440160" cy="276999"/>
-          </a:xfrm>
-          <a:prstGeom prst="rect">
-            <a:avLst/>
-          </a:prstGeom>
-          <a:noFill/>
-        </p:spPr>
-        <p:txBody>
-          <a:bodyPr wrap="square" rtlCol="0">
-            <a:spAutoFit/>
-          </a:bodyPr>
-          <a:lstStyle/>
-          <a:p>
-            <a:r>
-              <a:rPr lang="fr-FR" sz="1200" i="1" dirty="0"/>
-              <a:t>s(t)=e</a:t>
-            </a:r>
-            <a:r>
-              <a:rPr lang="fr-FR" sz="1200" i="1" baseline="-25000" dirty="0"/>
-              <a:t>1</a:t>
-            </a:r>
-            <a:r>
-              <a:rPr lang="fr-FR" sz="1200" i="1" dirty="0"/>
-              <a:t>(t) </a:t>
-            </a:r>
-            <a:r>
-              <a:rPr lang="fr-FR" sz="1200" b="1" i="1" dirty="0">
-                <a:solidFill>
-                  <a:srgbClr val="C00000"/>
-                </a:solidFill>
-              </a:rPr>
-              <a:t>–</a:t>
-            </a:r>
-            <a:r>
-              <a:rPr lang="fr-FR" sz="1200" i="1" dirty="0"/>
-              <a:t> e</a:t>
-            </a:r>
-            <a:r>
-              <a:rPr lang="fr-FR" sz="1200" i="1" baseline="-25000" dirty="0"/>
-              <a:t>2</a:t>
-            </a:r>
-            <a:r>
-              <a:rPr lang="fr-FR" sz="1200" i="1" dirty="0"/>
-              <a:t>(t)</a:t>
-            </a:r>
-          </a:p>
-        </p:txBody>
-      </p:sp>
-      <p:sp>
-        <p:nvSpPr>
-          <p:cNvPr id="23" name="Plus 22"/>
-          <p:cNvSpPr/>
-          <p:nvPr/>
-        </p:nvSpPr>
-        <p:spPr>
-          <a:xfrm>
-            <a:off x="2571255" y="3392996"/>
-            <a:ext cx="216024" cy="216024"/>
-          </a:xfrm>
-          <a:prstGeom prst="mathPlus">
-            <a:avLst/>
-          </a:prstGeom>
-          <a:solidFill>
-            <a:srgbClr val="C00000"/>
-          </a:solidFill>
-          <a:ln w="3175">
-            <a:solidFill>
-              <a:srgbClr val="C00000"/>
-            </a:solidFill>
-          </a:ln>
-        </p:spPr>
-        <p:style>
-          <a:lnRef idx="2">
-            <a:schemeClr val="accent2">
-              <a:shade val="50000"/>
-            </a:schemeClr>
-          </a:lnRef>
-          <a:fillRef idx="1">
-            <a:schemeClr val="accent2"/>
+            <a:schemeClr val="accent1"/>
           </a:fillRef>
           <a:effectRef idx="0">
-            <a:schemeClr val="accent2"/>
-          </a:effectRef>
-          <a:fontRef idx="minor">
-            <a:schemeClr val="lt1"/>
-          </a:fontRef>
-        </p:style>
-        <p:txBody>
-          <a:bodyPr rtlCol="0" anchor="ctr"/>
-          <a:lstStyle/>
-          <a:p>
-            <a:pPr algn="ctr"/>
-            <a:endParaRPr lang="fr-FR"/>
-          </a:p>
-        </p:txBody>
-      </p:sp>
-      <p:sp>
-        <p:nvSpPr>
-          <p:cNvPr id="24" name="Moins 23"/>
-          <p:cNvSpPr/>
-          <p:nvPr/>
-        </p:nvSpPr>
-        <p:spPr>
-          <a:xfrm>
-            <a:off x="3058465" y="3861048"/>
-            <a:ext cx="144016" cy="144016"/>
-          </a:xfrm>
-          <a:prstGeom prst="mathMinus">
-            <a:avLst/>
-          </a:prstGeom>
-          <a:solidFill>
-            <a:schemeClr val="accent2"/>
-          </a:solidFill>
-          <a:ln>
-            <a:solidFill>
-              <a:schemeClr val="accent2"/>
-            </a:solidFill>
-          </a:ln>
-        </p:spPr>
-        <p:style>
-          <a:lnRef idx="2">
-            <a:schemeClr val="accent1">
-              <a:shade val="50000"/>
-            </a:schemeClr>
-          </a:lnRef>
-          <a:fillRef idx="1">
-            <a:schemeClr val="accent1"/>
-          </a:fillRef>
-          <a:effectRef idx="0">
-            <a:schemeClr val="accent1"/>
-          </a:effectRef>
-          <a:fontRef idx="minor">
-            <a:schemeClr val="lt1"/>
-          </a:fontRef>
-        </p:style>
-        <p:txBody>
-          <a:bodyPr rtlCol="0" anchor="ctr"/>
-          <a:lstStyle/>
-          <a:p>
-            <a:pPr algn="ctr"/>
-            <a:endParaRPr lang="fr-FR"/>
-          </a:p>
-        </p:txBody>
-      </p:sp>
-      <p:sp>
-        <p:nvSpPr>
-          <p:cNvPr id="25" name="Rectangle 24"/>
-          <p:cNvSpPr/>
-          <p:nvPr/>
-        </p:nvSpPr>
-        <p:spPr>
-          <a:xfrm>
-            <a:off x="5552492" y="4221748"/>
-            <a:ext cx="1080120" cy="576064"/>
-          </a:xfrm>
-          <a:prstGeom prst="rect">
-            <a:avLst/>
-          </a:prstGeom>
-          <a:noFill/>
-          <a:effectLst>
-            <a:outerShdw blurRad="50800" dist="38100" dir="2700000" algn="tl" rotWithShape="0">
-              <a:prstClr val="black">
-                <a:alpha val="40000"/>
-              </a:prstClr>
-            </a:outerShdw>
-          </a:effectLst>
-        </p:spPr>
-        <p:style>
-          <a:lnRef idx="2">
-            <a:schemeClr val="accent2"/>
-          </a:lnRef>
-          <a:fillRef idx="1">
-            <a:schemeClr val="lt1"/>
-          </a:fillRef>
-          <a:effectRef idx="0">
-            <a:schemeClr val="accent2"/>
-          </a:effectRef>
-          <a:fontRef idx="minor">
-            <a:schemeClr val="dk1"/>
-          </a:fontRef>
-        </p:style>
-        <p:txBody>
-          <a:bodyPr rtlCol="0" anchor="ctr"/>
-          <a:lstStyle/>
-          <a:p>
-            <a:pPr algn="ctr"/>
-            <a:r>
-              <a:rPr lang="fr-FR" sz="1600" dirty="0"/>
-              <a:t>Bloc 1</a:t>
-            </a:r>
-          </a:p>
-        </p:txBody>
-      </p:sp>
-      <p:sp>
-        <p:nvSpPr>
-          <p:cNvPr id="26" name="Rectangle 25"/>
-          <p:cNvSpPr/>
-          <p:nvPr/>
-        </p:nvSpPr>
-        <p:spPr>
-          <a:xfrm>
-            <a:off x="7352692" y="4244267"/>
-            <a:ext cx="1080120" cy="576064"/>
-          </a:xfrm>
-          <a:prstGeom prst="rect">
-            <a:avLst/>
-          </a:prstGeom>
-          <a:noFill/>
-          <a:effectLst>
-            <a:outerShdw blurRad="50800" dist="38100" dir="2700000" algn="tl" rotWithShape="0">
-              <a:prstClr val="black">
-                <a:alpha val="40000"/>
-              </a:prstClr>
-            </a:outerShdw>
-          </a:effectLst>
-        </p:spPr>
-        <p:style>
-          <a:lnRef idx="2">
-            <a:schemeClr val="accent2"/>
-          </a:lnRef>
-          <a:fillRef idx="1">
-            <a:schemeClr val="lt1"/>
-          </a:fillRef>
-          <a:effectRef idx="0">
-            <a:schemeClr val="accent2"/>
-          </a:effectRef>
-          <a:fontRef idx="minor">
-            <a:schemeClr val="dk1"/>
-          </a:fontRef>
-        </p:style>
-        <p:txBody>
-          <a:bodyPr rtlCol="0" anchor="ctr"/>
-          <a:lstStyle/>
-          <a:p>
-            <a:pPr algn="ctr"/>
-            <a:r>
-              <a:rPr lang="fr-FR" sz="1600" dirty="0"/>
-              <a:t>Bloc 2</a:t>
-            </a:r>
-          </a:p>
-        </p:txBody>
-      </p:sp>
-      <p:cxnSp>
-        <p:nvCxnSpPr>
-          <p:cNvPr id="27" name="Connecteur droit avec flèche 26"/>
-          <p:cNvCxnSpPr/>
-          <p:nvPr/>
-        </p:nvCxnSpPr>
-        <p:spPr>
-          <a:xfrm>
-            <a:off x="4840389" y="4532299"/>
-            <a:ext cx="720080" cy="0"/>
-          </a:xfrm>
-          <a:prstGeom prst="straightConnector1">
-            <a:avLst/>
-          </a:prstGeom>
-          <a:ln>
-            <a:tailEnd type="arrow"/>
-          </a:ln>
-        </p:spPr>
-        <p:style>
-          <a:lnRef idx="2">
-            <a:schemeClr val="accent2"/>
-          </a:lnRef>
-          <a:fillRef idx="0">
-            <a:schemeClr val="accent2"/>
-          </a:fillRef>
-          <a:effectRef idx="1">
-            <a:schemeClr val="accent2"/>
+            <a:schemeClr val="accent1"/>
           </a:effectRef>
           <a:fontRef idx="minor">
             <a:schemeClr val="tx1"/>
@@ -7010,31 +6758,35 @@
       </p:cxnSp>
       <p:cxnSp>
         <p:nvCxnSpPr>
-          <p:cNvPr id="28" name="Connecteur droit avec flèche 27"/>
+          <p:cNvPr id="23" name="Connecteur droit 22"/>
           <p:cNvCxnSpPr/>
           <p:nvPr/>
         </p:nvCxnSpPr>
         <p:spPr>
           <a:xfrm>
-            <a:off x="6632612" y="4532855"/>
-            <a:ext cx="720080" cy="0"/>
-          </a:xfrm>
-          <a:prstGeom prst="straightConnector1">
+            <a:off x="3329796" y="2996952"/>
+            <a:ext cx="974785" cy="1"/>
+          </a:xfrm>
+          <a:prstGeom prst="line">
             <a:avLst/>
           </a:prstGeom>
           <a:ln>
-            <a:tailEnd type="arrow"/>
+            <a:solidFill>
+              <a:srgbClr val="FF0000"/>
+            </a:solidFill>
+            <a:headEnd type="arrow" w="med" len="med"/>
+            <a:tailEnd type="arrow" w="med" len="med"/>
           </a:ln>
         </p:spPr>
         <p:style>
-          <a:lnRef idx="2">
-            <a:schemeClr val="accent2"/>
+          <a:lnRef idx="1">
+            <a:schemeClr val="accent1"/>
           </a:lnRef>
           <a:fillRef idx="0">
-            <a:schemeClr val="accent2"/>
+            <a:schemeClr val="accent1"/>
           </a:fillRef>
-          <a:effectRef idx="1">
-            <a:schemeClr val="accent2"/>
+          <a:effectRef idx="0">
+            <a:schemeClr val="accent1"/>
           </a:effectRef>
           <a:fontRef idx="minor">
             <a:schemeClr val="tx1"/>
@@ -7043,80 +6795,51 @@
       </p:cxnSp>
       <p:cxnSp>
         <p:nvCxnSpPr>
-          <p:cNvPr id="29" name="Connecteur droit avec flèche 28"/>
+          <p:cNvPr id="25" name="Connecteur droit 24"/>
           <p:cNvCxnSpPr/>
           <p:nvPr/>
         </p:nvCxnSpPr>
         <p:spPr>
           <a:xfrm>
-            <a:off x="8432812" y="4532855"/>
-            <a:ext cx="720080" cy="0"/>
-          </a:xfrm>
-          <a:prstGeom prst="straightConnector1">
+            <a:off x="4304581" y="2996951"/>
+            <a:ext cx="1086929" cy="0"/>
+          </a:xfrm>
+          <a:prstGeom prst="line">
             <a:avLst/>
           </a:prstGeom>
           <a:ln>
-            <a:tailEnd type="arrow"/>
+            <a:solidFill>
+              <a:srgbClr val="FF0000"/>
+            </a:solidFill>
+            <a:headEnd type="arrow" w="med" len="med"/>
+            <a:tailEnd type="arrow" w="med" len="med"/>
           </a:ln>
         </p:spPr>
         <p:style>
-          <a:lnRef idx="2">
-            <a:schemeClr val="accent2"/>
+          <a:lnRef idx="1">
+            <a:schemeClr val="accent1"/>
           </a:lnRef>
           <a:fillRef idx="0">
-            <a:schemeClr val="accent2"/>
+            <a:schemeClr val="accent1"/>
           </a:fillRef>
-          <a:effectRef idx="1">
-            <a:schemeClr val="accent2"/>
+          <a:effectRef idx="0">
+            <a:schemeClr val="accent1"/>
           </a:effectRef>
           <a:fontRef idx="minor">
             <a:schemeClr val="tx1"/>
           </a:fontRef>
         </p:style>
       </p:cxnSp>
-      <p:cxnSp>
-        <p:nvCxnSpPr>
-          <p:cNvPr id="30" name="Connecteur droit avec flèche 29"/>
-          <p:cNvCxnSpPr/>
-          <p:nvPr/>
-        </p:nvCxnSpPr>
-        <p:spPr>
-          <a:xfrm rot="5400000" flipH="1" flipV="1">
-            <a:off x="6613729" y="4892895"/>
-            <a:ext cx="720080" cy="0"/>
-          </a:xfrm>
-          <a:prstGeom prst="straightConnector1">
-            <a:avLst/>
-          </a:prstGeom>
-          <a:ln>
-            <a:tailEnd type="oval" w="lg" len="lg"/>
-          </a:ln>
-        </p:spPr>
-        <p:style>
-          <a:lnRef idx="2">
-            <a:schemeClr val="accent2"/>
-          </a:lnRef>
-          <a:fillRef idx="0">
-            <a:schemeClr val="accent2"/>
-          </a:fillRef>
-          <a:effectRef idx="1">
-            <a:schemeClr val="accent2"/>
-          </a:effectRef>
-          <a:fontRef idx="minor">
-            <a:schemeClr val="tx1"/>
-          </a:fontRef>
-        </p:style>
-      </p:cxnSp>
-      <p:sp>
-        <p:nvSpPr>
-          <p:cNvPr id="31" name="ZoneTexte 30"/>
+      <p:sp>
+        <p:nvSpPr>
+          <p:cNvPr id="27" name="ZoneTexte 26"/>
           <p:cNvSpPr txBox="1"/>
           <p:nvPr/>
         </p:nvSpPr>
         <p:spPr>
           <a:xfrm>
-            <a:off x="4289729" y="4259969"/>
-            <a:ext cx="864096" cy="276999"/>
+            <a:off x="4304582" y="2726950"/>
+            <a:ext cx="1086928" cy="523220"/>
           </a:xfrm>
           <a:prstGeom prst="rect">
             <a:avLst/>
@@ -7129,157 +6852,10 @@
           </a:bodyPr>
           <a:lstStyle/>
           <a:p>
-            <a:pPr algn="r"/>
-            <a:r>
-              <a:rPr lang="fr-FR" sz="1200" i="1" dirty="0"/>
-              <a:t>e(t)</a:t>
-            </a:r>
-          </a:p>
-        </p:txBody>
-      </p:sp>
-      <p:sp>
-        <p:nvSpPr>
-          <p:cNvPr id="32" name="ZoneTexte 31"/>
-          <p:cNvSpPr txBox="1"/>
-          <p:nvPr/>
-        </p:nvSpPr>
-        <p:spPr>
-          <a:xfrm>
-            <a:off x="6742364" y="4157847"/>
-            <a:ext cx="457927" cy="276999"/>
-          </a:xfrm>
-          <a:prstGeom prst="rect">
-            <a:avLst/>
-          </a:prstGeom>
-          <a:noFill/>
-        </p:spPr>
-        <p:txBody>
-          <a:bodyPr wrap="square" rtlCol="0">
-            <a:spAutoFit/>
-          </a:bodyPr>
-          <a:lstStyle/>
-          <a:p>
             <a:pPr algn="ctr"/>
             <a:r>
-              <a:rPr lang="fr-FR" sz="1200" i="1" dirty="0"/>
-              <a:t>s</a:t>
-            </a:r>
-            <a:r>
-              <a:rPr lang="fr-FR" sz="1200" i="1" baseline="-25000" dirty="0"/>
-              <a:t>1</a:t>
-            </a:r>
-            <a:r>
-              <a:rPr lang="fr-FR" sz="1200" i="1" dirty="0"/>
-              <a:t>(t)</a:t>
-            </a:r>
-          </a:p>
-        </p:txBody>
-      </p:sp>
-      <p:cxnSp>
-        <p:nvCxnSpPr>
-          <p:cNvPr id="33" name="Connecteur droit avec flèche 32"/>
-          <p:cNvCxnSpPr/>
-          <p:nvPr/>
-        </p:nvCxnSpPr>
-        <p:spPr>
-          <a:xfrm>
-            <a:off x="6960682" y="5252935"/>
-            <a:ext cx="720080" cy="0"/>
-          </a:xfrm>
-          <a:prstGeom prst="straightConnector1">
-            <a:avLst/>
-          </a:prstGeom>
-          <a:ln>
-            <a:tailEnd type="arrow"/>
-          </a:ln>
-        </p:spPr>
-        <p:style>
-          <a:lnRef idx="2">
-            <a:schemeClr val="accent2"/>
-          </a:lnRef>
-          <a:fillRef idx="0">
-            <a:schemeClr val="accent2"/>
-          </a:fillRef>
-          <a:effectRef idx="1">
-            <a:schemeClr val="accent2"/>
-          </a:effectRef>
-          <a:fontRef idx="minor">
-            <a:schemeClr val="tx1"/>
-          </a:fontRef>
-        </p:style>
-      </p:cxnSp>
-      <p:sp>
-        <p:nvSpPr>
-          <p:cNvPr id="34" name="ZoneTexte 33"/>
-          <p:cNvSpPr txBox="1"/>
-          <p:nvPr/>
-        </p:nvSpPr>
-        <p:spPr>
-          <a:xfrm>
-            <a:off x="7680762" y="5114435"/>
-            <a:ext cx="457927" cy="276999"/>
-          </a:xfrm>
-          <a:prstGeom prst="rect">
-            <a:avLst/>
-          </a:prstGeom>
-          <a:noFill/>
-        </p:spPr>
-        <p:txBody>
-          <a:bodyPr wrap="square" rtlCol="0">
-            <a:spAutoFit/>
-          </a:bodyPr>
-          <a:lstStyle/>
-          <a:p>
-            <a:pPr algn="ctr"/>
-            <a:r>
-              <a:rPr lang="fr-FR" sz="1200" i="1" dirty="0"/>
-              <a:t>s</a:t>
-            </a:r>
-            <a:r>
-              <a:rPr lang="fr-FR" sz="1200" i="1" baseline="-25000" dirty="0"/>
-              <a:t>1</a:t>
-            </a:r>
-            <a:r>
-              <a:rPr lang="fr-FR" sz="1200" i="1" dirty="0"/>
-              <a:t>(t)</a:t>
-            </a:r>
-          </a:p>
-        </p:txBody>
-      </p:sp>
-      <p:sp>
-        <p:nvSpPr>
-          <p:cNvPr id="35" name="ZoneTexte 34"/>
-          <p:cNvSpPr txBox="1"/>
-          <p:nvPr/>
-        </p:nvSpPr>
-        <p:spPr>
-          <a:xfrm>
-            <a:off x="8563888" y="4209511"/>
-            <a:ext cx="457927" cy="276999"/>
-          </a:xfrm>
-          <a:prstGeom prst="rect">
-            <a:avLst/>
-          </a:prstGeom>
-          <a:noFill/>
-        </p:spPr>
-        <p:txBody>
-          <a:bodyPr wrap="square" rtlCol="0">
-            <a:spAutoFit/>
-          </a:bodyPr>
-          <a:lstStyle/>
-          <a:p>
-            <a:pPr algn="ctr"/>
-            <a:r>
-              <a:rPr lang="fr-FR" sz="1200" i="1" dirty="0"/>
-              <a:t>s</a:t>
-            </a:r>
-            <a:r>
-              <a:rPr lang="fr-FR" sz="1200" i="1" baseline="-25000" dirty="0"/>
-              <a:t>2</a:t>
-            </a:r>
-            <a:r>
-              <a:rPr lang="fr-FR" sz="1200" i="1" dirty="0"/>
-              <a:t>(t)</a:t>
+              <a:rPr lang="fr-FR" sz="1400" dirty="0"/>
+              <a:t>Réaction du système</a:t>
             </a:r>
           </a:p>
         </p:txBody>
@@ -7287,7 +6863,7 @@
     </p:spTree>
     <p:extLst>
       <p:ext uri="{BB962C8B-B14F-4D97-AF65-F5344CB8AC3E}">
-        <p14:creationId xmlns:p14="http://schemas.microsoft.com/office/powerpoint/2010/main" val="1027029552"/>
+        <p14:creationId xmlns:p14="http://schemas.microsoft.com/office/powerpoint/2010/main" val="2938322222"/>
       </p:ext>
     </p:extLst>
   </p:cSld>
@@ -7314,198 +6890,16 @@
           <a:chExt cx="0" cy="0"/>
         </a:xfrm>
       </p:grpSpPr>
-      <p:sp>
-        <p:nvSpPr>
-          <p:cNvPr id="80" name="Rectangle 79"/>
-          <p:cNvSpPr/>
-          <p:nvPr/>
-        </p:nvSpPr>
-        <p:spPr>
-          <a:xfrm>
-            <a:off x="2751208" y="3194511"/>
-            <a:ext cx="4701111" cy="666537"/>
-          </a:xfrm>
-          <a:prstGeom prst="rect">
-            <a:avLst/>
-          </a:prstGeom>
-          <a:ln>
-            <a:prstDash val="lgDash"/>
-          </a:ln>
-        </p:spPr>
-        <p:style>
-          <a:lnRef idx="1">
-            <a:schemeClr val="accent3"/>
-          </a:lnRef>
-          <a:fillRef idx="2">
-            <a:schemeClr val="accent3"/>
-          </a:fillRef>
-          <a:effectRef idx="1">
-            <a:schemeClr val="accent3"/>
-          </a:effectRef>
-          <a:fontRef idx="minor">
-            <a:schemeClr val="dk1"/>
-          </a:fontRef>
-        </p:style>
-        <p:txBody>
-          <a:bodyPr rtlCol="0" anchor="ctr"/>
-          <a:lstStyle/>
-          <a:p>
-            <a:pPr algn="ctr"/>
-            <a:endParaRPr lang="fr-FR"/>
-          </a:p>
-        </p:txBody>
-      </p:sp>
-      <p:sp>
-        <p:nvSpPr>
-          <p:cNvPr id="78" name="Rectangle 77"/>
-          <p:cNvSpPr/>
-          <p:nvPr/>
-        </p:nvSpPr>
-        <p:spPr>
-          <a:xfrm>
-            <a:off x="611492" y="1844824"/>
-            <a:ext cx="6840827" cy="1189057"/>
-          </a:xfrm>
-          <a:prstGeom prst="rect">
-            <a:avLst/>
-          </a:prstGeom>
-          <a:ln>
-            <a:prstDash val="lgDash"/>
-          </a:ln>
-        </p:spPr>
-        <p:style>
-          <a:lnRef idx="1">
-            <a:schemeClr val="accent3"/>
-          </a:lnRef>
-          <a:fillRef idx="2">
-            <a:schemeClr val="accent3"/>
-          </a:fillRef>
-          <a:effectRef idx="1">
-            <a:schemeClr val="accent3"/>
-          </a:effectRef>
-          <a:fontRef idx="minor">
-            <a:schemeClr val="dk1"/>
-          </a:fontRef>
-        </p:style>
-        <p:txBody>
-          <a:bodyPr rtlCol="0" anchor="ctr"/>
-          <a:lstStyle/>
-          <a:p>
-            <a:pPr algn="ctr"/>
-            <a:endParaRPr lang="fr-FR"/>
-          </a:p>
-        </p:txBody>
-      </p:sp>
-      <p:sp>
-        <p:nvSpPr>
-          <p:cNvPr id="76" name="Rectangle 75"/>
-          <p:cNvSpPr/>
-          <p:nvPr/>
-        </p:nvSpPr>
-        <p:spPr>
-          <a:xfrm>
-            <a:off x="5552492" y="2139049"/>
-            <a:ext cx="1621921" cy="1649991"/>
-          </a:xfrm>
-          <a:prstGeom prst="rect">
-            <a:avLst/>
-          </a:prstGeom>
-          <a:gradFill>
-            <a:gsLst>
-              <a:gs pos="0">
-                <a:schemeClr val="accent2">
-                  <a:tint val="50000"/>
-                  <a:satMod val="300000"/>
-                  <a:alpha val="69000"/>
-                </a:schemeClr>
-              </a:gs>
-              <a:gs pos="100000">
-                <a:schemeClr val="accent2">
-                  <a:tint val="15000"/>
-                  <a:satMod val="350000"/>
-                  <a:alpha val="70000"/>
-                </a:schemeClr>
-              </a:gs>
-            </a:gsLst>
-          </a:gradFill>
-          <a:ln>
-            <a:prstDash val="lgDash"/>
-          </a:ln>
-        </p:spPr>
-        <p:style>
-          <a:lnRef idx="1">
-            <a:schemeClr val="accent2"/>
-          </a:lnRef>
-          <a:fillRef idx="2">
-            <a:schemeClr val="accent2"/>
-          </a:fillRef>
-          <a:effectRef idx="1">
-            <a:schemeClr val="accent2"/>
-          </a:effectRef>
-          <a:fontRef idx="minor">
-            <a:schemeClr val="dk1"/>
-          </a:fontRef>
-        </p:style>
-        <p:txBody>
-          <a:bodyPr rtlCol="0" anchor="ctr"/>
-          <a:lstStyle/>
-          <a:p>
-            <a:pPr algn="ctr"/>
-            <a:endParaRPr lang="fr-FR"/>
-          </a:p>
-        </p:txBody>
-      </p:sp>
-      <p:sp>
-        <p:nvSpPr>
-          <p:cNvPr id="73" name="Rectangle 72"/>
-          <p:cNvSpPr/>
-          <p:nvPr/>
-        </p:nvSpPr>
-        <p:spPr>
-          <a:xfrm>
-            <a:off x="755576" y="2139049"/>
-            <a:ext cx="4248472" cy="785895"/>
-          </a:xfrm>
-          <a:prstGeom prst="rect">
-            <a:avLst/>
-          </a:prstGeom>
-          <a:ln>
-            <a:prstDash val="lgDash"/>
-          </a:ln>
-        </p:spPr>
-        <p:style>
-          <a:lnRef idx="1">
-            <a:schemeClr val="accent4"/>
-          </a:lnRef>
-          <a:fillRef idx="2">
-            <a:schemeClr val="accent4"/>
-          </a:fillRef>
-          <a:effectRef idx="1">
-            <a:schemeClr val="accent4"/>
-          </a:effectRef>
-          <a:fontRef idx="minor">
-            <a:schemeClr val="dk1"/>
-          </a:fontRef>
-        </p:style>
-        <p:txBody>
-          <a:bodyPr rtlCol="0" anchor="ctr"/>
-          <a:lstStyle/>
-          <a:p>
-            <a:pPr algn="ctr"/>
-            <a:endParaRPr lang="fr-FR"/>
-          </a:p>
-        </p:txBody>
-      </p:sp>
       <p:cxnSp>
         <p:nvCxnSpPr>
-          <p:cNvPr id="33" name="Connecteur droit avec flèche 32"/>
+          <p:cNvPr id="14" name="Connecteur droit avec flèche 13"/>
           <p:cNvCxnSpPr/>
           <p:nvPr/>
         </p:nvCxnSpPr>
         <p:spPr>
           <a:xfrm>
-            <a:off x="6691243" y="2583831"/>
-            <a:ext cx="1265133" cy="3636"/>
+            <a:off x="6480212" y="2277549"/>
+            <a:ext cx="720080" cy="0"/>
           </a:xfrm>
           <a:prstGeom prst="straightConnector1">
             <a:avLst/>
@@ -7513,124 +6907,6 @@
           <a:ln>
             <a:tailEnd type="arrow"/>
           </a:ln>
-          <a:effectLst/>
-        </p:spPr>
-        <p:style>
-          <a:lnRef idx="2">
-            <a:schemeClr val="accent2"/>
-          </a:lnRef>
-          <a:fillRef idx="0">
-            <a:schemeClr val="accent2"/>
-          </a:fillRef>
-          <a:effectRef idx="1">
-            <a:schemeClr val="accent2"/>
-          </a:effectRef>
-          <a:fontRef idx="minor">
-            <a:schemeClr val="tx1"/>
-          </a:fontRef>
-        </p:style>
-      </p:cxnSp>
-      <p:sp>
-        <p:nvSpPr>
-          <p:cNvPr id="38" name="Rectangle 37"/>
-          <p:cNvSpPr/>
-          <p:nvPr/>
-        </p:nvSpPr>
-        <p:spPr>
-          <a:xfrm>
-            <a:off x="932808" y="2420888"/>
-            <a:ext cx="1080120" cy="360040"/>
-          </a:xfrm>
-          <a:prstGeom prst="rect">
-            <a:avLst/>
-          </a:prstGeom>
-          <a:noFill/>
-          <a:effectLst/>
-        </p:spPr>
-        <p:style>
-          <a:lnRef idx="2">
-            <a:schemeClr val="accent2"/>
-          </a:lnRef>
-          <a:fillRef idx="1">
-            <a:schemeClr val="lt1"/>
-          </a:fillRef>
-          <a:effectRef idx="0">
-            <a:schemeClr val="accent2"/>
-          </a:effectRef>
-          <a:fontRef idx="minor">
-            <a:schemeClr val="dk1"/>
-          </a:fontRef>
-        </p:style>
-        <p:txBody>
-          <a:bodyPr rtlCol="0" anchor="ctr"/>
-          <a:lstStyle/>
-          <a:p>
-            <a:pPr algn="ctr"/>
-            <a:r>
-              <a:rPr lang="fr-FR" sz="1200" dirty="0"/>
-              <a:t>Conditionneur</a:t>
-            </a:r>
-          </a:p>
-        </p:txBody>
-      </p:sp>
-      <p:sp>
-        <p:nvSpPr>
-          <p:cNvPr id="42" name="Organigramme : Jonction de sommaire 41"/>
-          <p:cNvSpPr/>
-          <p:nvPr/>
-        </p:nvSpPr>
-        <p:spPr>
-          <a:xfrm>
-            <a:off x="2735729" y="2420888"/>
-            <a:ext cx="360040" cy="360040"/>
-          </a:xfrm>
-          <a:prstGeom prst="flowChartSummingJunction">
-            <a:avLst/>
-          </a:prstGeom>
-          <a:noFill/>
-          <a:effectLst/>
-        </p:spPr>
-        <p:style>
-          <a:lnRef idx="2">
-            <a:schemeClr val="accent2"/>
-          </a:lnRef>
-          <a:fillRef idx="1">
-            <a:schemeClr val="lt1"/>
-          </a:fillRef>
-          <a:effectRef idx="0">
-            <a:schemeClr val="accent2"/>
-          </a:effectRef>
-          <a:fontRef idx="minor">
-            <a:schemeClr val="dk1"/>
-          </a:fontRef>
-        </p:style>
-        <p:txBody>
-          <a:bodyPr rtlCol="0" anchor="ctr"/>
-          <a:lstStyle/>
-          <a:p>
-            <a:pPr algn="ctr"/>
-            <a:endParaRPr lang="fr-FR" dirty="0"/>
-          </a:p>
-        </p:txBody>
-      </p:sp>
-      <p:cxnSp>
-        <p:nvCxnSpPr>
-          <p:cNvPr id="43" name="Connecteur droit avec flèche 42"/>
-          <p:cNvCxnSpPr/>
-          <p:nvPr/>
-        </p:nvCxnSpPr>
-        <p:spPr>
-          <a:xfrm>
-            <a:off x="2015649" y="2600908"/>
-            <a:ext cx="720080" cy="0"/>
-          </a:xfrm>
-          <a:prstGeom prst="straightConnector1">
-            <a:avLst/>
-          </a:prstGeom>
-          <a:ln>
-            <a:tailEnd type="arrow"/>
-          </a:ln>
-          <a:effectLst/>
         </p:spPr>
         <p:style>
           <a:lnRef idx="2">
@@ -7649,13 +6925,13 @@
       </p:cxnSp>
       <p:cxnSp>
         <p:nvCxnSpPr>
-          <p:cNvPr id="44" name="Connecteur droit avec flèche 43"/>
+          <p:cNvPr id="5" name="Connecteur droit avec flèche 4"/>
           <p:cNvCxnSpPr/>
           <p:nvPr/>
         </p:nvCxnSpPr>
         <p:spPr>
-          <a:xfrm rot="16200000">
-            <a:off x="2555554" y="3140968"/>
+          <a:xfrm>
+            <a:off x="2411760" y="2132856"/>
             <a:ext cx="720080" cy="0"/>
           </a:xfrm>
           <a:prstGeom prst="straightConnector1">
@@ -7664,7 +6940,325 @@
           <a:ln>
             <a:tailEnd type="arrow"/>
           </a:ln>
-          <a:effectLst/>
+        </p:spPr>
+        <p:style>
+          <a:lnRef idx="2">
+            <a:schemeClr val="accent2"/>
+          </a:lnRef>
+          <a:fillRef idx="0">
+            <a:schemeClr val="accent2"/>
+          </a:fillRef>
+          <a:effectRef idx="1">
+            <a:schemeClr val="accent2"/>
+          </a:effectRef>
+          <a:fontRef idx="minor">
+            <a:schemeClr val="tx1"/>
+          </a:fontRef>
+        </p:style>
+      </p:cxnSp>
+      <p:sp>
+        <p:nvSpPr>
+          <p:cNvPr id="6" name="ZoneTexte 5"/>
+          <p:cNvSpPr txBox="1"/>
+          <p:nvPr/>
+        </p:nvSpPr>
+        <p:spPr>
+          <a:xfrm>
+            <a:off x="2339752" y="1839307"/>
+            <a:ext cx="864096" cy="276999"/>
+          </a:xfrm>
+          <a:prstGeom prst="rect">
+            <a:avLst/>
+          </a:prstGeom>
+          <a:noFill/>
+        </p:spPr>
+        <p:txBody>
+          <a:bodyPr wrap="square" rtlCol="0">
+            <a:spAutoFit/>
+          </a:bodyPr>
+          <a:lstStyle/>
+          <a:p>
+            <a:r>
+              <a:rPr lang="fr-FR" sz="1200" i="1" dirty="0"/>
+              <a:t>e(t) en m</a:t>
+            </a:r>
+          </a:p>
+        </p:txBody>
+      </p:sp>
+      <p:cxnSp>
+        <p:nvCxnSpPr>
+          <p:cNvPr id="7" name="Connecteur droit avec flèche 6"/>
+          <p:cNvCxnSpPr/>
+          <p:nvPr/>
+        </p:nvCxnSpPr>
+        <p:spPr>
+          <a:xfrm>
+            <a:off x="2411760" y="2572673"/>
+            <a:ext cx="720080" cy="0"/>
+          </a:xfrm>
+          <a:prstGeom prst="straightConnector1">
+            <a:avLst/>
+          </a:prstGeom>
+          <a:ln>
+            <a:tailEnd type="arrow"/>
+          </a:ln>
+        </p:spPr>
+        <p:style>
+          <a:lnRef idx="2">
+            <a:schemeClr val="accent2"/>
+          </a:lnRef>
+          <a:fillRef idx="0">
+            <a:schemeClr val="accent2"/>
+          </a:fillRef>
+          <a:effectRef idx="1">
+            <a:schemeClr val="accent2"/>
+          </a:effectRef>
+          <a:fontRef idx="minor">
+            <a:schemeClr val="tx1"/>
+          </a:fontRef>
+        </p:style>
+      </p:cxnSp>
+      <p:sp>
+        <p:nvSpPr>
+          <p:cNvPr id="8" name="ZoneTexte 7"/>
+          <p:cNvSpPr txBox="1"/>
+          <p:nvPr/>
+        </p:nvSpPr>
+        <p:spPr>
+          <a:xfrm>
+            <a:off x="2339752" y="2279124"/>
+            <a:ext cx="864096" cy="276999"/>
+          </a:xfrm>
+          <a:prstGeom prst="rect">
+            <a:avLst/>
+          </a:prstGeom>
+          <a:noFill/>
+        </p:spPr>
+        <p:txBody>
+          <a:bodyPr wrap="square" rtlCol="0">
+            <a:spAutoFit/>
+          </a:bodyPr>
+          <a:lstStyle/>
+          <a:p>
+            <a:r>
+              <a:rPr lang="fr-FR" sz="1200" i="1" dirty="0"/>
+              <a:t>s(t) en m</a:t>
+            </a:r>
+          </a:p>
+        </p:txBody>
+      </p:sp>
+      <p:sp>
+        <p:nvSpPr>
+          <p:cNvPr id="10" name="Rectangle 9"/>
+          <p:cNvSpPr/>
+          <p:nvPr/>
+        </p:nvSpPr>
+        <p:spPr>
+          <a:xfrm>
+            <a:off x="5400092" y="1989517"/>
+            <a:ext cx="1080120" cy="576064"/>
+          </a:xfrm>
+          <a:prstGeom prst="rect">
+            <a:avLst/>
+          </a:prstGeom>
+          <a:noFill/>
+          <a:effectLst>
+            <a:outerShdw blurRad="50800" dist="38100" dir="2700000" algn="tl" rotWithShape="0">
+              <a:prstClr val="black">
+                <a:alpha val="40000"/>
+              </a:prstClr>
+            </a:outerShdw>
+          </a:effectLst>
+        </p:spPr>
+        <p:style>
+          <a:lnRef idx="2">
+            <a:schemeClr val="accent2"/>
+          </a:lnRef>
+          <a:fillRef idx="1">
+            <a:schemeClr val="lt1"/>
+          </a:fillRef>
+          <a:effectRef idx="0">
+            <a:schemeClr val="accent2"/>
+          </a:effectRef>
+          <a:fontRef idx="minor">
+            <a:schemeClr val="dk1"/>
+          </a:fontRef>
+        </p:style>
+        <p:txBody>
+          <a:bodyPr rtlCol="0" anchor="ctr"/>
+          <a:lstStyle/>
+          <a:p>
+            <a:pPr algn="ctr"/>
+            <a:r>
+              <a:rPr lang="fr-FR" sz="1600" dirty="0"/>
+              <a:t>Bloc</a:t>
+            </a:r>
+          </a:p>
+        </p:txBody>
+      </p:sp>
+      <p:cxnSp>
+        <p:nvCxnSpPr>
+          <p:cNvPr id="11" name="Connecteur droit avec flèche 10"/>
+          <p:cNvCxnSpPr/>
+          <p:nvPr/>
+        </p:nvCxnSpPr>
+        <p:spPr>
+          <a:xfrm>
+            <a:off x="4680012" y="2277549"/>
+            <a:ext cx="720080" cy="0"/>
+          </a:xfrm>
+          <a:prstGeom prst="straightConnector1">
+            <a:avLst/>
+          </a:prstGeom>
+          <a:ln>
+            <a:tailEnd type="arrow"/>
+          </a:ln>
+        </p:spPr>
+        <p:style>
+          <a:lnRef idx="2">
+            <a:schemeClr val="accent2"/>
+          </a:lnRef>
+          <a:fillRef idx="0">
+            <a:schemeClr val="accent2"/>
+          </a:fillRef>
+          <a:effectRef idx="1">
+            <a:schemeClr val="accent2"/>
+          </a:effectRef>
+          <a:fontRef idx="minor">
+            <a:schemeClr val="tx1"/>
+          </a:fontRef>
+        </p:style>
+      </p:cxnSp>
+      <p:sp>
+        <p:nvSpPr>
+          <p:cNvPr id="12" name="ZoneTexte 11"/>
+          <p:cNvSpPr txBox="1"/>
+          <p:nvPr/>
+        </p:nvSpPr>
+        <p:spPr>
+          <a:xfrm>
+            <a:off x="3815916" y="2140624"/>
+            <a:ext cx="864096" cy="276999"/>
+          </a:xfrm>
+          <a:prstGeom prst="rect">
+            <a:avLst/>
+          </a:prstGeom>
+          <a:noFill/>
+        </p:spPr>
+        <p:txBody>
+          <a:bodyPr wrap="square" rtlCol="0">
+            <a:spAutoFit/>
+          </a:bodyPr>
+          <a:lstStyle/>
+          <a:p>
+            <a:pPr algn="r"/>
+            <a:r>
+              <a:rPr lang="fr-FR" sz="1200" dirty="0"/>
+              <a:t>Entrée </a:t>
+            </a:r>
+            <a:r>
+              <a:rPr lang="fr-FR" sz="1200" i="1" dirty="0"/>
+              <a:t>e(t)</a:t>
+            </a:r>
+          </a:p>
+        </p:txBody>
+      </p:sp>
+      <p:sp>
+        <p:nvSpPr>
+          <p:cNvPr id="13" name="ZoneTexte 12"/>
+          <p:cNvSpPr txBox="1"/>
+          <p:nvPr/>
+        </p:nvSpPr>
+        <p:spPr>
+          <a:xfrm>
+            <a:off x="7174413" y="2139049"/>
+            <a:ext cx="864096" cy="276999"/>
+          </a:xfrm>
+          <a:prstGeom prst="rect">
+            <a:avLst/>
+          </a:prstGeom>
+          <a:noFill/>
+        </p:spPr>
+        <p:txBody>
+          <a:bodyPr wrap="square" rtlCol="0">
+            <a:spAutoFit/>
+          </a:bodyPr>
+          <a:lstStyle/>
+          <a:p>
+            <a:r>
+              <a:rPr lang="fr-FR" sz="1200" dirty="0"/>
+              <a:t>Sortie </a:t>
+            </a:r>
+            <a:r>
+              <a:rPr lang="fr-FR" sz="1200" i="1" dirty="0"/>
+              <a:t>s(t)</a:t>
+            </a:r>
+          </a:p>
+        </p:txBody>
+      </p:sp>
+      <p:sp>
+        <p:nvSpPr>
+          <p:cNvPr id="15" name="Organigramme : Jonction de sommaire 14"/>
+          <p:cNvSpPr/>
+          <p:nvPr/>
+        </p:nvSpPr>
+        <p:spPr>
+          <a:xfrm>
+            <a:off x="2771800" y="3501008"/>
+            <a:ext cx="360040" cy="360040"/>
+          </a:xfrm>
+          <a:prstGeom prst="flowChartSummingJunction">
+            <a:avLst/>
+          </a:prstGeom>
+          <a:noFill/>
+          <a:effectLst>
+            <a:outerShdw blurRad="50800" dist="38100" dir="2700000" algn="tl" rotWithShape="0">
+              <a:prstClr val="black">
+                <a:alpha val="40000"/>
+              </a:prstClr>
+            </a:outerShdw>
+          </a:effectLst>
+        </p:spPr>
+        <p:style>
+          <a:lnRef idx="2">
+            <a:schemeClr val="accent2"/>
+          </a:lnRef>
+          <a:fillRef idx="1">
+            <a:schemeClr val="lt1"/>
+          </a:fillRef>
+          <a:effectRef idx="0">
+            <a:schemeClr val="accent2"/>
+          </a:effectRef>
+          <a:fontRef idx="minor">
+            <a:schemeClr val="dk1"/>
+          </a:fontRef>
+        </p:style>
+        <p:txBody>
+          <a:bodyPr rtlCol="0" anchor="ctr"/>
+          <a:lstStyle/>
+          <a:p>
+            <a:pPr algn="ctr"/>
+            <a:endParaRPr lang="fr-FR" dirty="0"/>
+          </a:p>
+        </p:txBody>
+      </p:sp>
+      <p:cxnSp>
+        <p:nvCxnSpPr>
+          <p:cNvPr id="16" name="Connecteur droit avec flèche 15"/>
+          <p:cNvCxnSpPr/>
+          <p:nvPr/>
+        </p:nvCxnSpPr>
+        <p:spPr>
+          <a:xfrm>
+            <a:off x="2051720" y="3681028"/>
+            <a:ext cx="720080" cy="0"/>
+          </a:xfrm>
+          <a:prstGeom prst="straightConnector1">
+            <a:avLst/>
+          </a:prstGeom>
+          <a:ln>
+            <a:tailEnd type="arrow"/>
+          </a:ln>
         </p:spPr>
         <p:style>
           <a:lnRef idx="2">
@@ -7683,13 +7277,13 @@
       </p:cxnSp>
       <p:cxnSp>
         <p:nvCxnSpPr>
-          <p:cNvPr id="45" name="Connecteur droit avec flèche 44"/>
+          <p:cNvPr id="17" name="Connecteur droit avec flèche 16"/>
           <p:cNvCxnSpPr/>
           <p:nvPr/>
         </p:nvCxnSpPr>
         <p:spPr>
-          <a:xfrm>
-            <a:off x="3095769" y="2604208"/>
+          <a:xfrm rot="16200000">
+            <a:off x="2591625" y="4221088"/>
             <a:ext cx="720080" cy="0"/>
           </a:xfrm>
           <a:prstGeom prst="straightConnector1">
@@ -7698,7 +7292,6 @@
           <a:ln>
             <a:tailEnd type="arrow"/>
           </a:ln>
-          <a:effectLst/>
         </p:spPr>
         <p:style>
           <a:lnRef idx="2">
@@ -7715,22 +7308,54 @@
           </a:fontRef>
         </p:style>
       </p:cxnSp>
-      <p:sp>
-        <p:nvSpPr>
-          <p:cNvPr id="46" name="ZoneTexte 45"/>
+      <p:cxnSp>
+        <p:nvCxnSpPr>
+          <p:cNvPr id="18" name="Connecteur droit avec flèche 17"/>
+          <p:cNvCxnSpPr/>
+          <p:nvPr/>
+        </p:nvCxnSpPr>
+        <p:spPr>
+          <a:xfrm>
+            <a:off x="3131840" y="3684328"/>
+            <a:ext cx="720080" cy="0"/>
+          </a:xfrm>
+          <a:prstGeom prst="straightConnector1">
+            <a:avLst/>
+          </a:prstGeom>
+          <a:ln>
+            <a:tailEnd type="arrow"/>
+          </a:ln>
+        </p:spPr>
+        <p:style>
+          <a:lnRef idx="2">
+            <a:schemeClr val="accent2"/>
+          </a:lnRef>
+          <a:fillRef idx="0">
+            <a:schemeClr val="accent2"/>
+          </a:fillRef>
+          <a:effectRef idx="1">
+            <a:schemeClr val="accent2"/>
+          </a:effectRef>
+          <a:fontRef idx="minor">
+            <a:schemeClr val="tx1"/>
+          </a:fontRef>
+        </p:style>
+      </p:cxnSp>
+      <p:sp>
+        <p:nvSpPr>
+          <p:cNvPr id="19" name="ZoneTexte 18"/>
           <p:cNvSpPr txBox="1"/>
           <p:nvPr/>
         </p:nvSpPr>
         <p:spPr>
           <a:xfrm>
-            <a:off x="755576" y="2147189"/>
-            <a:ext cx="1628971" cy="276999"/>
+            <a:off x="1207355" y="3545828"/>
+            <a:ext cx="864096" cy="276999"/>
           </a:xfrm>
           <a:prstGeom prst="rect">
             <a:avLst/>
           </a:prstGeom>
           <a:noFill/>
-          <a:effectLst/>
         </p:spPr>
         <p:txBody>
           <a:bodyPr wrap="square" rtlCol="0">
@@ -7738,22 +7363,126 @@
           </a:bodyPr>
           <a:lstStyle/>
           <a:p>
+            <a:pPr algn="r"/>
             <a:r>
               <a:rPr lang="fr-FR" sz="1200" i="1" dirty="0"/>
-              <a:t>Partie commande</a:t>
-            </a:r>
-          </a:p>
-        </p:txBody>
-      </p:sp>
-      <p:sp>
-        <p:nvSpPr>
-          <p:cNvPr id="49" name="Plus 48"/>
+              <a:t>e</a:t>
+            </a:r>
+            <a:r>
+              <a:rPr lang="fr-FR" sz="1200" i="1" baseline="-25000" dirty="0"/>
+              <a:t>1</a:t>
+            </a:r>
+            <a:r>
+              <a:rPr lang="fr-FR" sz="1200" i="1" dirty="0"/>
+              <a:t>(t)</a:t>
+            </a:r>
+          </a:p>
+        </p:txBody>
+      </p:sp>
+      <p:sp>
+        <p:nvSpPr>
+          <p:cNvPr id="20" name="ZoneTexte 19"/>
+          <p:cNvSpPr txBox="1"/>
+          <p:nvPr/>
+        </p:nvSpPr>
+        <p:spPr>
+          <a:xfrm>
+            <a:off x="2519772" y="4581128"/>
+            <a:ext cx="864096" cy="276999"/>
+          </a:xfrm>
+          <a:prstGeom prst="rect">
+            <a:avLst/>
+          </a:prstGeom>
+          <a:noFill/>
+        </p:spPr>
+        <p:txBody>
+          <a:bodyPr wrap="square" rtlCol="0">
+            <a:spAutoFit/>
+          </a:bodyPr>
+          <a:lstStyle/>
+          <a:p>
+            <a:pPr algn="ctr"/>
+            <a:r>
+              <a:rPr lang="fr-FR" sz="1200" i="1" dirty="0"/>
+              <a:t>e</a:t>
+            </a:r>
+            <a:r>
+              <a:rPr lang="fr-FR" sz="1200" i="1" baseline="-25000" dirty="0"/>
+              <a:t>2</a:t>
+            </a:r>
+            <a:r>
+              <a:rPr lang="fr-FR" sz="1200" i="1" dirty="0"/>
+              <a:t>(t)</a:t>
+            </a:r>
+          </a:p>
+        </p:txBody>
+      </p:sp>
+      <p:sp>
+        <p:nvSpPr>
+          <p:cNvPr id="21" name="ZoneTexte 20"/>
+          <p:cNvSpPr txBox="1"/>
+          <p:nvPr/>
+        </p:nvSpPr>
+        <p:spPr>
+          <a:xfrm>
+            <a:off x="3851920" y="3542528"/>
+            <a:ext cx="1440160" cy="276999"/>
+          </a:xfrm>
+          <a:prstGeom prst="rect">
+            <a:avLst/>
+          </a:prstGeom>
+          <a:noFill/>
+        </p:spPr>
+        <p:txBody>
+          <a:bodyPr wrap="square" rtlCol="0">
+            <a:spAutoFit/>
+          </a:bodyPr>
+          <a:lstStyle/>
+          <a:p>
+            <a:r>
+              <a:rPr lang="fr-FR" sz="1200" i="1" dirty="0"/>
+              <a:t>s(t)=e</a:t>
+            </a:r>
+            <a:r>
+              <a:rPr lang="fr-FR" sz="1200" i="1" baseline="-25000" dirty="0"/>
+              <a:t>1</a:t>
+            </a:r>
+            <a:r>
+              <a:rPr lang="fr-FR" sz="1200" i="1" dirty="0"/>
+              <a:t>(t) </a:t>
+            </a:r>
+            <a:r>
+              <a:rPr lang="fr-FR" sz="1200" b="1" i="1" dirty="0">
+                <a:solidFill>
+                  <a:srgbClr val="C00000"/>
+                </a:solidFill>
+              </a:rPr>
+              <a:t>–</a:t>
+            </a:r>
+            <a:r>
+              <a:rPr lang="fr-FR" sz="1200" i="1" dirty="0"/>
+              <a:t> e</a:t>
+            </a:r>
+            <a:r>
+              <a:rPr lang="fr-FR" sz="1200" i="1" baseline="-25000" dirty="0"/>
+              <a:t>2</a:t>
+            </a:r>
+            <a:r>
+              <a:rPr lang="fr-FR" sz="1200" i="1" dirty="0"/>
+              <a:t>(t)</a:t>
+            </a:r>
+          </a:p>
+        </p:txBody>
+      </p:sp>
+      <p:sp>
+        <p:nvSpPr>
+          <p:cNvPr id="23" name="Plus 22"/>
           <p:cNvSpPr/>
           <p:nvPr/>
         </p:nvSpPr>
         <p:spPr>
           <a:xfrm>
-            <a:off x="2535184" y="2312876"/>
+            <a:off x="2571255" y="3392996"/>
             <a:ext cx="216024" cy="216024"/>
           </a:xfrm>
           <a:prstGeom prst="mathPlus">
@@ -7767,7 +7496,6 @@
               <a:srgbClr val="C00000"/>
             </a:solidFill>
           </a:ln>
-          <a:effectLst/>
         </p:spPr>
         <p:style>
           <a:lnRef idx="2">
@@ -7796,13 +7524,13 @@
       </p:sp>
       <p:sp>
         <p:nvSpPr>
-          <p:cNvPr id="50" name="Moins 49"/>
+          <p:cNvPr id="24" name="Moins 23"/>
           <p:cNvSpPr/>
           <p:nvPr/>
         </p:nvSpPr>
         <p:spPr>
           <a:xfrm>
-            <a:off x="3022394" y="2780928"/>
+            <a:off x="3058465" y="3861048"/>
             <a:ext cx="144016" cy="144016"/>
           </a:xfrm>
           <a:prstGeom prst="mathMinus">
@@ -7816,7 +7544,6 @@
               <a:schemeClr val="accent2"/>
             </a:solidFill>
           </a:ln>
-          <a:effectLst/>
         </p:spPr>
         <p:style>
           <a:lnRef idx="2">
@@ -7843,56 +7570,28 @@
           </a:p>
         </p:txBody>
       </p:sp>
-      <p:cxnSp>
-        <p:nvCxnSpPr>
-          <p:cNvPr id="56" name="Connecteur droit avec flèche 55"/>
-          <p:cNvCxnSpPr/>
-          <p:nvPr/>
-        </p:nvCxnSpPr>
-        <p:spPr>
-          <a:xfrm flipV="1">
-            <a:off x="7051283" y="2583831"/>
-            <a:ext cx="0" cy="900101"/>
-          </a:xfrm>
-          <a:prstGeom prst="straightConnector1">
-            <a:avLst/>
-          </a:prstGeom>
-          <a:ln>
-            <a:tailEnd type="oval" w="lg" len="lg"/>
-          </a:ln>
-          <a:effectLst/>
-        </p:spPr>
-        <p:style>
-          <a:lnRef idx="2">
-            <a:schemeClr val="accent2"/>
-          </a:lnRef>
-          <a:fillRef idx="0">
-            <a:schemeClr val="accent2"/>
-          </a:fillRef>
-          <a:effectRef idx="1">
-            <a:schemeClr val="accent2"/>
-          </a:effectRef>
-          <a:fontRef idx="minor">
-            <a:schemeClr val="tx1"/>
-          </a:fontRef>
-        </p:style>
-      </p:cxnSp>
-      <p:sp>
-        <p:nvSpPr>
-          <p:cNvPr id="62" name="Rectangle 61"/>
+      <p:sp>
+        <p:nvSpPr>
+          <p:cNvPr id="25" name="Rectangle 24"/>
           <p:cNvSpPr/>
           <p:nvPr/>
         </p:nvSpPr>
         <p:spPr>
           <a:xfrm>
-            <a:off x="3814119" y="2424188"/>
-            <a:ext cx="1080120" cy="360040"/>
+            <a:off x="5552492" y="4221748"/>
+            <a:ext cx="1080120" cy="576064"/>
           </a:xfrm>
           <a:prstGeom prst="rect">
             <a:avLst/>
           </a:prstGeom>
           <a:noFill/>
-          <a:effectLst/>
+          <a:effectLst>
+            <a:outerShdw blurRad="50800" dist="38100" dir="2700000" algn="tl" rotWithShape="0">
+              <a:prstClr val="black">
+                <a:alpha val="40000"/>
+              </a:prstClr>
+            </a:outerShdw>
+          </a:effectLst>
         </p:spPr>
         <p:style>
           <a:lnRef idx="2">
@@ -7914,62 +7613,34 @@
           <a:p>
             <a:pPr algn="ctr"/>
             <a:r>
-              <a:rPr lang="fr-FR" sz="1200" dirty="0"/>
-              <a:t>Correcteur</a:t>
-            </a:r>
-          </a:p>
-        </p:txBody>
-      </p:sp>
-      <p:cxnSp>
-        <p:nvCxnSpPr>
-          <p:cNvPr id="63" name="Connecteur droit avec flèche 62"/>
-          <p:cNvCxnSpPr/>
-          <p:nvPr/>
-        </p:nvCxnSpPr>
-        <p:spPr>
-          <a:xfrm>
-            <a:off x="4886504" y="2587467"/>
-            <a:ext cx="720080" cy="0"/>
-          </a:xfrm>
-          <a:prstGeom prst="straightConnector1">
-            <a:avLst/>
-          </a:prstGeom>
-          <a:ln>
-            <a:tailEnd type="arrow"/>
-          </a:ln>
-          <a:effectLst/>
-        </p:spPr>
-        <p:style>
-          <a:lnRef idx="2">
-            <a:schemeClr val="accent2"/>
-          </a:lnRef>
-          <a:fillRef idx="0">
-            <a:schemeClr val="accent2"/>
-          </a:fillRef>
-          <a:effectRef idx="1">
-            <a:schemeClr val="accent2"/>
-          </a:effectRef>
-          <a:fontRef idx="minor">
-            <a:schemeClr val="tx1"/>
-          </a:fontRef>
-        </p:style>
-      </p:cxnSp>
-      <p:sp>
-        <p:nvSpPr>
-          <p:cNvPr id="64" name="Rectangle 63"/>
+              <a:rPr lang="fr-FR" sz="1600" dirty="0"/>
+              <a:t>Bloc 1</a:t>
+            </a:r>
+          </a:p>
+        </p:txBody>
+      </p:sp>
+      <p:sp>
+        <p:nvSpPr>
+          <p:cNvPr id="26" name="Rectangle 25"/>
           <p:cNvSpPr/>
           <p:nvPr/>
         </p:nvSpPr>
         <p:spPr>
           <a:xfrm>
-            <a:off x="5611123" y="2407447"/>
-            <a:ext cx="1080120" cy="360040"/>
+            <a:off x="7352692" y="4244267"/>
+            <a:ext cx="1080120" cy="576064"/>
           </a:xfrm>
           <a:prstGeom prst="rect">
             <a:avLst/>
           </a:prstGeom>
           <a:noFill/>
-          <a:effectLst/>
+          <a:effectLst>
+            <a:outerShdw blurRad="50800" dist="38100" dir="2700000" algn="tl" rotWithShape="0">
+              <a:prstClr val="black">
+                <a:alpha val="40000"/>
+              </a:prstClr>
+            </a:outerShdw>
+          </a:effectLst>
         </p:spPr>
         <p:style>
           <a:lnRef idx="2">
@@ -7991,76 +7662,29 @@
           <a:p>
             <a:pPr algn="ctr"/>
             <a:r>
-              <a:rPr lang="fr-FR" sz="1200" dirty="0"/>
-              <a:t>Système</a:t>
-            </a:r>
-          </a:p>
-        </p:txBody>
-      </p:sp>
-      <p:sp>
-        <p:nvSpPr>
-          <p:cNvPr id="65" name="Rectangle 64"/>
-          <p:cNvSpPr/>
-          <p:nvPr/>
-        </p:nvSpPr>
-        <p:spPr>
-          <a:xfrm>
-            <a:off x="5662244" y="3303911"/>
-            <a:ext cx="1080120" cy="360040"/>
-          </a:xfrm>
-          <a:prstGeom prst="rect">
-            <a:avLst/>
-          </a:prstGeom>
-          <a:noFill/>
-          <a:effectLst/>
-        </p:spPr>
-        <p:style>
-          <a:lnRef idx="2">
-            <a:schemeClr val="accent2"/>
-          </a:lnRef>
-          <a:fillRef idx="1">
-            <a:schemeClr val="lt1"/>
-          </a:fillRef>
-          <a:effectRef idx="0">
-            <a:schemeClr val="accent2"/>
-          </a:effectRef>
-          <a:fontRef idx="minor">
-            <a:schemeClr val="dk1"/>
-          </a:fontRef>
-        </p:style>
-        <p:txBody>
-          <a:bodyPr rtlCol="0" anchor="ctr"/>
-          <a:lstStyle/>
-          <a:p>
-            <a:pPr algn="ctr"/>
-            <a:r>
-              <a:rPr lang="fr-FR" sz="1200" dirty="0"/>
-              <a:t>Capteur</a:t>
+              <a:rPr lang="fr-FR" sz="1600" dirty="0"/>
+              <a:t>Bloc 2</a:t>
             </a:r>
           </a:p>
         </p:txBody>
       </p:sp>
       <p:cxnSp>
         <p:nvCxnSpPr>
-          <p:cNvPr id="66" name="Connecteur droit avec flèche 65"/>
-          <p:cNvCxnSpPr>
-            <a:stCxn id="65" idx="1"/>
-          </p:cNvCxnSpPr>
+          <p:cNvPr id="27" name="Connecteur droit avec flèche 26"/>
+          <p:cNvCxnSpPr/>
           <p:nvPr/>
         </p:nvCxnSpPr>
         <p:spPr>
-          <a:xfrm flipH="1">
-            <a:off x="2915594" y="3483931"/>
-            <a:ext cx="2746650" cy="0"/>
+          <a:xfrm>
+            <a:off x="4840389" y="4532299"/>
+            <a:ext cx="720080" cy="0"/>
           </a:xfrm>
           <a:prstGeom prst="straightConnector1">
             <a:avLst/>
           </a:prstGeom>
           <a:ln>
-            <a:headEnd type="none" w="med" len="med"/>
-            <a:tailEnd type="none" w="med" len="med"/>
+            <a:tailEnd type="arrow"/>
           </a:ln>
-          <a:effectLst/>
         </p:spPr>
         <p:style>
           <a:lnRef idx="2">
@@ -8079,14 +7703,14 @@
       </p:cxnSp>
       <p:cxnSp>
         <p:nvCxnSpPr>
-          <p:cNvPr id="68" name="Connecteur droit avec flèche 67"/>
+          <p:cNvPr id="28" name="Connecteur droit avec flèche 27"/>
           <p:cNvCxnSpPr/>
           <p:nvPr/>
         </p:nvCxnSpPr>
         <p:spPr>
-          <a:xfrm flipH="1">
-            <a:off x="6742364" y="3483931"/>
-            <a:ext cx="308919" cy="0"/>
+          <a:xfrm>
+            <a:off x="6632612" y="4532855"/>
+            <a:ext cx="720080" cy="0"/>
           </a:xfrm>
           <a:prstGeom prst="straightConnector1">
             <a:avLst/>
@@ -8094,7 +7718,6 @@
           <a:ln>
             <a:tailEnd type="arrow"/>
           </a:ln>
-          <a:effectLst/>
         </p:spPr>
         <p:style>
           <a:lnRef idx="2">
@@ -8113,13 +7736,13 @@
       </p:cxnSp>
       <p:cxnSp>
         <p:nvCxnSpPr>
-          <p:cNvPr id="72" name="Connecteur droit avec flèche 71"/>
+          <p:cNvPr id="29" name="Connecteur droit avec flèche 28"/>
           <p:cNvCxnSpPr/>
           <p:nvPr/>
         </p:nvCxnSpPr>
         <p:spPr>
           <a:xfrm>
-            <a:off x="212728" y="2588437"/>
+            <a:off x="8432812" y="4532855"/>
             <a:ext cx="720080" cy="0"/>
           </a:xfrm>
           <a:prstGeom prst="straightConnector1">
@@ -8128,7 +7751,6 @@
           <a:ln>
             <a:tailEnd type="arrow"/>
           </a:ln>
-          <a:effectLst/>
         </p:spPr>
         <p:style>
           <a:lnRef idx="2">
@@ -8145,22 +7767,54 @@
           </a:fontRef>
         </p:style>
       </p:cxnSp>
-      <p:sp>
-        <p:nvSpPr>
-          <p:cNvPr id="77" name="ZoneTexte 76"/>
+      <p:cxnSp>
+        <p:nvCxnSpPr>
+          <p:cNvPr id="30" name="Connecteur droit avec flèche 29"/>
+          <p:cNvCxnSpPr/>
+          <p:nvPr/>
+        </p:nvCxnSpPr>
+        <p:spPr>
+          <a:xfrm rot="5400000" flipH="1" flipV="1">
+            <a:off x="6613729" y="4892895"/>
+            <a:ext cx="720080" cy="0"/>
+          </a:xfrm>
+          <a:prstGeom prst="straightConnector1">
+            <a:avLst/>
+          </a:prstGeom>
+          <a:ln>
+            <a:tailEnd type="oval" w="lg" len="lg"/>
+          </a:ln>
+        </p:spPr>
+        <p:style>
+          <a:lnRef idx="2">
+            <a:schemeClr val="accent2"/>
+          </a:lnRef>
+          <a:fillRef idx="0">
+            <a:schemeClr val="accent2"/>
+          </a:fillRef>
+          <a:effectRef idx="1">
+            <a:schemeClr val="accent2"/>
+          </a:effectRef>
+          <a:fontRef idx="minor">
+            <a:schemeClr val="tx1"/>
+          </a:fontRef>
+        </p:style>
+      </p:cxnSp>
+      <p:sp>
+        <p:nvSpPr>
+          <p:cNvPr id="31" name="ZoneTexte 30"/>
           <p:cNvSpPr txBox="1"/>
           <p:nvPr/>
         </p:nvSpPr>
         <p:spPr>
           <a:xfrm>
-            <a:off x="5560469" y="2130448"/>
-            <a:ext cx="1628971" cy="276999"/>
+            <a:off x="4289729" y="4259969"/>
+            <a:ext cx="864096" cy="276999"/>
           </a:xfrm>
           <a:prstGeom prst="rect">
             <a:avLst/>
           </a:prstGeom>
           <a:noFill/>
-          <a:effectLst/>
         </p:spPr>
         <p:txBody>
           <a:bodyPr wrap="square" rtlCol="0">
@@ -8168,29 +7822,29 @@
           </a:bodyPr>
           <a:lstStyle/>
           <a:p>
+            <a:pPr algn="r"/>
             <a:r>
               <a:rPr lang="fr-FR" sz="1200" i="1" dirty="0"/>
-              <a:t>Partie opérative</a:t>
-            </a:r>
-          </a:p>
-        </p:txBody>
-      </p:sp>
-      <p:sp>
-        <p:nvSpPr>
-          <p:cNvPr id="79" name="ZoneTexte 78"/>
+              <a:t>e(t)</a:t>
+            </a:r>
+          </a:p>
+        </p:txBody>
+      </p:sp>
+      <p:sp>
+        <p:nvSpPr>
+          <p:cNvPr id="32" name="ZoneTexte 31"/>
           <p:cNvSpPr txBox="1"/>
           <p:nvPr/>
         </p:nvSpPr>
         <p:spPr>
           <a:xfrm>
-            <a:off x="611492" y="1870190"/>
-            <a:ext cx="1628971" cy="276999"/>
+            <a:off x="6742364" y="4157847"/>
+            <a:ext cx="457927" cy="276999"/>
           </a:xfrm>
           <a:prstGeom prst="rect">
             <a:avLst/>
           </a:prstGeom>
           <a:noFill/>
-          <a:effectLst/>
         </p:spPr>
         <p:txBody>
           <a:bodyPr wrap="square" rtlCol="0">
@@ -8198,29 +7852,70 @@
           </a:bodyPr>
           <a:lstStyle/>
           <a:p>
+            <a:pPr algn="ctr"/>
             <a:r>
               <a:rPr lang="fr-FR" sz="1200" i="1" dirty="0"/>
-              <a:t>Chaîne directe</a:t>
-            </a:r>
-          </a:p>
-        </p:txBody>
-      </p:sp>
-      <p:sp>
-        <p:nvSpPr>
-          <p:cNvPr id="81" name="ZoneTexte 80"/>
+              <a:t>s</a:t>
+            </a:r>
+            <a:r>
+              <a:rPr lang="fr-FR" sz="1200" i="1" baseline="-25000" dirty="0"/>
+              <a:t>1</a:t>
+            </a:r>
+            <a:r>
+              <a:rPr lang="fr-FR" sz="1200" i="1" dirty="0"/>
+              <a:t>(t)</a:t>
+            </a:r>
+          </a:p>
+        </p:txBody>
+      </p:sp>
+      <p:cxnSp>
+        <p:nvCxnSpPr>
+          <p:cNvPr id="33" name="Connecteur droit avec flèche 32"/>
+          <p:cNvCxnSpPr/>
+          <p:nvPr/>
+        </p:nvCxnSpPr>
+        <p:spPr>
+          <a:xfrm>
+            <a:off x="6960682" y="5252935"/>
+            <a:ext cx="720080" cy="0"/>
+          </a:xfrm>
+          <a:prstGeom prst="straightConnector1">
+            <a:avLst/>
+          </a:prstGeom>
+          <a:ln>
+            <a:tailEnd type="arrow"/>
+          </a:ln>
+        </p:spPr>
+        <p:style>
+          <a:lnRef idx="2">
+            <a:schemeClr val="accent2"/>
+          </a:lnRef>
+          <a:fillRef idx="0">
+            <a:schemeClr val="accent2"/>
+          </a:fillRef>
+          <a:effectRef idx="1">
+            <a:schemeClr val="accent2"/>
+          </a:effectRef>
+          <a:fontRef idx="minor">
+            <a:schemeClr val="tx1"/>
+          </a:fontRef>
+        </p:style>
+      </p:cxnSp>
+      <p:sp>
+        <p:nvSpPr>
+          <p:cNvPr id="34" name="ZoneTexte 33"/>
           <p:cNvSpPr txBox="1"/>
           <p:nvPr/>
         </p:nvSpPr>
         <p:spPr>
           <a:xfrm>
-            <a:off x="2780336" y="3584049"/>
-            <a:ext cx="1628971" cy="276999"/>
+            <a:off x="7680762" y="5114435"/>
+            <a:ext cx="457927" cy="276999"/>
           </a:xfrm>
           <a:prstGeom prst="rect">
             <a:avLst/>
           </a:prstGeom>
           <a:noFill/>
-          <a:effectLst/>
         </p:spPr>
         <p:txBody>
           <a:bodyPr wrap="square" rtlCol="0">
@@ -8228,29 +7923,37 @@
           </a:bodyPr>
           <a:lstStyle/>
           <a:p>
+            <a:pPr algn="ctr"/>
             <a:r>
               <a:rPr lang="fr-FR" sz="1200" i="1" dirty="0"/>
-              <a:t>Chaîne de retour</a:t>
-            </a:r>
-          </a:p>
-        </p:txBody>
-      </p:sp>
-      <p:sp>
-        <p:nvSpPr>
-          <p:cNvPr id="82" name="ZoneTexte 81"/>
+              <a:t>s</a:t>
+            </a:r>
+            <a:r>
+              <a:rPr lang="fr-FR" sz="1200" i="1" baseline="-25000" dirty="0"/>
+              <a:t>1</a:t>
+            </a:r>
+            <a:r>
+              <a:rPr lang="fr-FR" sz="1200" i="1" dirty="0"/>
+              <a:t>(t)</a:t>
+            </a:r>
+          </a:p>
+        </p:txBody>
+      </p:sp>
+      <p:sp>
+        <p:nvSpPr>
+          <p:cNvPr id="35" name="ZoneTexte 34"/>
           <p:cNvSpPr txBox="1"/>
           <p:nvPr/>
         </p:nvSpPr>
         <p:spPr>
           <a:xfrm>
-            <a:off x="-180528" y="2296479"/>
-            <a:ext cx="1628971" cy="276999"/>
+            <a:off x="8563888" y="4209511"/>
+            <a:ext cx="457927" cy="276999"/>
           </a:xfrm>
           <a:prstGeom prst="rect">
             <a:avLst/>
           </a:prstGeom>
           <a:noFill/>
-          <a:effectLst/>
         </p:spPr>
         <p:txBody>
           <a:bodyPr wrap="square" rtlCol="0">
@@ -8258,39 +7961,18 @@
           </a:bodyPr>
           <a:lstStyle/>
           <a:p>
+            <a:pPr algn="ctr"/>
             <a:r>
               <a:rPr lang="fr-FR" sz="1200" i="1" dirty="0"/>
-              <a:t>Consigne</a:t>
-            </a:r>
-          </a:p>
-        </p:txBody>
-      </p:sp>
-      <p:sp>
-        <p:nvSpPr>
-          <p:cNvPr id="83" name="ZoneTexte 82"/>
-          <p:cNvSpPr txBox="1"/>
-          <p:nvPr/>
-        </p:nvSpPr>
-        <p:spPr>
-          <a:xfrm>
-            <a:off x="7407525" y="2359913"/>
-            <a:ext cx="1628971" cy="276999"/>
-          </a:xfrm>
-          <a:prstGeom prst="rect">
-            <a:avLst/>
-          </a:prstGeom>
-          <a:noFill/>
-          <a:effectLst/>
-        </p:spPr>
-        <p:txBody>
-          <a:bodyPr wrap="square" rtlCol="0">
-            <a:spAutoFit/>
-          </a:bodyPr>
-          <a:lstStyle/>
-          <a:p>
+              <a:t>s</a:t>
+            </a:r>
+            <a:r>
+              <a:rPr lang="fr-FR" sz="1200" i="1" baseline="-25000" dirty="0"/>
+              <a:t>2</a:t>
+            </a:r>
             <a:r>
               <a:rPr lang="fr-FR" sz="1200" i="1" dirty="0"/>
-              <a:t>Sortie</a:t>
+              <a:t>(t)</a:t>
             </a:r>
           </a:p>
         </p:txBody>
@@ -8298,7 +7980,7 @@
     </p:spTree>
     <p:extLst>
       <p:ext uri="{BB962C8B-B14F-4D97-AF65-F5344CB8AC3E}">
-        <p14:creationId xmlns:p14="http://schemas.microsoft.com/office/powerpoint/2010/main" val="3190428975"/>
+        <p14:creationId xmlns:p14="http://schemas.microsoft.com/office/powerpoint/2010/main" val="1027029552"/>
       </p:ext>
     </p:extLst>
   </p:cSld>
@@ -8327,6 +8009,1017 @@
       </p:grpSpPr>
       <p:sp>
         <p:nvSpPr>
+          <p:cNvPr id="80" name="Rectangle 79"/>
+          <p:cNvSpPr/>
+          <p:nvPr/>
+        </p:nvSpPr>
+        <p:spPr>
+          <a:xfrm>
+            <a:off x="2751208" y="3194511"/>
+            <a:ext cx="4701111" cy="666537"/>
+          </a:xfrm>
+          <a:prstGeom prst="rect">
+            <a:avLst/>
+          </a:prstGeom>
+          <a:ln>
+            <a:prstDash val="lgDash"/>
+          </a:ln>
+        </p:spPr>
+        <p:style>
+          <a:lnRef idx="1">
+            <a:schemeClr val="accent3"/>
+          </a:lnRef>
+          <a:fillRef idx="2">
+            <a:schemeClr val="accent3"/>
+          </a:fillRef>
+          <a:effectRef idx="1">
+            <a:schemeClr val="accent3"/>
+          </a:effectRef>
+          <a:fontRef idx="minor">
+            <a:schemeClr val="dk1"/>
+          </a:fontRef>
+        </p:style>
+        <p:txBody>
+          <a:bodyPr rtlCol="0" anchor="ctr"/>
+          <a:lstStyle/>
+          <a:p>
+            <a:pPr algn="ctr"/>
+            <a:endParaRPr lang="fr-FR"/>
+          </a:p>
+        </p:txBody>
+      </p:sp>
+      <p:sp>
+        <p:nvSpPr>
+          <p:cNvPr id="78" name="Rectangle 77"/>
+          <p:cNvSpPr/>
+          <p:nvPr/>
+        </p:nvSpPr>
+        <p:spPr>
+          <a:xfrm>
+            <a:off x="611492" y="1844824"/>
+            <a:ext cx="6840827" cy="1189057"/>
+          </a:xfrm>
+          <a:prstGeom prst="rect">
+            <a:avLst/>
+          </a:prstGeom>
+          <a:ln>
+            <a:prstDash val="lgDash"/>
+          </a:ln>
+        </p:spPr>
+        <p:style>
+          <a:lnRef idx="1">
+            <a:schemeClr val="accent3"/>
+          </a:lnRef>
+          <a:fillRef idx="2">
+            <a:schemeClr val="accent3"/>
+          </a:fillRef>
+          <a:effectRef idx="1">
+            <a:schemeClr val="accent3"/>
+          </a:effectRef>
+          <a:fontRef idx="minor">
+            <a:schemeClr val="dk1"/>
+          </a:fontRef>
+        </p:style>
+        <p:txBody>
+          <a:bodyPr rtlCol="0" anchor="ctr"/>
+          <a:lstStyle/>
+          <a:p>
+            <a:pPr algn="ctr"/>
+            <a:endParaRPr lang="fr-FR"/>
+          </a:p>
+        </p:txBody>
+      </p:sp>
+      <p:sp>
+        <p:nvSpPr>
+          <p:cNvPr id="76" name="Rectangle 75"/>
+          <p:cNvSpPr/>
+          <p:nvPr/>
+        </p:nvSpPr>
+        <p:spPr>
+          <a:xfrm>
+            <a:off x="5552492" y="2139049"/>
+            <a:ext cx="1621921" cy="1649991"/>
+          </a:xfrm>
+          <a:prstGeom prst="rect">
+            <a:avLst/>
+          </a:prstGeom>
+          <a:gradFill>
+            <a:gsLst>
+              <a:gs pos="0">
+                <a:schemeClr val="accent2">
+                  <a:tint val="50000"/>
+                  <a:satMod val="300000"/>
+                  <a:alpha val="69000"/>
+                </a:schemeClr>
+              </a:gs>
+              <a:gs pos="100000">
+                <a:schemeClr val="accent2">
+                  <a:tint val="15000"/>
+                  <a:satMod val="350000"/>
+                  <a:alpha val="70000"/>
+                </a:schemeClr>
+              </a:gs>
+            </a:gsLst>
+          </a:gradFill>
+          <a:ln>
+            <a:prstDash val="lgDash"/>
+          </a:ln>
+        </p:spPr>
+        <p:style>
+          <a:lnRef idx="1">
+            <a:schemeClr val="accent2"/>
+          </a:lnRef>
+          <a:fillRef idx="2">
+            <a:schemeClr val="accent2"/>
+          </a:fillRef>
+          <a:effectRef idx="1">
+            <a:schemeClr val="accent2"/>
+          </a:effectRef>
+          <a:fontRef idx="minor">
+            <a:schemeClr val="dk1"/>
+          </a:fontRef>
+        </p:style>
+        <p:txBody>
+          <a:bodyPr rtlCol="0" anchor="ctr"/>
+          <a:lstStyle/>
+          <a:p>
+            <a:pPr algn="ctr"/>
+            <a:endParaRPr lang="fr-FR"/>
+          </a:p>
+        </p:txBody>
+      </p:sp>
+      <p:sp>
+        <p:nvSpPr>
+          <p:cNvPr id="73" name="Rectangle 72"/>
+          <p:cNvSpPr/>
+          <p:nvPr/>
+        </p:nvSpPr>
+        <p:spPr>
+          <a:xfrm>
+            <a:off x="755576" y="2139049"/>
+            <a:ext cx="4248472" cy="785895"/>
+          </a:xfrm>
+          <a:prstGeom prst="rect">
+            <a:avLst/>
+          </a:prstGeom>
+          <a:ln>
+            <a:prstDash val="lgDash"/>
+          </a:ln>
+        </p:spPr>
+        <p:style>
+          <a:lnRef idx="1">
+            <a:schemeClr val="accent4"/>
+          </a:lnRef>
+          <a:fillRef idx="2">
+            <a:schemeClr val="accent4"/>
+          </a:fillRef>
+          <a:effectRef idx="1">
+            <a:schemeClr val="accent4"/>
+          </a:effectRef>
+          <a:fontRef idx="minor">
+            <a:schemeClr val="dk1"/>
+          </a:fontRef>
+        </p:style>
+        <p:txBody>
+          <a:bodyPr rtlCol="0" anchor="ctr"/>
+          <a:lstStyle/>
+          <a:p>
+            <a:pPr algn="ctr"/>
+            <a:endParaRPr lang="fr-FR"/>
+          </a:p>
+        </p:txBody>
+      </p:sp>
+      <p:cxnSp>
+        <p:nvCxnSpPr>
+          <p:cNvPr id="33" name="Connecteur droit avec flèche 32"/>
+          <p:cNvCxnSpPr/>
+          <p:nvPr/>
+        </p:nvCxnSpPr>
+        <p:spPr>
+          <a:xfrm>
+            <a:off x="6691243" y="2583831"/>
+            <a:ext cx="1265133" cy="3636"/>
+          </a:xfrm>
+          <a:prstGeom prst="straightConnector1">
+            <a:avLst/>
+          </a:prstGeom>
+          <a:ln>
+            <a:tailEnd type="arrow"/>
+          </a:ln>
+          <a:effectLst/>
+        </p:spPr>
+        <p:style>
+          <a:lnRef idx="2">
+            <a:schemeClr val="accent2"/>
+          </a:lnRef>
+          <a:fillRef idx="0">
+            <a:schemeClr val="accent2"/>
+          </a:fillRef>
+          <a:effectRef idx="1">
+            <a:schemeClr val="accent2"/>
+          </a:effectRef>
+          <a:fontRef idx="minor">
+            <a:schemeClr val="tx1"/>
+          </a:fontRef>
+        </p:style>
+      </p:cxnSp>
+      <p:sp>
+        <p:nvSpPr>
+          <p:cNvPr id="38" name="Rectangle 37"/>
+          <p:cNvSpPr/>
+          <p:nvPr/>
+        </p:nvSpPr>
+        <p:spPr>
+          <a:xfrm>
+            <a:off x="932808" y="2420888"/>
+            <a:ext cx="1080120" cy="360040"/>
+          </a:xfrm>
+          <a:prstGeom prst="rect">
+            <a:avLst/>
+          </a:prstGeom>
+          <a:noFill/>
+          <a:effectLst/>
+        </p:spPr>
+        <p:style>
+          <a:lnRef idx="2">
+            <a:schemeClr val="accent2"/>
+          </a:lnRef>
+          <a:fillRef idx="1">
+            <a:schemeClr val="lt1"/>
+          </a:fillRef>
+          <a:effectRef idx="0">
+            <a:schemeClr val="accent2"/>
+          </a:effectRef>
+          <a:fontRef idx="minor">
+            <a:schemeClr val="dk1"/>
+          </a:fontRef>
+        </p:style>
+        <p:txBody>
+          <a:bodyPr rtlCol="0" anchor="ctr"/>
+          <a:lstStyle/>
+          <a:p>
+            <a:pPr algn="ctr"/>
+            <a:r>
+              <a:rPr lang="fr-FR" sz="1200" dirty="0"/>
+              <a:t>Conditionneur</a:t>
+            </a:r>
+          </a:p>
+        </p:txBody>
+      </p:sp>
+      <p:sp>
+        <p:nvSpPr>
+          <p:cNvPr id="42" name="Organigramme : Jonction de sommaire 41"/>
+          <p:cNvSpPr/>
+          <p:nvPr/>
+        </p:nvSpPr>
+        <p:spPr>
+          <a:xfrm>
+            <a:off x="2735729" y="2420888"/>
+            <a:ext cx="360040" cy="360040"/>
+          </a:xfrm>
+          <a:prstGeom prst="flowChartSummingJunction">
+            <a:avLst/>
+          </a:prstGeom>
+          <a:noFill/>
+          <a:effectLst/>
+        </p:spPr>
+        <p:style>
+          <a:lnRef idx="2">
+            <a:schemeClr val="accent2"/>
+          </a:lnRef>
+          <a:fillRef idx="1">
+            <a:schemeClr val="lt1"/>
+          </a:fillRef>
+          <a:effectRef idx="0">
+            <a:schemeClr val="accent2"/>
+          </a:effectRef>
+          <a:fontRef idx="minor">
+            <a:schemeClr val="dk1"/>
+          </a:fontRef>
+        </p:style>
+        <p:txBody>
+          <a:bodyPr rtlCol="0" anchor="ctr"/>
+          <a:lstStyle/>
+          <a:p>
+            <a:pPr algn="ctr"/>
+            <a:endParaRPr lang="fr-FR" dirty="0"/>
+          </a:p>
+        </p:txBody>
+      </p:sp>
+      <p:cxnSp>
+        <p:nvCxnSpPr>
+          <p:cNvPr id="43" name="Connecteur droit avec flèche 42"/>
+          <p:cNvCxnSpPr/>
+          <p:nvPr/>
+        </p:nvCxnSpPr>
+        <p:spPr>
+          <a:xfrm>
+            <a:off x="2015649" y="2600908"/>
+            <a:ext cx="720080" cy="0"/>
+          </a:xfrm>
+          <a:prstGeom prst="straightConnector1">
+            <a:avLst/>
+          </a:prstGeom>
+          <a:ln>
+            <a:tailEnd type="arrow"/>
+          </a:ln>
+          <a:effectLst/>
+        </p:spPr>
+        <p:style>
+          <a:lnRef idx="2">
+            <a:schemeClr val="accent2"/>
+          </a:lnRef>
+          <a:fillRef idx="0">
+            <a:schemeClr val="accent2"/>
+          </a:fillRef>
+          <a:effectRef idx="1">
+            <a:schemeClr val="accent2"/>
+          </a:effectRef>
+          <a:fontRef idx="minor">
+            <a:schemeClr val="tx1"/>
+          </a:fontRef>
+        </p:style>
+      </p:cxnSp>
+      <p:cxnSp>
+        <p:nvCxnSpPr>
+          <p:cNvPr id="44" name="Connecteur droit avec flèche 43"/>
+          <p:cNvCxnSpPr/>
+          <p:nvPr/>
+        </p:nvCxnSpPr>
+        <p:spPr>
+          <a:xfrm rot="16200000">
+            <a:off x="2555554" y="3140968"/>
+            <a:ext cx="720080" cy="0"/>
+          </a:xfrm>
+          <a:prstGeom prst="straightConnector1">
+            <a:avLst/>
+          </a:prstGeom>
+          <a:ln>
+            <a:tailEnd type="arrow"/>
+          </a:ln>
+          <a:effectLst/>
+        </p:spPr>
+        <p:style>
+          <a:lnRef idx="2">
+            <a:schemeClr val="accent2"/>
+          </a:lnRef>
+          <a:fillRef idx="0">
+            <a:schemeClr val="accent2"/>
+          </a:fillRef>
+          <a:effectRef idx="1">
+            <a:schemeClr val="accent2"/>
+          </a:effectRef>
+          <a:fontRef idx="minor">
+            <a:schemeClr val="tx1"/>
+          </a:fontRef>
+        </p:style>
+      </p:cxnSp>
+      <p:cxnSp>
+        <p:nvCxnSpPr>
+          <p:cNvPr id="45" name="Connecteur droit avec flèche 44"/>
+          <p:cNvCxnSpPr/>
+          <p:nvPr/>
+        </p:nvCxnSpPr>
+        <p:spPr>
+          <a:xfrm>
+            <a:off x="3095769" y="2604208"/>
+            <a:ext cx="720080" cy="0"/>
+          </a:xfrm>
+          <a:prstGeom prst="straightConnector1">
+            <a:avLst/>
+          </a:prstGeom>
+          <a:ln>
+            <a:tailEnd type="arrow"/>
+          </a:ln>
+          <a:effectLst/>
+        </p:spPr>
+        <p:style>
+          <a:lnRef idx="2">
+            <a:schemeClr val="accent2"/>
+          </a:lnRef>
+          <a:fillRef idx="0">
+            <a:schemeClr val="accent2"/>
+          </a:fillRef>
+          <a:effectRef idx="1">
+            <a:schemeClr val="accent2"/>
+          </a:effectRef>
+          <a:fontRef idx="minor">
+            <a:schemeClr val="tx1"/>
+          </a:fontRef>
+        </p:style>
+      </p:cxnSp>
+      <p:sp>
+        <p:nvSpPr>
+          <p:cNvPr id="46" name="ZoneTexte 45"/>
+          <p:cNvSpPr txBox="1"/>
+          <p:nvPr/>
+        </p:nvSpPr>
+        <p:spPr>
+          <a:xfrm>
+            <a:off x="755576" y="2147189"/>
+            <a:ext cx="1628971" cy="276999"/>
+          </a:xfrm>
+          <a:prstGeom prst="rect">
+            <a:avLst/>
+          </a:prstGeom>
+          <a:noFill/>
+          <a:effectLst/>
+        </p:spPr>
+        <p:txBody>
+          <a:bodyPr wrap="square" rtlCol="0">
+            <a:spAutoFit/>
+          </a:bodyPr>
+          <a:lstStyle/>
+          <a:p>
+            <a:r>
+              <a:rPr lang="fr-FR" sz="1200" i="1" dirty="0"/>
+              <a:t>Partie commande</a:t>
+            </a:r>
+          </a:p>
+        </p:txBody>
+      </p:sp>
+      <p:sp>
+        <p:nvSpPr>
+          <p:cNvPr id="49" name="Plus 48"/>
+          <p:cNvSpPr/>
+          <p:nvPr/>
+        </p:nvSpPr>
+        <p:spPr>
+          <a:xfrm>
+            <a:off x="2535184" y="2312876"/>
+            <a:ext cx="216024" cy="216024"/>
+          </a:xfrm>
+          <a:prstGeom prst="mathPlus">
+            <a:avLst/>
+          </a:prstGeom>
+          <a:solidFill>
+            <a:srgbClr val="C00000"/>
+          </a:solidFill>
+          <a:ln w="3175">
+            <a:solidFill>
+              <a:srgbClr val="C00000"/>
+            </a:solidFill>
+          </a:ln>
+          <a:effectLst/>
+        </p:spPr>
+        <p:style>
+          <a:lnRef idx="2">
+            <a:schemeClr val="accent2">
+              <a:shade val="50000"/>
+            </a:schemeClr>
+          </a:lnRef>
+          <a:fillRef idx="1">
+            <a:schemeClr val="accent2"/>
+          </a:fillRef>
+          <a:effectRef idx="0">
+            <a:schemeClr val="accent2"/>
+          </a:effectRef>
+          <a:fontRef idx="minor">
+            <a:schemeClr val="lt1"/>
+          </a:fontRef>
+        </p:style>
+        <p:txBody>
+          <a:bodyPr rtlCol="0" anchor="ctr"/>
+          <a:lstStyle/>
+          <a:p>
+            <a:pPr algn="ctr"/>
+            <a:endParaRPr lang="fr-FR"/>
+          </a:p>
+        </p:txBody>
+      </p:sp>
+      <p:sp>
+        <p:nvSpPr>
+          <p:cNvPr id="50" name="Moins 49"/>
+          <p:cNvSpPr/>
+          <p:nvPr/>
+        </p:nvSpPr>
+        <p:spPr>
+          <a:xfrm>
+            <a:off x="3022394" y="2780928"/>
+            <a:ext cx="144016" cy="144016"/>
+          </a:xfrm>
+          <a:prstGeom prst="mathMinus">
+            <a:avLst/>
+          </a:prstGeom>
+          <a:solidFill>
+            <a:schemeClr val="accent2"/>
+          </a:solidFill>
+          <a:ln>
+            <a:solidFill>
+              <a:schemeClr val="accent2"/>
+            </a:solidFill>
+          </a:ln>
+          <a:effectLst/>
+        </p:spPr>
+        <p:style>
+          <a:lnRef idx="2">
+            <a:schemeClr val="accent1">
+              <a:shade val="50000"/>
+            </a:schemeClr>
+          </a:lnRef>
+          <a:fillRef idx="1">
+            <a:schemeClr val="accent1"/>
+          </a:fillRef>
+          <a:effectRef idx="0">
+            <a:schemeClr val="accent1"/>
+          </a:effectRef>
+          <a:fontRef idx="minor">
+            <a:schemeClr val="lt1"/>
+          </a:fontRef>
+        </p:style>
+        <p:txBody>
+          <a:bodyPr rtlCol="0" anchor="ctr"/>
+          <a:lstStyle/>
+          <a:p>
+            <a:pPr algn="ctr"/>
+            <a:endParaRPr lang="fr-FR"/>
+          </a:p>
+        </p:txBody>
+      </p:sp>
+      <p:cxnSp>
+        <p:nvCxnSpPr>
+          <p:cNvPr id="56" name="Connecteur droit avec flèche 55"/>
+          <p:cNvCxnSpPr/>
+          <p:nvPr/>
+        </p:nvCxnSpPr>
+        <p:spPr>
+          <a:xfrm flipV="1">
+            <a:off x="7051283" y="2583831"/>
+            <a:ext cx="0" cy="900101"/>
+          </a:xfrm>
+          <a:prstGeom prst="straightConnector1">
+            <a:avLst/>
+          </a:prstGeom>
+          <a:ln>
+            <a:tailEnd type="oval" w="lg" len="lg"/>
+          </a:ln>
+          <a:effectLst/>
+        </p:spPr>
+        <p:style>
+          <a:lnRef idx="2">
+            <a:schemeClr val="accent2"/>
+          </a:lnRef>
+          <a:fillRef idx="0">
+            <a:schemeClr val="accent2"/>
+          </a:fillRef>
+          <a:effectRef idx="1">
+            <a:schemeClr val="accent2"/>
+          </a:effectRef>
+          <a:fontRef idx="minor">
+            <a:schemeClr val="tx1"/>
+          </a:fontRef>
+        </p:style>
+      </p:cxnSp>
+      <p:sp>
+        <p:nvSpPr>
+          <p:cNvPr id="62" name="Rectangle 61"/>
+          <p:cNvSpPr/>
+          <p:nvPr/>
+        </p:nvSpPr>
+        <p:spPr>
+          <a:xfrm>
+            <a:off x="3814119" y="2424188"/>
+            <a:ext cx="1080120" cy="360040"/>
+          </a:xfrm>
+          <a:prstGeom prst="rect">
+            <a:avLst/>
+          </a:prstGeom>
+          <a:noFill/>
+          <a:effectLst/>
+        </p:spPr>
+        <p:style>
+          <a:lnRef idx="2">
+            <a:schemeClr val="accent2"/>
+          </a:lnRef>
+          <a:fillRef idx="1">
+            <a:schemeClr val="lt1"/>
+          </a:fillRef>
+          <a:effectRef idx="0">
+            <a:schemeClr val="accent2"/>
+          </a:effectRef>
+          <a:fontRef idx="minor">
+            <a:schemeClr val="dk1"/>
+          </a:fontRef>
+        </p:style>
+        <p:txBody>
+          <a:bodyPr rtlCol="0" anchor="ctr"/>
+          <a:lstStyle/>
+          <a:p>
+            <a:pPr algn="ctr"/>
+            <a:r>
+              <a:rPr lang="fr-FR" sz="1200" dirty="0"/>
+              <a:t>Correcteur</a:t>
+            </a:r>
+          </a:p>
+        </p:txBody>
+      </p:sp>
+      <p:cxnSp>
+        <p:nvCxnSpPr>
+          <p:cNvPr id="63" name="Connecteur droit avec flèche 62"/>
+          <p:cNvCxnSpPr/>
+          <p:nvPr/>
+        </p:nvCxnSpPr>
+        <p:spPr>
+          <a:xfrm>
+            <a:off x="4886504" y="2587467"/>
+            <a:ext cx="720080" cy="0"/>
+          </a:xfrm>
+          <a:prstGeom prst="straightConnector1">
+            <a:avLst/>
+          </a:prstGeom>
+          <a:ln>
+            <a:tailEnd type="arrow"/>
+          </a:ln>
+          <a:effectLst/>
+        </p:spPr>
+        <p:style>
+          <a:lnRef idx="2">
+            <a:schemeClr val="accent2"/>
+          </a:lnRef>
+          <a:fillRef idx="0">
+            <a:schemeClr val="accent2"/>
+          </a:fillRef>
+          <a:effectRef idx="1">
+            <a:schemeClr val="accent2"/>
+          </a:effectRef>
+          <a:fontRef idx="minor">
+            <a:schemeClr val="tx1"/>
+          </a:fontRef>
+        </p:style>
+      </p:cxnSp>
+      <p:sp>
+        <p:nvSpPr>
+          <p:cNvPr id="64" name="Rectangle 63"/>
+          <p:cNvSpPr/>
+          <p:nvPr/>
+        </p:nvSpPr>
+        <p:spPr>
+          <a:xfrm>
+            <a:off x="5611123" y="2407447"/>
+            <a:ext cx="1080120" cy="360040"/>
+          </a:xfrm>
+          <a:prstGeom prst="rect">
+            <a:avLst/>
+          </a:prstGeom>
+          <a:noFill/>
+          <a:effectLst/>
+        </p:spPr>
+        <p:style>
+          <a:lnRef idx="2">
+            <a:schemeClr val="accent2"/>
+          </a:lnRef>
+          <a:fillRef idx="1">
+            <a:schemeClr val="lt1"/>
+          </a:fillRef>
+          <a:effectRef idx="0">
+            <a:schemeClr val="accent2"/>
+          </a:effectRef>
+          <a:fontRef idx="minor">
+            <a:schemeClr val="dk1"/>
+          </a:fontRef>
+        </p:style>
+        <p:txBody>
+          <a:bodyPr rtlCol="0" anchor="ctr"/>
+          <a:lstStyle/>
+          <a:p>
+            <a:pPr algn="ctr"/>
+            <a:r>
+              <a:rPr lang="fr-FR" sz="1200" dirty="0"/>
+              <a:t>Système</a:t>
+            </a:r>
+          </a:p>
+        </p:txBody>
+      </p:sp>
+      <p:sp>
+        <p:nvSpPr>
+          <p:cNvPr id="65" name="Rectangle 64"/>
+          <p:cNvSpPr/>
+          <p:nvPr/>
+        </p:nvSpPr>
+        <p:spPr>
+          <a:xfrm>
+            <a:off x="5662244" y="3303911"/>
+            <a:ext cx="1080120" cy="360040"/>
+          </a:xfrm>
+          <a:prstGeom prst="rect">
+            <a:avLst/>
+          </a:prstGeom>
+          <a:noFill/>
+          <a:effectLst/>
+        </p:spPr>
+        <p:style>
+          <a:lnRef idx="2">
+            <a:schemeClr val="accent2"/>
+          </a:lnRef>
+          <a:fillRef idx="1">
+            <a:schemeClr val="lt1"/>
+          </a:fillRef>
+          <a:effectRef idx="0">
+            <a:schemeClr val="accent2"/>
+          </a:effectRef>
+          <a:fontRef idx="minor">
+            <a:schemeClr val="dk1"/>
+          </a:fontRef>
+        </p:style>
+        <p:txBody>
+          <a:bodyPr rtlCol="0" anchor="ctr"/>
+          <a:lstStyle/>
+          <a:p>
+            <a:pPr algn="ctr"/>
+            <a:r>
+              <a:rPr lang="fr-FR" sz="1200" dirty="0"/>
+              <a:t>Capteur</a:t>
+            </a:r>
+          </a:p>
+        </p:txBody>
+      </p:sp>
+      <p:cxnSp>
+        <p:nvCxnSpPr>
+          <p:cNvPr id="66" name="Connecteur droit avec flèche 65"/>
+          <p:cNvCxnSpPr>
+            <a:stCxn id="65" idx="1"/>
+          </p:cNvCxnSpPr>
+          <p:nvPr/>
+        </p:nvCxnSpPr>
+        <p:spPr>
+          <a:xfrm flipH="1">
+            <a:off x="2915594" y="3483931"/>
+            <a:ext cx="2746650" cy="0"/>
+          </a:xfrm>
+          <a:prstGeom prst="straightConnector1">
+            <a:avLst/>
+          </a:prstGeom>
+          <a:ln>
+            <a:headEnd type="none" w="med" len="med"/>
+            <a:tailEnd type="none" w="med" len="med"/>
+          </a:ln>
+          <a:effectLst/>
+        </p:spPr>
+        <p:style>
+          <a:lnRef idx="2">
+            <a:schemeClr val="accent2"/>
+          </a:lnRef>
+          <a:fillRef idx="0">
+            <a:schemeClr val="accent2"/>
+          </a:fillRef>
+          <a:effectRef idx="1">
+            <a:schemeClr val="accent2"/>
+          </a:effectRef>
+          <a:fontRef idx="minor">
+            <a:schemeClr val="tx1"/>
+          </a:fontRef>
+        </p:style>
+      </p:cxnSp>
+      <p:cxnSp>
+        <p:nvCxnSpPr>
+          <p:cNvPr id="68" name="Connecteur droit avec flèche 67"/>
+          <p:cNvCxnSpPr/>
+          <p:nvPr/>
+        </p:nvCxnSpPr>
+        <p:spPr>
+          <a:xfrm flipH="1">
+            <a:off x="6742364" y="3483931"/>
+            <a:ext cx="308919" cy="0"/>
+          </a:xfrm>
+          <a:prstGeom prst="straightConnector1">
+            <a:avLst/>
+          </a:prstGeom>
+          <a:ln>
+            <a:tailEnd type="arrow"/>
+          </a:ln>
+          <a:effectLst/>
+        </p:spPr>
+        <p:style>
+          <a:lnRef idx="2">
+            <a:schemeClr val="accent2"/>
+          </a:lnRef>
+          <a:fillRef idx="0">
+            <a:schemeClr val="accent2"/>
+          </a:fillRef>
+          <a:effectRef idx="1">
+            <a:schemeClr val="accent2"/>
+          </a:effectRef>
+          <a:fontRef idx="minor">
+            <a:schemeClr val="tx1"/>
+          </a:fontRef>
+        </p:style>
+      </p:cxnSp>
+      <p:cxnSp>
+        <p:nvCxnSpPr>
+          <p:cNvPr id="72" name="Connecteur droit avec flèche 71"/>
+          <p:cNvCxnSpPr/>
+          <p:nvPr/>
+        </p:nvCxnSpPr>
+        <p:spPr>
+          <a:xfrm>
+            <a:off x="212728" y="2588437"/>
+            <a:ext cx="720080" cy="0"/>
+          </a:xfrm>
+          <a:prstGeom prst="straightConnector1">
+            <a:avLst/>
+          </a:prstGeom>
+          <a:ln>
+            <a:tailEnd type="arrow"/>
+          </a:ln>
+          <a:effectLst/>
+        </p:spPr>
+        <p:style>
+          <a:lnRef idx="2">
+            <a:schemeClr val="accent2"/>
+          </a:lnRef>
+          <a:fillRef idx="0">
+            <a:schemeClr val="accent2"/>
+          </a:fillRef>
+          <a:effectRef idx="1">
+            <a:schemeClr val="accent2"/>
+          </a:effectRef>
+          <a:fontRef idx="minor">
+            <a:schemeClr val="tx1"/>
+          </a:fontRef>
+        </p:style>
+      </p:cxnSp>
+      <p:sp>
+        <p:nvSpPr>
+          <p:cNvPr id="77" name="ZoneTexte 76"/>
+          <p:cNvSpPr txBox="1"/>
+          <p:nvPr/>
+        </p:nvSpPr>
+        <p:spPr>
+          <a:xfrm>
+            <a:off x="5560469" y="2130448"/>
+            <a:ext cx="1628971" cy="276999"/>
+          </a:xfrm>
+          <a:prstGeom prst="rect">
+            <a:avLst/>
+          </a:prstGeom>
+          <a:noFill/>
+          <a:effectLst/>
+        </p:spPr>
+        <p:txBody>
+          <a:bodyPr wrap="square" rtlCol="0">
+            <a:spAutoFit/>
+          </a:bodyPr>
+          <a:lstStyle/>
+          <a:p>
+            <a:r>
+              <a:rPr lang="fr-FR" sz="1200" i="1" dirty="0"/>
+              <a:t>Partie opérative</a:t>
+            </a:r>
+          </a:p>
+        </p:txBody>
+      </p:sp>
+      <p:sp>
+        <p:nvSpPr>
+          <p:cNvPr id="79" name="ZoneTexte 78"/>
+          <p:cNvSpPr txBox="1"/>
+          <p:nvPr/>
+        </p:nvSpPr>
+        <p:spPr>
+          <a:xfrm>
+            <a:off x="611492" y="1870190"/>
+            <a:ext cx="1628971" cy="276999"/>
+          </a:xfrm>
+          <a:prstGeom prst="rect">
+            <a:avLst/>
+          </a:prstGeom>
+          <a:noFill/>
+          <a:effectLst/>
+        </p:spPr>
+        <p:txBody>
+          <a:bodyPr wrap="square" rtlCol="0">
+            <a:spAutoFit/>
+          </a:bodyPr>
+          <a:lstStyle/>
+          <a:p>
+            <a:r>
+              <a:rPr lang="fr-FR" sz="1200" i="1" dirty="0"/>
+              <a:t>Chaîne directe</a:t>
+            </a:r>
+          </a:p>
+        </p:txBody>
+      </p:sp>
+      <p:sp>
+        <p:nvSpPr>
+          <p:cNvPr id="81" name="ZoneTexte 80"/>
+          <p:cNvSpPr txBox="1"/>
+          <p:nvPr/>
+        </p:nvSpPr>
+        <p:spPr>
+          <a:xfrm>
+            <a:off x="2780336" y="3584049"/>
+            <a:ext cx="1628971" cy="276999"/>
+          </a:xfrm>
+          <a:prstGeom prst="rect">
+            <a:avLst/>
+          </a:prstGeom>
+          <a:noFill/>
+          <a:effectLst/>
+        </p:spPr>
+        <p:txBody>
+          <a:bodyPr wrap="square" rtlCol="0">
+            <a:spAutoFit/>
+          </a:bodyPr>
+          <a:lstStyle/>
+          <a:p>
+            <a:r>
+              <a:rPr lang="fr-FR" sz="1200" i="1" dirty="0"/>
+              <a:t>Chaîne de retour</a:t>
+            </a:r>
+          </a:p>
+        </p:txBody>
+      </p:sp>
+      <p:sp>
+        <p:nvSpPr>
+          <p:cNvPr id="82" name="ZoneTexte 81"/>
+          <p:cNvSpPr txBox="1"/>
+          <p:nvPr/>
+        </p:nvSpPr>
+        <p:spPr>
+          <a:xfrm>
+            <a:off x="-180528" y="2296479"/>
+            <a:ext cx="1628971" cy="276999"/>
+          </a:xfrm>
+          <a:prstGeom prst="rect">
+            <a:avLst/>
+          </a:prstGeom>
+          <a:noFill/>
+          <a:effectLst/>
+        </p:spPr>
+        <p:txBody>
+          <a:bodyPr wrap="square" rtlCol="0">
+            <a:spAutoFit/>
+          </a:bodyPr>
+          <a:lstStyle/>
+          <a:p>
+            <a:r>
+              <a:rPr lang="fr-FR" sz="1200" i="1" dirty="0"/>
+              <a:t>Consigne</a:t>
+            </a:r>
+          </a:p>
+        </p:txBody>
+      </p:sp>
+      <p:sp>
+        <p:nvSpPr>
+          <p:cNvPr id="83" name="ZoneTexte 82"/>
+          <p:cNvSpPr txBox="1"/>
+          <p:nvPr/>
+        </p:nvSpPr>
+        <p:spPr>
+          <a:xfrm>
+            <a:off x="7407525" y="2359913"/>
+            <a:ext cx="1628971" cy="276999"/>
+          </a:xfrm>
+          <a:prstGeom prst="rect">
+            <a:avLst/>
+          </a:prstGeom>
+          <a:noFill/>
+          <a:effectLst/>
+        </p:spPr>
+        <p:txBody>
+          <a:bodyPr wrap="square" rtlCol="0">
+            <a:spAutoFit/>
+          </a:bodyPr>
+          <a:lstStyle/>
+          <a:p>
+            <a:r>
+              <a:rPr lang="fr-FR" sz="1200" i="1" dirty="0"/>
+              <a:t>Sortie</a:t>
+            </a:r>
+          </a:p>
+        </p:txBody>
+      </p:sp>
+    </p:spTree>
+    <p:extLst>
+      <p:ext uri="{BB962C8B-B14F-4D97-AF65-F5344CB8AC3E}">
+        <p14:creationId xmlns:p14="http://schemas.microsoft.com/office/powerpoint/2010/main" val="3190428975"/>
+      </p:ext>
+    </p:extLst>
+  </p:cSld>
+  <p:clrMapOvr>
+    <a:masterClrMapping/>
+  </p:clrMapOvr>
+</p:sld>
+</file>
+
+<file path=ppt/slides/slide13.xml><?xml version="1.0" encoding="utf-8"?>
+<p:sld xmlns:a="http://schemas.openxmlformats.org/drawingml/2006/main" xmlns:r="http://schemas.openxmlformats.org/officeDocument/2006/relationships" xmlns:p="http://schemas.openxmlformats.org/presentationml/2006/main">
+  <p:cSld>
+    <p:spTree>
+      <p:nvGrpSpPr>
+        <p:cNvPr id="1" name=""/>
+        <p:cNvGrpSpPr/>
+        <p:nvPr/>
+      </p:nvGrpSpPr>
+      <p:grpSpPr>
+        <a:xfrm>
+          <a:off x="0" y="0"/>
+          <a:ext cx="0" cy="0"/>
+          <a:chOff x="0" y="0"/>
+          <a:chExt cx="0" cy="0"/>
+        </a:xfrm>
+      </p:grpSpPr>
+      <p:sp>
+        <p:nvSpPr>
           <p:cNvPr id="9" name="Rectangle 8"/>
           <p:cNvSpPr/>
           <p:nvPr/>
@@ -9167,7 +9860,7 @@
 </p:sld>
 </file>
 
-<file path=ppt/slides/slide13.xml><?xml version="1.0" encoding="utf-8"?>
+<file path=ppt/slides/slide14.xml><?xml version="1.0" encoding="utf-8"?>
 <p:sld xmlns:a="http://schemas.openxmlformats.org/drawingml/2006/main" xmlns:r="http://schemas.openxmlformats.org/officeDocument/2006/relationships" xmlns:p="http://schemas.openxmlformats.org/presentationml/2006/main">
   <p:cSld>
     <p:spTree>
@@ -10915,6 +11608,1947 @@
 </file>
 
 <file path=ppt/slides/slide2.xml><?xml version="1.0" encoding="utf-8"?>
+<p:sld xmlns:a="http://schemas.openxmlformats.org/drawingml/2006/main" xmlns:r="http://schemas.openxmlformats.org/officeDocument/2006/relationships" xmlns:p="http://schemas.openxmlformats.org/presentationml/2006/main">
+  <p:cSld>
+    <p:spTree>
+      <p:nvGrpSpPr>
+        <p:cNvPr id="1" name=""/>
+        <p:cNvGrpSpPr/>
+        <p:nvPr/>
+      </p:nvGrpSpPr>
+      <p:grpSpPr>
+        <a:xfrm>
+          <a:off x="0" y="0"/>
+          <a:ext cx="0" cy="0"/>
+          <a:chOff x="0" y="0"/>
+          <a:chExt cx="0" cy="0"/>
+        </a:xfrm>
+      </p:grpSpPr>
+      <p:grpSp>
+        <p:nvGrpSpPr>
+          <p:cNvPr id="63" name="Groupe 62">
+            <a:extLst>
+              <a:ext uri="{FF2B5EF4-FFF2-40B4-BE49-F238E27FC236}">
+                <a16:creationId xmlns:a16="http://schemas.microsoft.com/office/drawing/2014/main" id="{F5A25918-CE89-4FBC-8D11-DC2A6E22F83B}"/>
+              </a:ext>
+            </a:extLst>
+          </p:cNvPr>
+          <p:cNvGrpSpPr/>
+          <p:nvPr/>
+        </p:nvGrpSpPr>
+        <p:grpSpPr>
+          <a:xfrm rot="19800000">
+            <a:off x="4296402" y="1669763"/>
+            <a:ext cx="900000" cy="900000"/>
+            <a:chOff x="3131840" y="390111"/>
+            <a:chExt cx="900000" cy="900000"/>
+          </a:xfrm>
+        </p:grpSpPr>
+        <p:cxnSp>
+          <p:nvCxnSpPr>
+            <p:cNvPr id="64" name="Connecteur droit 63">
+              <a:extLst>
+                <a:ext uri="{FF2B5EF4-FFF2-40B4-BE49-F238E27FC236}">
+                  <a16:creationId xmlns:a16="http://schemas.microsoft.com/office/drawing/2014/main" id="{A6F818FF-8E06-4240-A2CF-9F7FF57D7EB9}"/>
+                </a:ext>
+              </a:extLst>
+            </p:cNvPr>
+            <p:cNvCxnSpPr>
+              <a:cxnSpLocks/>
+            </p:cNvCxnSpPr>
+            <p:nvPr/>
+          </p:nvCxnSpPr>
+          <p:spPr>
+            <a:xfrm rot="16200000">
+              <a:off x="2681840" y="840111"/>
+              <a:ext cx="900000" cy="0"/>
+            </a:xfrm>
+            <a:prstGeom prst="line">
+              <a:avLst/>
+            </a:prstGeom>
+            <a:ln w="19050">
+              <a:solidFill>
+                <a:srgbClr val="00B0F0"/>
+              </a:solidFill>
+              <a:tailEnd type="stealth" w="med" len="lg"/>
+            </a:ln>
+          </p:spPr>
+          <p:style>
+            <a:lnRef idx="1">
+              <a:schemeClr val="accent1"/>
+            </a:lnRef>
+            <a:fillRef idx="0">
+              <a:schemeClr val="accent1"/>
+            </a:fillRef>
+            <a:effectRef idx="0">
+              <a:schemeClr val="accent1"/>
+            </a:effectRef>
+            <a:fontRef idx="minor">
+              <a:schemeClr val="tx1"/>
+            </a:fontRef>
+          </p:style>
+        </p:cxnSp>
+        <p:cxnSp>
+          <p:nvCxnSpPr>
+            <p:cNvPr id="65" name="Connecteur droit 64">
+              <a:extLst>
+                <a:ext uri="{FF2B5EF4-FFF2-40B4-BE49-F238E27FC236}">
+                  <a16:creationId xmlns:a16="http://schemas.microsoft.com/office/drawing/2014/main" id="{08446213-E0FD-4727-8F4C-3A7A8A30AFB2}"/>
+                </a:ext>
+              </a:extLst>
+            </p:cNvPr>
+            <p:cNvCxnSpPr>
+              <a:cxnSpLocks/>
+            </p:cNvCxnSpPr>
+            <p:nvPr/>
+          </p:nvCxnSpPr>
+          <p:spPr>
+            <a:xfrm>
+              <a:off x="3131840" y="1275110"/>
+              <a:ext cx="900000" cy="0"/>
+            </a:xfrm>
+            <a:prstGeom prst="line">
+              <a:avLst/>
+            </a:prstGeom>
+            <a:ln w="19050">
+              <a:solidFill>
+                <a:srgbClr val="00B0F0"/>
+              </a:solidFill>
+              <a:tailEnd type="stealth" w="med" len="lg"/>
+            </a:ln>
+          </p:spPr>
+          <p:style>
+            <a:lnRef idx="1">
+              <a:schemeClr val="accent1"/>
+            </a:lnRef>
+            <a:fillRef idx="0">
+              <a:schemeClr val="accent1"/>
+            </a:fillRef>
+            <a:effectRef idx="0">
+              <a:schemeClr val="accent1"/>
+            </a:effectRef>
+            <a:fontRef idx="minor">
+              <a:schemeClr val="tx1"/>
+            </a:fontRef>
+          </p:style>
+        </p:cxnSp>
+      </p:grpSp>
+      <p:grpSp>
+        <p:nvGrpSpPr>
+          <p:cNvPr id="38" name="Groupe 37">
+            <a:extLst>
+              <a:ext uri="{FF2B5EF4-FFF2-40B4-BE49-F238E27FC236}">
+                <a16:creationId xmlns:a16="http://schemas.microsoft.com/office/drawing/2014/main" id="{D5BD4041-3CEB-40BF-ABF7-A8C1E124C1AC}"/>
+              </a:ext>
+            </a:extLst>
+          </p:cNvPr>
+          <p:cNvGrpSpPr/>
+          <p:nvPr/>
+        </p:nvGrpSpPr>
+        <p:grpSpPr>
+          <a:xfrm>
+            <a:off x="4570721" y="1834475"/>
+            <a:ext cx="900000" cy="900000"/>
+            <a:chOff x="3131840" y="390111"/>
+            <a:chExt cx="900000" cy="900000"/>
+          </a:xfrm>
+        </p:grpSpPr>
+        <p:cxnSp>
+          <p:nvCxnSpPr>
+            <p:cNvPr id="36" name="Connecteur droit 35">
+              <a:extLst>
+                <a:ext uri="{FF2B5EF4-FFF2-40B4-BE49-F238E27FC236}">
+                  <a16:creationId xmlns:a16="http://schemas.microsoft.com/office/drawing/2014/main" id="{CBB07CC3-9037-438A-B18A-DA6BDABB4924}"/>
+                </a:ext>
+              </a:extLst>
+            </p:cNvPr>
+            <p:cNvCxnSpPr>
+              <a:cxnSpLocks/>
+            </p:cNvCxnSpPr>
+            <p:nvPr/>
+          </p:nvCxnSpPr>
+          <p:spPr>
+            <a:xfrm rot="16200000">
+              <a:off x="2681840" y="840111"/>
+              <a:ext cx="900000" cy="0"/>
+            </a:xfrm>
+            <a:prstGeom prst="line">
+              <a:avLst/>
+            </a:prstGeom>
+            <a:ln w="19050">
+              <a:solidFill>
+                <a:schemeClr val="accent5">
+                  <a:lumMod val="50000"/>
+                </a:schemeClr>
+              </a:solidFill>
+              <a:tailEnd type="stealth" w="med" len="lg"/>
+            </a:ln>
+          </p:spPr>
+          <p:style>
+            <a:lnRef idx="1">
+              <a:schemeClr val="accent1"/>
+            </a:lnRef>
+            <a:fillRef idx="0">
+              <a:schemeClr val="accent1"/>
+            </a:fillRef>
+            <a:effectRef idx="0">
+              <a:schemeClr val="accent1"/>
+            </a:effectRef>
+            <a:fontRef idx="minor">
+              <a:schemeClr val="tx1"/>
+            </a:fontRef>
+          </p:style>
+        </p:cxnSp>
+        <p:cxnSp>
+          <p:nvCxnSpPr>
+            <p:cNvPr id="37" name="Connecteur droit 36">
+              <a:extLst>
+                <a:ext uri="{FF2B5EF4-FFF2-40B4-BE49-F238E27FC236}">
+                  <a16:creationId xmlns:a16="http://schemas.microsoft.com/office/drawing/2014/main" id="{921EAC80-EDC6-4F8C-8075-E5DE50C1A0D5}"/>
+                </a:ext>
+              </a:extLst>
+            </p:cNvPr>
+            <p:cNvCxnSpPr>
+              <a:cxnSpLocks/>
+            </p:cNvCxnSpPr>
+            <p:nvPr/>
+          </p:nvCxnSpPr>
+          <p:spPr>
+            <a:xfrm>
+              <a:off x="3131840" y="1275110"/>
+              <a:ext cx="900000" cy="0"/>
+            </a:xfrm>
+            <a:prstGeom prst="line">
+              <a:avLst/>
+            </a:prstGeom>
+            <a:ln w="19050">
+              <a:solidFill>
+                <a:schemeClr val="accent5">
+                  <a:lumMod val="50000"/>
+                </a:schemeClr>
+              </a:solidFill>
+              <a:tailEnd type="stealth" w="med" len="lg"/>
+            </a:ln>
+          </p:spPr>
+          <p:style>
+            <a:lnRef idx="1">
+              <a:schemeClr val="accent1"/>
+            </a:lnRef>
+            <a:fillRef idx="0">
+              <a:schemeClr val="accent1"/>
+            </a:fillRef>
+            <a:effectRef idx="0">
+              <a:schemeClr val="accent1"/>
+            </a:effectRef>
+            <a:fontRef idx="minor">
+              <a:schemeClr val="tx1"/>
+            </a:fontRef>
+          </p:style>
+        </p:cxnSp>
+      </p:grpSp>
+      <p:grpSp>
+        <p:nvGrpSpPr>
+          <p:cNvPr id="39" name="Groupe 38">
+            <a:extLst>
+              <a:ext uri="{FF2B5EF4-FFF2-40B4-BE49-F238E27FC236}">
+                <a16:creationId xmlns:a16="http://schemas.microsoft.com/office/drawing/2014/main" id="{4E0CFFE7-F44F-4800-B7B4-D6B3DCFFBE3C}"/>
+              </a:ext>
+            </a:extLst>
+          </p:cNvPr>
+          <p:cNvGrpSpPr/>
+          <p:nvPr/>
+        </p:nvGrpSpPr>
+        <p:grpSpPr>
+          <a:xfrm rot="20700000">
+            <a:off x="4433193" y="1733339"/>
+            <a:ext cx="900000" cy="900000"/>
+            <a:chOff x="3131840" y="390111"/>
+            <a:chExt cx="900000" cy="900000"/>
+          </a:xfrm>
+        </p:grpSpPr>
+        <p:cxnSp>
+          <p:nvCxnSpPr>
+            <p:cNvPr id="40" name="Connecteur droit 39">
+              <a:extLst>
+                <a:ext uri="{FF2B5EF4-FFF2-40B4-BE49-F238E27FC236}">
+                  <a16:creationId xmlns:a16="http://schemas.microsoft.com/office/drawing/2014/main" id="{9929F924-ECE7-42CD-96A1-78AE4C5D976E}"/>
+                </a:ext>
+              </a:extLst>
+            </p:cNvPr>
+            <p:cNvCxnSpPr>
+              <a:cxnSpLocks/>
+            </p:cNvCxnSpPr>
+            <p:nvPr/>
+          </p:nvCxnSpPr>
+          <p:spPr>
+            <a:xfrm rot="16200000">
+              <a:off x="2681840" y="840111"/>
+              <a:ext cx="900000" cy="0"/>
+            </a:xfrm>
+            <a:prstGeom prst="line">
+              <a:avLst/>
+            </a:prstGeom>
+            <a:ln w="19050">
+              <a:solidFill>
+                <a:schemeClr val="accent2"/>
+              </a:solidFill>
+              <a:tailEnd type="stealth" w="med" len="lg"/>
+            </a:ln>
+          </p:spPr>
+          <p:style>
+            <a:lnRef idx="1">
+              <a:schemeClr val="accent1"/>
+            </a:lnRef>
+            <a:fillRef idx="0">
+              <a:schemeClr val="accent1"/>
+            </a:fillRef>
+            <a:effectRef idx="0">
+              <a:schemeClr val="accent1"/>
+            </a:effectRef>
+            <a:fontRef idx="minor">
+              <a:schemeClr val="tx1"/>
+            </a:fontRef>
+          </p:style>
+        </p:cxnSp>
+        <p:cxnSp>
+          <p:nvCxnSpPr>
+            <p:cNvPr id="41" name="Connecteur droit 40">
+              <a:extLst>
+                <a:ext uri="{FF2B5EF4-FFF2-40B4-BE49-F238E27FC236}">
+                  <a16:creationId xmlns:a16="http://schemas.microsoft.com/office/drawing/2014/main" id="{9A2F861A-4EA6-471D-90C0-F232BFCD977A}"/>
+                </a:ext>
+              </a:extLst>
+            </p:cNvPr>
+            <p:cNvCxnSpPr>
+              <a:cxnSpLocks/>
+            </p:cNvCxnSpPr>
+            <p:nvPr/>
+          </p:nvCxnSpPr>
+          <p:spPr>
+            <a:xfrm>
+              <a:off x="3131840" y="1275110"/>
+              <a:ext cx="900000" cy="0"/>
+            </a:xfrm>
+            <a:prstGeom prst="line">
+              <a:avLst/>
+            </a:prstGeom>
+            <a:ln w="19050">
+              <a:solidFill>
+                <a:schemeClr val="accent2"/>
+              </a:solidFill>
+              <a:tailEnd type="stealth" w="med" len="lg"/>
+            </a:ln>
+          </p:spPr>
+          <p:style>
+            <a:lnRef idx="1">
+              <a:schemeClr val="accent1"/>
+            </a:lnRef>
+            <a:fillRef idx="0">
+              <a:schemeClr val="accent1"/>
+            </a:fillRef>
+            <a:effectRef idx="0">
+              <a:schemeClr val="accent1"/>
+            </a:effectRef>
+            <a:fontRef idx="minor">
+              <a:schemeClr val="tx1"/>
+            </a:fontRef>
+          </p:style>
+        </p:cxnSp>
+      </p:grpSp>
+      <p:sp>
+        <p:nvSpPr>
+          <p:cNvPr id="42" name="Ellipse 41">
+            <a:extLst>
+              <a:ext uri="{FF2B5EF4-FFF2-40B4-BE49-F238E27FC236}">
+                <a16:creationId xmlns:a16="http://schemas.microsoft.com/office/drawing/2014/main" id="{9F90F790-7C62-4068-BCC0-589933C7B6F4}"/>
+              </a:ext>
+            </a:extLst>
+          </p:cNvPr>
+          <p:cNvSpPr/>
+          <p:nvPr/>
+        </p:nvSpPr>
+        <p:spPr>
+          <a:xfrm>
+            <a:off x="4498721" y="2655230"/>
+            <a:ext cx="144000" cy="144000"/>
+          </a:xfrm>
+          <a:prstGeom prst="ellipse">
+            <a:avLst/>
+          </a:prstGeom>
+          <a:solidFill>
+            <a:schemeClr val="bg1"/>
+          </a:solidFill>
+          <a:ln w="19050">
+            <a:solidFill>
+              <a:schemeClr val="accent5">
+                <a:lumMod val="50000"/>
+              </a:schemeClr>
+            </a:solidFill>
+          </a:ln>
+        </p:spPr>
+        <p:style>
+          <a:lnRef idx="2">
+            <a:schemeClr val="accent1">
+              <a:shade val="50000"/>
+            </a:schemeClr>
+          </a:lnRef>
+          <a:fillRef idx="1">
+            <a:schemeClr val="accent1"/>
+          </a:fillRef>
+          <a:effectRef idx="0">
+            <a:schemeClr val="accent1"/>
+          </a:effectRef>
+          <a:fontRef idx="minor">
+            <a:schemeClr val="lt1"/>
+          </a:fontRef>
+        </p:style>
+        <p:txBody>
+          <a:bodyPr lIns="0" tIns="0" rIns="0" bIns="0" rtlCol="0" anchor="ctr"/>
+          <a:lstStyle/>
+          <a:p>
+            <a:pPr algn="ctr"/>
+            <a:endParaRPr lang="fr-FR" sz="1600" dirty="0">
+              <a:ln>
+                <a:solidFill>
+                  <a:schemeClr val="accent5">
+                    <a:lumMod val="50000"/>
+                  </a:schemeClr>
+                </a:solidFill>
+              </a:ln>
+              <a:solidFill>
+                <a:schemeClr val="accent5">
+                  <a:lumMod val="50000"/>
+                </a:schemeClr>
+              </a:solidFill>
+            </a:endParaRPr>
+          </a:p>
+        </p:txBody>
+      </p:sp>
+      <p:sp>
+        <p:nvSpPr>
+          <p:cNvPr id="43" name="Ellipse 42">
+            <a:extLst>
+              <a:ext uri="{FF2B5EF4-FFF2-40B4-BE49-F238E27FC236}">
+                <a16:creationId xmlns:a16="http://schemas.microsoft.com/office/drawing/2014/main" id="{7260010C-6879-49C4-B346-4CD9FCC340AA}"/>
+              </a:ext>
+            </a:extLst>
+          </p:cNvPr>
+          <p:cNvSpPr/>
+          <p:nvPr/>
+        </p:nvSpPr>
+        <p:spPr>
+          <a:xfrm>
+            <a:off x="4552721" y="2709230"/>
+            <a:ext cx="36000" cy="36000"/>
+          </a:xfrm>
+          <a:prstGeom prst="ellipse">
+            <a:avLst/>
+          </a:prstGeom>
+          <a:solidFill>
+            <a:schemeClr val="accent5">
+              <a:lumMod val="50000"/>
+            </a:schemeClr>
+          </a:solidFill>
+          <a:ln w="19050">
+            <a:solidFill>
+              <a:schemeClr val="accent5">
+                <a:lumMod val="50000"/>
+              </a:schemeClr>
+            </a:solidFill>
+          </a:ln>
+        </p:spPr>
+        <p:style>
+          <a:lnRef idx="2">
+            <a:schemeClr val="accent1">
+              <a:shade val="50000"/>
+            </a:schemeClr>
+          </a:lnRef>
+          <a:fillRef idx="1">
+            <a:schemeClr val="accent1"/>
+          </a:fillRef>
+          <a:effectRef idx="0">
+            <a:schemeClr val="accent1"/>
+          </a:effectRef>
+          <a:fontRef idx="minor">
+            <a:schemeClr val="lt1"/>
+          </a:fontRef>
+        </p:style>
+        <p:txBody>
+          <a:bodyPr lIns="0" tIns="0" rIns="0" bIns="0" rtlCol="0" anchor="ctr"/>
+          <a:lstStyle/>
+          <a:p>
+            <a:pPr algn="ctr"/>
+            <a:endParaRPr lang="fr-FR" sz="1600" dirty="0">
+              <a:ln>
+                <a:solidFill>
+                  <a:schemeClr val="accent5">
+                    <a:lumMod val="50000"/>
+                  </a:schemeClr>
+                </a:solidFill>
+              </a:ln>
+              <a:solidFill>
+                <a:schemeClr val="accent5">
+                  <a:lumMod val="50000"/>
+                </a:schemeClr>
+              </a:solidFill>
+            </a:endParaRPr>
+          </a:p>
+        </p:txBody>
+      </p:sp>
+      <mc:AlternateContent xmlns:mc="http://schemas.openxmlformats.org/markup-compatibility/2006">
+        <mc:Choice xmlns:a14="http://schemas.microsoft.com/office/drawing/2010/main" Requires="a14">
+          <p:sp>
+            <p:nvSpPr>
+              <p:cNvPr id="44" name="ZoneTexte 43">
+                <a:extLst>
+                  <a:ext uri="{FF2B5EF4-FFF2-40B4-BE49-F238E27FC236}">
+                    <a16:creationId xmlns:a16="http://schemas.microsoft.com/office/drawing/2014/main" id="{91EA5F93-D642-463B-9BAE-27632EE752AF}"/>
+                  </a:ext>
+                </a:extLst>
+              </p:cNvPr>
+              <p:cNvSpPr txBox="1"/>
+              <p:nvPr/>
+            </p:nvSpPr>
+            <p:spPr>
+              <a:xfrm>
+                <a:off x="4138564" y="2832838"/>
+                <a:ext cx="845096" cy="184666"/>
+              </a:xfrm>
+              <a:prstGeom prst="rect">
+                <a:avLst/>
+              </a:prstGeom>
+              <a:noFill/>
+              <a:ln>
+                <a:noFill/>
+              </a:ln>
+            </p:spPr>
+            <p:txBody>
+              <a:bodyPr wrap="square" lIns="0" tIns="0" rIns="0" bIns="0" rtlCol="0">
+                <a:spAutoFit/>
+              </a:bodyPr>
+              <a:lstStyle/>
+              <a:p>
+                <a:pPr/>
+                <a14:m>
+                  <m:oMathPara xmlns:m="http://schemas.openxmlformats.org/officeDocument/2006/math">
+                    <m:oMathParaPr>
+                      <m:jc m:val="centerGroup"/>
+                    </m:oMathParaPr>
+                    <m:oMath xmlns:m="http://schemas.openxmlformats.org/officeDocument/2006/math">
+                      <m:acc>
+                        <m:accPr>
+                          <m:chr m:val="⃗"/>
+                          <m:ctrlPr>
+                            <a:rPr lang="fr-FR" sz="1200" i="1" smtClean="0">
+                              <a:latin typeface="Cambria Math" panose="02040503050406030204" pitchFamily="18" charset="0"/>
+                            </a:rPr>
+                          </m:ctrlPr>
+                        </m:accPr>
+                        <m:e>
+                          <m:r>
+                            <a:rPr lang="fr-FR" sz="1200" i="1" smtClean="0">
+                              <a:latin typeface="Cambria Math" panose="02040503050406030204" pitchFamily="18" charset="0"/>
+                            </a:rPr>
+                            <m:t>𝑧</m:t>
+                          </m:r>
+                        </m:e>
+                      </m:acc>
+                    </m:oMath>
+                  </m:oMathPara>
+                </a14:m>
+                <a:endParaRPr lang="fr-FR" sz="1200" dirty="0"/>
+              </a:p>
+            </p:txBody>
+          </p:sp>
+        </mc:Choice>
+        <mc:Fallback>
+          <p:sp>
+            <p:nvSpPr>
+              <p:cNvPr id="44" name="ZoneTexte 43">
+                <a:extLst>
+                  <a:ext uri="{FF2B5EF4-FFF2-40B4-BE49-F238E27FC236}">
+                    <a16:creationId xmlns:a16="http://schemas.microsoft.com/office/drawing/2014/main" id="{91EA5F93-D642-463B-9BAE-27632EE752AF}"/>
+                  </a:ext>
+                </a:extLst>
+              </p:cNvPr>
+              <p:cNvSpPr txBox="1">
+                <a:spLocks noRot="1" noChangeAspect="1" noMove="1" noResize="1" noEditPoints="1" noAdjustHandles="1" noChangeArrowheads="1" noChangeShapeType="1" noTextEdit="1"/>
+              </p:cNvSpPr>
+              <p:nvPr/>
+            </p:nvSpPr>
+            <p:spPr>
+              <a:xfrm>
+                <a:off x="4138564" y="2832838"/>
+                <a:ext cx="845096" cy="184666"/>
+              </a:xfrm>
+              <a:prstGeom prst="rect">
+                <a:avLst/>
+              </a:prstGeom>
+              <a:blipFill>
+                <a:blip r:embed="rId2"/>
+                <a:stretch>
+                  <a:fillRect t="-30000"/>
+                </a:stretch>
+              </a:blipFill>
+              <a:ln>
+                <a:noFill/>
+              </a:ln>
+            </p:spPr>
+            <p:txBody>
+              <a:bodyPr/>
+              <a:lstStyle/>
+              <a:p>
+                <a:r>
+                  <a:rPr lang="fr-FR">
+                    <a:noFill/>
+                  </a:rPr>
+                  <a:t> </a:t>
+                </a:r>
+              </a:p>
+            </p:txBody>
+          </p:sp>
+        </mc:Fallback>
+      </mc:AlternateContent>
+      <p:sp>
+        <p:nvSpPr>
+          <p:cNvPr id="47" name="Arc 46">
+            <a:extLst>
+              <a:ext uri="{FF2B5EF4-FFF2-40B4-BE49-F238E27FC236}">
+                <a16:creationId xmlns:a16="http://schemas.microsoft.com/office/drawing/2014/main" id="{50DE41F7-8524-427B-B07F-6ECD840790C6}"/>
+              </a:ext>
+            </a:extLst>
+          </p:cNvPr>
+          <p:cNvSpPr/>
+          <p:nvPr/>
+        </p:nvSpPr>
+        <p:spPr>
+          <a:xfrm>
+            <a:off x="3872240" y="2010196"/>
+            <a:ext cx="1418556" cy="1418556"/>
+          </a:xfrm>
+          <a:prstGeom prst="arc">
+            <a:avLst>
+              <a:gd name="adj1" fmla="val 20731572"/>
+              <a:gd name="adj2" fmla="val 0"/>
+            </a:avLst>
+          </a:prstGeom>
+          <a:ln>
+            <a:solidFill>
+              <a:schemeClr val="accent5">
+                <a:lumMod val="50000"/>
+              </a:schemeClr>
+            </a:solidFill>
+            <a:headEnd type="stealth" w="med" len="lg"/>
+          </a:ln>
+        </p:spPr>
+        <p:style>
+          <a:lnRef idx="1">
+            <a:schemeClr val="accent1"/>
+          </a:lnRef>
+          <a:fillRef idx="0">
+            <a:schemeClr val="accent1"/>
+          </a:fillRef>
+          <a:effectRef idx="0">
+            <a:schemeClr val="accent1"/>
+          </a:effectRef>
+          <a:fontRef idx="minor">
+            <a:schemeClr val="tx1"/>
+          </a:fontRef>
+        </p:style>
+        <p:txBody>
+          <a:bodyPr rtlCol="0" anchor="ctr"/>
+          <a:lstStyle/>
+          <a:p>
+            <a:pPr algn="ctr"/>
+            <a:endParaRPr lang="fr-FR"/>
+          </a:p>
+        </p:txBody>
+      </p:sp>
+      <mc:AlternateContent xmlns:mc="http://schemas.openxmlformats.org/markup-compatibility/2006">
+        <mc:Choice xmlns:a14="http://schemas.microsoft.com/office/drawing/2010/main" Requires="a14">
+          <p:sp>
+            <p:nvSpPr>
+              <p:cNvPr id="48" name="ZoneTexte 47">
+                <a:extLst>
+                  <a:ext uri="{FF2B5EF4-FFF2-40B4-BE49-F238E27FC236}">
+                    <a16:creationId xmlns:a16="http://schemas.microsoft.com/office/drawing/2014/main" id="{F62804A2-48DB-4704-BEBF-2725F88BE4D6}"/>
+                  </a:ext>
+                </a:extLst>
+              </p:cNvPr>
+              <p:cNvSpPr txBox="1"/>
+              <p:nvPr/>
+            </p:nvSpPr>
+            <p:spPr>
+              <a:xfrm>
+                <a:off x="5438377" y="2634897"/>
+                <a:ext cx="360040" cy="184666"/>
+              </a:xfrm>
+              <a:prstGeom prst="rect">
+                <a:avLst/>
+              </a:prstGeom>
+              <a:noFill/>
+              <a:ln>
+                <a:noFill/>
+              </a:ln>
+            </p:spPr>
+            <p:txBody>
+              <a:bodyPr wrap="square" lIns="0" tIns="0" rIns="0" bIns="0" rtlCol="0">
+                <a:spAutoFit/>
+              </a:bodyPr>
+              <a:lstStyle/>
+              <a:p>
+                <a:pPr/>
+                <a14:m>
+                  <m:oMathPara xmlns:m="http://schemas.openxmlformats.org/officeDocument/2006/math">
+                    <m:oMathParaPr>
+                      <m:jc m:val="centerGroup"/>
+                    </m:oMathParaPr>
+                    <m:oMath xmlns:m="http://schemas.openxmlformats.org/officeDocument/2006/math">
+                      <m:acc>
+                        <m:accPr>
+                          <m:chr m:val="⃗"/>
+                          <m:ctrlPr>
+                            <a:rPr lang="fr-FR" sz="1200" i="1" smtClean="0">
+                              <a:latin typeface="Cambria Math" panose="02040503050406030204" pitchFamily="18" charset="0"/>
+                            </a:rPr>
+                          </m:ctrlPr>
+                        </m:accPr>
+                        <m:e>
+                          <m:sSub>
+                            <m:sSubPr>
+                              <m:ctrlPr>
+                                <a:rPr lang="fr-FR" sz="1200" i="1">
+                                  <a:latin typeface="Cambria Math" panose="02040503050406030204" pitchFamily="18" charset="0"/>
+                                </a:rPr>
+                              </m:ctrlPr>
+                            </m:sSubPr>
+                            <m:e>
+                              <m:r>
+                                <a:rPr lang="fr-FR" sz="1200" b="0" i="1" smtClean="0">
+                                  <a:latin typeface="Cambria Math" panose="02040503050406030204" pitchFamily="18" charset="0"/>
+                                </a:rPr>
+                                <m:t>𝑥</m:t>
+                              </m:r>
+                            </m:e>
+                            <m:sub>
+                              <m:r>
+                                <a:rPr lang="fr-FR" sz="1200" b="0" i="1" smtClean="0">
+                                  <a:latin typeface="Cambria Math" panose="02040503050406030204" pitchFamily="18" charset="0"/>
+                                </a:rPr>
+                                <m:t>1</m:t>
+                              </m:r>
+                            </m:sub>
+                          </m:sSub>
+                        </m:e>
+                      </m:acc>
+                    </m:oMath>
+                  </m:oMathPara>
+                </a14:m>
+                <a:endParaRPr lang="fr-FR" sz="1200" dirty="0"/>
+              </a:p>
+            </p:txBody>
+          </p:sp>
+        </mc:Choice>
+        <mc:Fallback>
+          <p:sp>
+            <p:nvSpPr>
+              <p:cNvPr id="48" name="ZoneTexte 47">
+                <a:extLst>
+                  <a:ext uri="{FF2B5EF4-FFF2-40B4-BE49-F238E27FC236}">
+                    <a16:creationId xmlns:a16="http://schemas.microsoft.com/office/drawing/2014/main" id="{F62804A2-48DB-4704-BEBF-2725F88BE4D6}"/>
+                  </a:ext>
+                </a:extLst>
+              </p:cNvPr>
+              <p:cNvSpPr txBox="1">
+                <a:spLocks noRot="1" noChangeAspect="1" noMove="1" noResize="1" noEditPoints="1" noAdjustHandles="1" noChangeArrowheads="1" noChangeShapeType="1" noTextEdit="1"/>
+              </p:cNvSpPr>
+              <p:nvPr/>
+            </p:nvSpPr>
+            <p:spPr>
+              <a:xfrm>
+                <a:off x="5438377" y="2634897"/>
+                <a:ext cx="360040" cy="184666"/>
+              </a:xfrm>
+              <a:prstGeom prst="rect">
+                <a:avLst/>
+              </a:prstGeom>
+              <a:blipFill>
+                <a:blip r:embed="rId3"/>
+                <a:stretch>
+                  <a:fillRect b="-9677"/>
+                </a:stretch>
+              </a:blipFill>
+              <a:ln>
+                <a:noFill/>
+              </a:ln>
+            </p:spPr>
+            <p:txBody>
+              <a:bodyPr/>
+              <a:lstStyle/>
+              <a:p>
+                <a:r>
+                  <a:rPr lang="fr-FR">
+                    <a:noFill/>
+                  </a:rPr>
+                  <a:t> </a:t>
+                </a:r>
+              </a:p>
+            </p:txBody>
+          </p:sp>
+        </mc:Fallback>
+      </mc:AlternateContent>
+      <mc:AlternateContent xmlns:mc="http://schemas.openxmlformats.org/markup-compatibility/2006">
+        <mc:Choice xmlns:a14="http://schemas.microsoft.com/office/drawing/2010/main" Requires="a14">
+          <p:sp>
+            <p:nvSpPr>
+              <p:cNvPr id="49" name="ZoneTexte 48">
+                <a:extLst>
+                  <a:ext uri="{FF2B5EF4-FFF2-40B4-BE49-F238E27FC236}">
+                    <a16:creationId xmlns:a16="http://schemas.microsoft.com/office/drawing/2014/main" id="{CFD066C8-15E8-4FF4-A3F5-E29160543999}"/>
+                  </a:ext>
+                </a:extLst>
+              </p:cNvPr>
+              <p:cNvSpPr txBox="1"/>
+              <p:nvPr/>
+            </p:nvSpPr>
+            <p:spPr>
+              <a:xfrm>
+                <a:off x="5395485" y="2328119"/>
+                <a:ext cx="360040" cy="184666"/>
+              </a:xfrm>
+              <a:prstGeom prst="rect">
+                <a:avLst/>
+              </a:prstGeom>
+              <a:noFill/>
+              <a:ln>
+                <a:noFill/>
+              </a:ln>
+            </p:spPr>
+            <p:txBody>
+              <a:bodyPr wrap="square" lIns="0" tIns="0" rIns="0" bIns="0" rtlCol="0">
+                <a:spAutoFit/>
+              </a:bodyPr>
+              <a:lstStyle/>
+              <a:p>
+                <a:pPr/>
+                <a14:m>
+                  <m:oMathPara xmlns:m="http://schemas.openxmlformats.org/officeDocument/2006/math">
+                    <m:oMathParaPr>
+                      <m:jc m:val="centerGroup"/>
+                    </m:oMathParaPr>
+                    <m:oMath xmlns:m="http://schemas.openxmlformats.org/officeDocument/2006/math">
+                      <m:acc>
+                        <m:accPr>
+                          <m:chr m:val="⃗"/>
+                          <m:ctrlPr>
+                            <a:rPr lang="fr-FR" sz="1200" i="1" smtClean="0">
+                              <a:latin typeface="Cambria Math" panose="02040503050406030204" pitchFamily="18" charset="0"/>
+                            </a:rPr>
+                          </m:ctrlPr>
+                        </m:accPr>
+                        <m:e>
+                          <m:sSub>
+                            <m:sSubPr>
+                              <m:ctrlPr>
+                                <a:rPr lang="fr-FR" sz="1200" i="1">
+                                  <a:latin typeface="Cambria Math" panose="02040503050406030204" pitchFamily="18" charset="0"/>
+                                </a:rPr>
+                              </m:ctrlPr>
+                            </m:sSubPr>
+                            <m:e>
+                              <m:r>
+                                <a:rPr lang="fr-FR" sz="1200" b="0" i="1" smtClean="0">
+                                  <a:latin typeface="Cambria Math" panose="02040503050406030204" pitchFamily="18" charset="0"/>
+                                </a:rPr>
+                                <m:t>𝑥</m:t>
+                              </m:r>
+                            </m:e>
+                            <m:sub>
+                              <m:r>
+                                <a:rPr lang="fr-FR" sz="1200" b="0" i="1" smtClean="0">
+                                  <a:latin typeface="Cambria Math" panose="02040503050406030204" pitchFamily="18" charset="0"/>
+                                </a:rPr>
+                                <m:t>2</m:t>
+                              </m:r>
+                            </m:sub>
+                          </m:sSub>
+                        </m:e>
+                      </m:acc>
+                    </m:oMath>
+                  </m:oMathPara>
+                </a14:m>
+                <a:endParaRPr lang="fr-FR" sz="1200" dirty="0"/>
+              </a:p>
+            </p:txBody>
+          </p:sp>
+        </mc:Choice>
+        <mc:Fallback>
+          <p:sp>
+            <p:nvSpPr>
+              <p:cNvPr id="49" name="ZoneTexte 48">
+                <a:extLst>
+                  <a:ext uri="{FF2B5EF4-FFF2-40B4-BE49-F238E27FC236}">
+                    <a16:creationId xmlns:a16="http://schemas.microsoft.com/office/drawing/2014/main" id="{CFD066C8-15E8-4FF4-A3F5-E29160543999}"/>
+                  </a:ext>
+                </a:extLst>
+              </p:cNvPr>
+              <p:cNvSpPr txBox="1">
+                <a:spLocks noRot="1" noChangeAspect="1" noMove="1" noResize="1" noEditPoints="1" noAdjustHandles="1" noChangeArrowheads="1" noChangeShapeType="1" noTextEdit="1"/>
+              </p:cNvSpPr>
+              <p:nvPr/>
+            </p:nvSpPr>
+            <p:spPr>
+              <a:xfrm>
+                <a:off x="5395485" y="2328119"/>
+                <a:ext cx="360040" cy="184666"/>
+              </a:xfrm>
+              <a:prstGeom prst="rect">
+                <a:avLst/>
+              </a:prstGeom>
+              <a:blipFill>
+                <a:blip r:embed="rId4"/>
+                <a:stretch>
+                  <a:fillRect b="-13333"/>
+                </a:stretch>
+              </a:blipFill>
+              <a:ln>
+                <a:noFill/>
+              </a:ln>
+            </p:spPr>
+            <p:txBody>
+              <a:bodyPr/>
+              <a:lstStyle/>
+              <a:p>
+                <a:r>
+                  <a:rPr lang="fr-FR">
+                    <a:noFill/>
+                  </a:rPr>
+                  <a:t> </a:t>
+                </a:r>
+              </a:p>
+            </p:txBody>
+          </p:sp>
+        </mc:Fallback>
+      </mc:AlternateContent>
+      <mc:AlternateContent xmlns:mc="http://schemas.openxmlformats.org/markup-compatibility/2006">
+        <mc:Choice xmlns:a14="http://schemas.microsoft.com/office/drawing/2010/main" Requires="a14">
+          <p:sp>
+            <p:nvSpPr>
+              <p:cNvPr id="50" name="ZoneTexte 49">
+                <a:extLst>
+                  <a:ext uri="{FF2B5EF4-FFF2-40B4-BE49-F238E27FC236}">
+                    <a16:creationId xmlns:a16="http://schemas.microsoft.com/office/drawing/2014/main" id="{9034895D-3888-4D4E-8BFB-F69C1D23AE2C}"/>
+                  </a:ext>
+                </a:extLst>
+              </p:cNvPr>
+              <p:cNvSpPr txBox="1"/>
+              <p:nvPr/>
+            </p:nvSpPr>
+            <p:spPr>
+              <a:xfrm>
+                <a:off x="4551151" y="1736112"/>
+                <a:ext cx="360040" cy="184666"/>
+              </a:xfrm>
+              <a:prstGeom prst="rect">
+                <a:avLst/>
+              </a:prstGeom>
+              <a:noFill/>
+              <a:ln>
+                <a:noFill/>
+              </a:ln>
+            </p:spPr>
+            <p:txBody>
+              <a:bodyPr wrap="square" lIns="0" tIns="0" rIns="0" bIns="0" rtlCol="0">
+                <a:spAutoFit/>
+              </a:bodyPr>
+              <a:lstStyle/>
+              <a:p>
+                <a:pPr/>
+                <a14:m>
+                  <m:oMathPara xmlns:m="http://schemas.openxmlformats.org/officeDocument/2006/math">
+                    <m:oMathParaPr>
+                      <m:jc m:val="centerGroup"/>
+                    </m:oMathParaPr>
+                    <m:oMath xmlns:m="http://schemas.openxmlformats.org/officeDocument/2006/math">
+                      <m:acc>
+                        <m:accPr>
+                          <m:chr m:val="⃗"/>
+                          <m:ctrlPr>
+                            <a:rPr lang="fr-FR" sz="1200" i="1" smtClean="0">
+                              <a:latin typeface="Cambria Math" panose="02040503050406030204" pitchFamily="18" charset="0"/>
+                            </a:rPr>
+                          </m:ctrlPr>
+                        </m:accPr>
+                        <m:e>
+                          <m:sSub>
+                            <m:sSubPr>
+                              <m:ctrlPr>
+                                <a:rPr lang="fr-FR" sz="1200" i="1">
+                                  <a:latin typeface="Cambria Math" panose="02040503050406030204" pitchFamily="18" charset="0"/>
+                                </a:rPr>
+                              </m:ctrlPr>
+                            </m:sSubPr>
+                            <m:e>
+                              <m:r>
+                                <a:rPr lang="fr-FR" sz="1200" b="0" i="1" smtClean="0">
+                                  <a:latin typeface="Cambria Math" panose="02040503050406030204" pitchFamily="18" charset="0"/>
+                                </a:rPr>
+                                <m:t>𝑦</m:t>
+                              </m:r>
+                            </m:e>
+                            <m:sub>
+                              <m:r>
+                                <a:rPr lang="fr-FR" sz="1200" b="0" i="1" smtClean="0">
+                                  <a:latin typeface="Cambria Math" panose="02040503050406030204" pitchFamily="18" charset="0"/>
+                                </a:rPr>
+                                <m:t>1</m:t>
+                              </m:r>
+                            </m:sub>
+                          </m:sSub>
+                        </m:e>
+                      </m:acc>
+                    </m:oMath>
+                  </m:oMathPara>
+                </a14:m>
+                <a:endParaRPr lang="fr-FR" sz="1200" dirty="0"/>
+              </a:p>
+            </p:txBody>
+          </p:sp>
+        </mc:Choice>
+        <mc:Fallback>
+          <p:sp>
+            <p:nvSpPr>
+              <p:cNvPr id="50" name="ZoneTexte 49">
+                <a:extLst>
+                  <a:ext uri="{FF2B5EF4-FFF2-40B4-BE49-F238E27FC236}">
+                    <a16:creationId xmlns:a16="http://schemas.microsoft.com/office/drawing/2014/main" id="{9034895D-3888-4D4E-8BFB-F69C1D23AE2C}"/>
+                  </a:ext>
+                </a:extLst>
+              </p:cNvPr>
+              <p:cNvSpPr txBox="1">
+                <a:spLocks noRot="1" noChangeAspect="1" noMove="1" noResize="1" noEditPoints="1" noAdjustHandles="1" noChangeArrowheads="1" noChangeShapeType="1" noTextEdit="1"/>
+              </p:cNvSpPr>
+              <p:nvPr/>
+            </p:nvSpPr>
+            <p:spPr>
+              <a:xfrm>
+                <a:off x="4551151" y="1736112"/>
+                <a:ext cx="360040" cy="184666"/>
+              </a:xfrm>
+              <a:prstGeom prst="rect">
+                <a:avLst/>
+              </a:prstGeom>
+              <a:blipFill>
+                <a:blip r:embed="rId5"/>
+                <a:stretch>
+                  <a:fillRect b="-23333"/>
+                </a:stretch>
+              </a:blipFill>
+              <a:ln>
+                <a:noFill/>
+              </a:ln>
+            </p:spPr>
+            <p:txBody>
+              <a:bodyPr/>
+              <a:lstStyle/>
+              <a:p>
+                <a:r>
+                  <a:rPr lang="fr-FR">
+                    <a:noFill/>
+                  </a:rPr>
+                  <a:t> </a:t>
+                </a:r>
+              </a:p>
+            </p:txBody>
+          </p:sp>
+        </mc:Fallback>
+      </mc:AlternateContent>
+      <mc:AlternateContent xmlns:mc="http://schemas.openxmlformats.org/markup-compatibility/2006">
+        <mc:Choice xmlns:a14="http://schemas.microsoft.com/office/drawing/2010/main" Requires="a14">
+          <p:sp>
+            <p:nvSpPr>
+              <p:cNvPr id="51" name="ZoneTexte 50">
+                <a:extLst>
+                  <a:ext uri="{FF2B5EF4-FFF2-40B4-BE49-F238E27FC236}">
+                    <a16:creationId xmlns:a16="http://schemas.microsoft.com/office/drawing/2014/main" id="{D0C6F92F-9042-49AF-9CF0-254FF271AD59}"/>
+                  </a:ext>
+                </a:extLst>
+              </p:cNvPr>
+              <p:cNvSpPr txBox="1"/>
+              <p:nvPr/>
+            </p:nvSpPr>
+            <p:spPr>
+              <a:xfrm>
+                <a:off x="4068524" y="1737151"/>
+                <a:ext cx="360040" cy="184666"/>
+              </a:xfrm>
+              <a:prstGeom prst="rect">
+                <a:avLst/>
+              </a:prstGeom>
+              <a:noFill/>
+              <a:ln>
+                <a:noFill/>
+              </a:ln>
+            </p:spPr>
+            <p:txBody>
+              <a:bodyPr wrap="square" lIns="0" tIns="0" rIns="0" bIns="0" rtlCol="0">
+                <a:spAutoFit/>
+              </a:bodyPr>
+              <a:lstStyle/>
+              <a:p>
+                <a:pPr/>
+                <a14:m>
+                  <m:oMathPara xmlns:m="http://schemas.openxmlformats.org/officeDocument/2006/math">
+                    <m:oMathParaPr>
+                      <m:jc m:val="centerGroup"/>
+                    </m:oMathParaPr>
+                    <m:oMath xmlns:m="http://schemas.openxmlformats.org/officeDocument/2006/math">
+                      <m:acc>
+                        <m:accPr>
+                          <m:chr m:val="⃗"/>
+                          <m:ctrlPr>
+                            <a:rPr lang="fr-FR" sz="1200" i="1" smtClean="0">
+                              <a:latin typeface="Cambria Math" panose="02040503050406030204" pitchFamily="18" charset="0"/>
+                            </a:rPr>
+                          </m:ctrlPr>
+                        </m:accPr>
+                        <m:e>
+                          <m:sSub>
+                            <m:sSubPr>
+                              <m:ctrlPr>
+                                <a:rPr lang="fr-FR" sz="1200" i="1">
+                                  <a:latin typeface="Cambria Math" panose="02040503050406030204" pitchFamily="18" charset="0"/>
+                                </a:rPr>
+                              </m:ctrlPr>
+                            </m:sSubPr>
+                            <m:e>
+                              <m:r>
+                                <a:rPr lang="fr-FR" sz="1200" b="0" i="1" smtClean="0">
+                                  <a:latin typeface="Cambria Math" panose="02040503050406030204" pitchFamily="18" charset="0"/>
+                                </a:rPr>
+                                <m:t>𝑦</m:t>
+                              </m:r>
+                            </m:e>
+                            <m:sub>
+                              <m:r>
+                                <a:rPr lang="fr-FR" sz="1200" b="0" i="1" smtClean="0">
+                                  <a:latin typeface="Cambria Math" panose="02040503050406030204" pitchFamily="18" charset="0"/>
+                                </a:rPr>
+                                <m:t>2</m:t>
+                              </m:r>
+                            </m:sub>
+                          </m:sSub>
+                        </m:e>
+                      </m:acc>
+                    </m:oMath>
+                  </m:oMathPara>
+                </a14:m>
+                <a:endParaRPr lang="fr-FR" sz="1200" dirty="0"/>
+              </a:p>
+            </p:txBody>
+          </p:sp>
+        </mc:Choice>
+        <mc:Fallback>
+          <p:sp>
+            <p:nvSpPr>
+              <p:cNvPr id="51" name="ZoneTexte 50">
+                <a:extLst>
+                  <a:ext uri="{FF2B5EF4-FFF2-40B4-BE49-F238E27FC236}">
+                    <a16:creationId xmlns:a16="http://schemas.microsoft.com/office/drawing/2014/main" id="{D0C6F92F-9042-49AF-9CF0-254FF271AD59}"/>
+                  </a:ext>
+                </a:extLst>
+              </p:cNvPr>
+              <p:cNvSpPr txBox="1">
+                <a:spLocks noRot="1" noChangeAspect="1" noMove="1" noResize="1" noEditPoints="1" noAdjustHandles="1" noChangeArrowheads="1" noChangeShapeType="1" noTextEdit="1"/>
+              </p:cNvSpPr>
+              <p:nvPr/>
+            </p:nvSpPr>
+            <p:spPr>
+              <a:xfrm>
+                <a:off x="4068524" y="1737151"/>
+                <a:ext cx="360040" cy="184666"/>
+              </a:xfrm>
+              <a:prstGeom prst="rect">
+                <a:avLst/>
+              </a:prstGeom>
+              <a:blipFill>
+                <a:blip r:embed="rId6"/>
+                <a:stretch>
+                  <a:fillRect b="-23333"/>
+                </a:stretch>
+              </a:blipFill>
+              <a:ln>
+                <a:noFill/>
+              </a:ln>
+            </p:spPr>
+            <p:txBody>
+              <a:bodyPr/>
+              <a:lstStyle/>
+              <a:p>
+                <a:r>
+                  <a:rPr lang="fr-FR">
+                    <a:noFill/>
+                  </a:rPr>
+                  <a:t> </a:t>
+                </a:r>
+              </a:p>
+            </p:txBody>
+          </p:sp>
+        </mc:Fallback>
+      </mc:AlternateContent>
+      <mc:AlternateContent xmlns:mc="http://schemas.openxmlformats.org/markup-compatibility/2006">
+        <mc:Choice xmlns:a14="http://schemas.microsoft.com/office/drawing/2010/main" Requires="a14">
+          <p:sp>
+            <p:nvSpPr>
+              <p:cNvPr id="53" name="ZoneTexte 52">
+                <a:extLst>
+                  <a:ext uri="{FF2B5EF4-FFF2-40B4-BE49-F238E27FC236}">
+                    <a16:creationId xmlns:a16="http://schemas.microsoft.com/office/drawing/2014/main" id="{20433BA7-930B-4BBB-B99B-2B9CE72DFEF8}"/>
+                  </a:ext>
+                </a:extLst>
+              </p:cNvPr>
+              <p:cNvSpPr txBox="1"/>
+              <p:nvPr/>
+            </p:nvSpPr>
+            <p:spPr>
+              <a:xfrm>
+                <a:off x="5244522" y="2511361"/>
+                <a:ext cx="366949" cy="161583"/>
+              </a:xfrm>
+              <a:prstGeom prst="rect">
+                <a:avLst/>
+              </a:prstGeom>
+              <a:noFill/>
+              <a:ln>
+                <a:noFill/>
+              </a:ln>
+            </p:spPr>
+            <p:txBody>
+              <a:bodyPr wrap="square" lIns="0" tIns="0" rIns="0" bIns="0" rtlCol="0">
+                <a:spAutoFit/>
+              </a:bodyPr>
+              <a:lstStyle/>
+              <a:p>
+                <a:pPr/>
+                <a14:m>
+                  <m:oMathPara xmlns:m="http://schemas.openxmlformats.org/officeDocument/2006/math">
+                    <m:oMathParaPr>
+                      <m:jc m:val="centerGroup"/>
+                    </m:oMathParaPr>
+                    <m:oMath xmlns:m="http://schemas.openxmlformats.org/officeDocument/2006/math">
+                      <m:sSub>
+                        <m:sSubPr>
+                          <m:ctrlPr>
+                            <a:rPr lang="fr-FR" sz="1050" b="0" i="1" smtClean="0">
+                              <a:latin typeface="Cambria Math" panose="02040503050406030204" pitchFamily="18" charset="0"/>
+                            </a:rPr>
+                          </m:ctrlPr>
+                        </m:sSubPr>
+                        <m:e>
+                          <m:r>
+                            <a:rPr lang="fr-FR" sz="1050" b="0" i="1" smtClean="0">
+                              <a:latin typeface="Cambria Math" panose="02040503050406030204" pitchFamily="18" charset="0"/>
+                            </a:rPr>
+                            <m:t>𝜃</m:t>
+                          </m:r>
+                        </m:e>
+                        <m:sub>
+                          <m:r>
+                            <a:rPr lang="fr-FR" sz="1050" b="0" i="1" smtClean="0">
+                              <a:latin typeface="Cambria Math" panose="02040503050406030204" pitchFamily="18" charset="0"/>
+                            </a:rPr>
+                            <m:t>12</m:t>
+                          </m:r>
+                        </m:sub>
+                      </m:sSub>
+                    </m:oMath>
+                  </m:oMathPara>
+                </a14:m>
+                <a:endParaRPr lang="fr-FR" sz="1050" dirty="0"/>
+              </a:p>
+            </p:txBody>
+          </p:sp>
+        </mc:Choice>
+        <mc:Fallback>
+          <p:sp>
+            <p:nvSpPr>
+              <p:cNvPr id="53" name="ZoneTexte 52">
+                <a:extLst>
+                  <a:ext uri="{FF2B5EF4-FFF2-40B4-BE49-F238E27FC236}">
+                    <a16:creationId xmlns:a16="http://schemas.microsoft.com/office/drawing/2014/main" id="{20433BA7-930B-4BBB-B99B-2B9CE72DFEF8}"/>
+                  </a:ext>
+                </a:extLst>
+              </p:cNvPr>
+              <p:cNvSpPr txBox="1">
+                <a:spLocks noRot="1" noChangeAspect="1" noMove="1" noResize="1" noEditPoints="1" noAdjustHandles="1" noChangeArrowheads="1" noChangeShapeType="1" noTextEdit="1"/>
+              </p:cNvSpPr>
+              <p:nvPr/>
+            </p:nvSpPr>
+            <p:spPr>
+              <a:xfrm>
+                <a:off x="5244522" y="2511361"/>
+                <a:ext cx="366949" cy="161583"/>
+              </a:xfrm>
+              <a:prstGeom prst="rect">
+                <a:avLst/>
+              </a:prstGeom>
+              <a:blipFill>
+                <a:blip r:embed="rId7"/>
+                <a:stretch>
+                  <a:fillRect b="-15385"/>
+                </a:stretch>
+              </a:blipFill>
+              <a:ln>
+                <a:noFill/>
+              </a:ln>
+            </p:spPr>
+            <p:txBody>
+              <a:bodyPr/>
+              <a:lstStyle/>
+              <a:p>
+                <a:r>
+                  <a:rPr lang="fr-FR">
+                    <a:noFill/>
+                  </a:rPr>
+                  <a:t> </a:t>
+                </a:r>
+              </a:p>
+            </p:txBody>
+          </p:sp>
+        </mc:Fallback>
+      </mc:AlternateContent>
+      <mc:AlternateContent xmlns:mc="http://schemas.openxmlformats.org/markup-compatibility/2006">
+        <mc:Choice xmlns:a14="http://schemas.microsoft.com/office/drawing/2010/main" Requires="a14">
+          <p:sp>
+            <p:nvSpPr>
+              <p:cNvPr id="66" name="ZoneTexte 65">
+                <a:extLst>
+                  <a:ext uri="{FF2B5EF4-FFF2-40B4-BE49-F238E27FC236}">
+                    <a16:creationId xmlns:a16="http://schemas.microsoft.com/office/drawing/2014/main" id="{AE470581-5BE8-45E9-BCBA-6E39C6FACC44}"/>
+                  </a:ext>
+                </a:extLst>
+              </p:cNvPr>
+              <p:cNvSpPr txBox="1"/>
+              <p:nvPr/>
+            </p:nvSpPr>
+            <p:spPr>
+              <a:xfrm>
+                <a:off x="3849537" y="2010196"/>
+                <a:ext cx="360040" cy="184666"/>
+              </a:xfrm>
+              <a:prstGeom prst="rect">
+                <a:avLst/>
+              </a:prstGeom>
+              <a:noFill/>
+              <a:ln>
+                <a:noFill/>
+              </a:ln>
+            </p:spPr>
+            <p:txBody>
+              <a:bodyPr wrap="square" lIns="0" tIns="0" rIns="0" bIns="0" rtlCol="0">
+                <a:spAutoFit/>
+              </a:bodyPr>
+              <a:lstStyle/>
+              <a:p>
+                <a:pPr/>
+                <a14:m>
+                  <m:oMathPara xmlns:m="http://schemas.openxmlformats.org/officeDocument/2006/math">
+                    <m:oMathParaPr>
+                      <m:jc m:val="centerGroup"/>
+                    </m:oMathParaPr>
+                    <m:oMath xmlns:m="http://schemas.openxmlformats.org/officeDocument/2006/math">
+                      <m:acc>
+                        <m:accPr>
+                          <m:chr m:val="⃗"/>
+                          <m:ctrlPr>
+                            <a:rPr lang="fr-FR" sz="1200" i="1" smtClean="0">
+                              <a:latin typeface="Cambria Math" panose="02040503050406030204" pitchFamily="18" charset="0"/>
+                            </a:rPr>
+                          </m:ctrlPr>
+                        </m:accPr>
+                        <m:e>
+                          <m:sSub>
+                            <m:sSubPr>
+                              <m:ctrlPr>
+                                <a:rPr lang="fr-FR" sz="1200" i="1">
+                                  <a:latin typeface="Cambria Math" panose="02040503050406030204" pitchFamily="18" charset="0"/>
+                                </a:rPr>
+                              </m:ctrlPr>
+                            </m:sSubPr>
+                            <m:e>
+                              <m:r>
+                                <a:rPr lang="fr-FR" sz="1200" b="0" i="1" smtClean="0">
+                                  <a:latin typeface="Cambria Math" panose="02040503050406030204" pitchFamily="18" charset="0"/>
+                                </a:rPr>
+                                <m:t>𝑦</m:t>
+                              </m:r>
+                            </m:e>
+                            <m:sub>
+                              <m:r>
+                                <a:rPr lang="fr-FR" sz="1200" b="0" i="1" smtClean="0">
+                                  <a:latin typeface="Cambria Math" panose="02040503050406030204" pitchFamily="18" charset="0"/>
+                                </a:rPr>
+                                <m:t>3</m:t>
+                              </m:r>
+                            </m:sub>
+                          </m:sSub>
+                        </m:e>
+                      </m:acc>
+                    </m:oMath>
+                  </m:oMathPara>
+                </a14:m>
+                <a:endParaRPr lang="fr-FR" sz="1200" dirty="0"/>
+              </a:p>
+            </p:txBody>
+          </p:sp>
+        </mc:Choice>
+        <mc:Fallback>
+          <p:sp>
+            <p:nvSpPr>
+              <p:cNvPr id="66" name="ZoneTexte 65">
+                <a:extLst>
+                  <a:ext uri="{FF2B5EF4-FFF2-40B4-BE49-F238E27FC236}">
+                    <a16:creationId xmlns:a16="http://schemas.microsoft.com/office/drawing/2014/main" id="{AE470581-5BE8-45E9-BCBA-6E39C6FACC44}"/>
+                  </a:ext>
+                </a:extLst>
+              </p:cNvPr>
+              <p:cNvSpPr txBox="1">
+                <a:spLocks noRot="1" noChangeAspect="1" noMove="1" noResize="1" noEditPoints="1" noAdjustHandles="1" noChangeArrowheads="1" noChangeShapeType="1" noTextEdit="1"/>
+              </p:cNvSpPr>
+              <p:nvPr/>
+            </p:nvSpPr>
+            <p:spPr>
+              <a:xfrm>
+                <a:off x="3849537" y="2010196"/>
+                <a:ext cx="360040" cy="184666"/>
+              </a:xfrm>
+              <a:prstGeom prst="rect">
+                <a:avLst/>
+              </a:prstGeom>
+              <a:blipFill>
+                <a:blip r:embed="rId8"/>
+                <a:stretch>
+                  <a:fillRect b="-23333"/>
+                </a:stretch>
+              </a:blipFill>
+              <a:ln>
+                <a:noFill/>
+              </a:ln>
+            </p:spPr>
+            <p:txBody>
+              <a:bodyPr/>
+              <a:lstStyle/>
+              <a:p>
+                <a:r>
+                  <a:rPr lang="fr-FR">
+                    <a:noFill/>
+                  </a:rPr>
+                  <a:t> </a:t>
+                </a:r>
+              </a:p>
+            </p:txBody>
+          </p:sp>
+        </mc:Fallback>
+      </mc:AlternateContent>
+      <mc:AlternateContent xmlns:mc="http://schemas.openxmlformats.org/markup-compatibility/2006">
+        <mc:Choice xmlns:a14="http://schemas.microsoft.com/office/drawing/2010/main" Requires="a14">
+          <p:sp>
+            <p:nvSpPr>
+              <p:cNvPr id="67" name="ZoneTexte 66">
+                <a:extLst>
+                  <a:ext uri="{FF2B5EF4-FFF2-40B4-BE49-F238E27FC236}">
+                    <a16:creationId xmlns:a16="http://schemas.microsoft.com/office/drawing/2014/main" id="{A1BE8F48-FD5C-46A0-A335-EEA6807CC867}"/>
+                  </a:ext>
+                </a:extLst>
+              </p:cNvPr>
+              <p:cNvSpPr txBox="1"/>
+              <p:nvPr/>
+            </p:nvSpPr>
+            <p:spPr>
+              <a:xfrm>
+                <a:off x="5180601" y="2073748"/>
+                <a:ext cx="360040" cy="184666"/>
+              </a:xfrm>
+              <a:prstGeom prst="rect">
+                <a:avLst/>
+              </a:prstGeom>
+              <a:noFill/>
+              <a:ln>
+                <a:noFill/>
+              </a:ln>
+            </p:spPr>
+            <p:txBody>
+              <a:bodyPr wrap="square" lIns="0" tIns="0" rIns="0" bIns="0" rtlCol="0">
+                <a:spAutoFit/>
+              </a:bodyPr>
+              <a:lstStyle/>
+              <a:p>
+                <a:pPr/>
+                <a14:m>
+                  <m:oMathPara xmlns:m="http://schemas.openxmlformats.org/officeDocument/2006/math">
+                    <m:oMathParaPr>
+                      <m:jc m:val="centerGroup"/>
+                    </m:oMathParaPr>
+                    <m:oMath xmlns:m="http://schemas.openxmlformats.org/officeDocument/2006/math">
+                      <m:acc>
+                        <m:accPr>
+                          <m:chr m:val="⃗"/>
+                          <m:ctrlPr>
+                            <a:rPr lang="fr-FR" sz="1200" i="1" smtClean="0">
+                              <a:latin typeface="Cambria Math" panose="02040503050406030204" pitchFamily="18" charset="0"/>
+                            </a:rPr>
+                          </m:ctrlPr>
+                        </m:accPr>
+                        <m:e>
+                          <m:sSub>
+                            <m:sSubPr>
+                              <m:ctrlPr>
+                                <a:rPr lang="fr-FR" sz="1200" i="1">
+                                  <a:latin typeface="Cambria Math" panose="02040503050406030204" pitchFamily="18" charset="0"/>
+                                </a:rPr>
+                              </m:ctrlPr>
+                            </m:sSubPr>
+                            <m:e>
+                              <m:r>
+                                <a:rPr lang="fr-FR" sz="1200" b="0" i="1" smtClean="0">
+                                  <a:latin typeface="Cambria Math" panose="02040503050406030204" pitchFamily="18" charset="0"/>
+                                </a:rPr>
+                                <m:t>𝑥</m:t>
+                              </m:r>
+                            </m:e>
+                            <m:sub>
+                              <m:r>
+                                <a:rPr lang="fr-FR" sz="1200" b="0" i="1" smtClean="0">
+                                  <a:latin typeface="Cambria Math" panose="02040503050406030204" pitchFamily="18" charset="0"/>
+                                </a:rPr>
+                                <m:t>3</m:t>
+                              </m:r>
+                            </m:sub>
+                          </m:sSub>
+                        </m:e>
+                      </m:acc>
+                    </m:oMath>
+                  </m:oMathPara>
+                </a14:m>
+                <a:endParaRPr lang="fr-FR" sz="1200" dirty="0"/>
+              </a:p>
+            </p:txBody>
+          </p:sp>
+        </mc:Choice>
+        <mc:Fallback>
+          <p:sp>
+            <p:nvSpPr>
+              <p:cNvPr id="67" name="ZoneTexte 66">
+                <a:extLst>
+                  <a:ext uri="{FF2B5EF4-FFF2-40B4-BE49-F238E27FC236}">
+                    <a16:creationId xmlns:a16="http://schemas.microsoft.com/office/drawing/2014/main" id="{A1BE8F48-FD5C-46A0-A335-EEA6807CC867}"/>
+                  </a:ext>
+                </a:extLst>
+              </p:cNvPr>
+              <p:cNvSpPr txBox="1">
+                <a:spLocks noRot="1" noChangeAspect="1" noMove="1" noResize="1" noEditPoints="1" noAdjustHandles="1" noChangeArrowheads="1" noChangeShapeType="1" noTextEdit="1"/>
+              </p:cNvSpPr>
+              <p:nvPr/>
+            </p:nvSpPr>
+            <p:spPr>
+              <a:xfrm>
+                <a:off x="5180601" y="2073748"/>
+                <a:ext cx="360040" cy="184666"/>
+              </a:xfrm>
+              <a:prstGeom prst="rect">
+                <a:avLst/>
+              </a:prstGeom>
+              <a:blipFill>
+                <a:blip r:embed="rId9"/>
+                <a:stretch>
+                  <a:fillRect b="-13333"/>
+                </a:stretch>
+              </a:blipFill>
+              <a:ln>
+                <a:noFill/>
+              </a:ln>
+            </p:spPr>
+            <p:txBody>
+              <a:bodyPr/>
+              <a:lstStyle/>
+              <a:p>
+                <a:r>
+                  <a:rPr lang="fr-FR">
+                    <a:noFill/>
+                  </a:rPr>
+                  <a:t> </a:t>
+                </a:r>
+              </a:p>
+            </p:txBody>
+          </p:sp>
+        </mc:Fallback>
+      </mc:AlternateContent>
+      <p:sp>
+        <p:nvSpPr>
+          <p:cNvPr id="68" name="Arc 67">
+            <a:extLst>
+              <a:ext uri="{FF2B5EF4-FFF2-40B4-BE49-F238E27FC236}">
+                <a16:creationId xmlns:a16="http://schemas.microsoft.com/office/drawing/2014/main" id="{F321B670-2917-46EB-B3D8-33667F8943EA}"/>
+              </a:ext>
+            </a:extLst>
+          </p:cNvPr>
+          <p:cNvSpPr/>
+          <p:nvPr/>
+        </p:nvSpPr>
+        <p:spPr>
+          <a:xfrm>
+            <a:off x="3872240" y="1999952"/>
+            <a:ext cx="1418556" cy="1418556"/>
+          </a:xfrm>
+          <a:prstGeom prst="arc">
+            <a:avLst>
+              <a:gd name="adj1" fmla="val 19941839"/>
+              <a:gd name="adj2" fmla="val 20650052"/>
+            </a:avLst>
+          </a:prstGeom>
+          <a:ln>
+            <a:solidFill>
+              <a:schemeClr val="accent5">
+                <a:lumMod val="50000"/>
+              </a:schemeClr>
+            </a:solidFill>
+            <a:headEnd type="stealth" w="med" len="lg"/>
+          </a:ln>
+        </p:spPr>
+        <p:style>
+          <a:lnRef idx="1">
+            <a:schemeClr val="accent1"/>
+          </a:lnRef>
+          <a:fillRef idx="0">
+            <a:schemeClr val="accent1"/>
+          </a:fillRef>
+          <a:effectRef idx="0">
+            <a:schemeClr val="accent1"/>
+          </a:effectRef>
+          <a:fontRef idx="minor">
+            <a:schemeClr val="tx1"/>
+          </a:fontRef>
+        </p:style>
+        <p:txBody>
+          <a:bodyPr rtlCol="0" anchor="ctr"/>
+          <a:lstStyle/>
+          <a:p>
+            <a:pPr algn="ctr"/>
+            <a:endParaRPr lang="fr-FR"/>
+          </a:p>
+        </p:txBody>
+      </p:sp>
+      <mc:AlternateContent xmlns:mc="http://schemas.openxmlformats.org/markup-compatibility/2006">
+        <mc:Choice xmlns:a14="http://schemas.microsoft.com/office/drawing/2010/main" Requires="a14">
+          <p:sp>
+            <p:nvSpPr>
+              <p:cNvPr id="69" name="ZoneTexte 68">
+                <a:extLst>
+                  <a:ext uri="{FF2B5EF4-FFF2-40B4-BE49-F238E27FC236}">
+                    <a16:creationId xmlns:a16="http://schemas.microsoft.com/office/drawing/2014/main" id="{579C91BC-9B6D-4D4C-B37D-8697FD822F5E}"/>
+                  </a:ext>
+                </a:extLst>
+              </p:cNvPr>
+              <p:cNvSpPr txBox="1"/>
+              <p:nvPr/>
+            </p:nvSpPr>
+            <p:spPr>
+              <a:xfrm>
+                <a:off x="5208556" y="2301158"/>
+                <a:ext cx="366949" cy="161583"/>
+              </a:xfrm>
+              <a:prstGeom prst="rect">
+                <a:avLst/>
+              </a:prstGeom>
+              <a:noFill/>
+              <a:ln>
+                <a:noFill/>
+              </a:ln>
+            </p:spPr>
+            <p:txBody>
+              <a:bodyPr wrap="square" lIns="0" tIns="0" rIns="0" bIns="0" rtlCol="0">
+                <a:spAutoFit/>
+              </a:bodyPr>
+              <a:lstStyle/>
+              <a:p>
+                <a:pPr/>
+                <a14:m>
+                  <m:oMathPara xmlns:m="http://schemas.openxmlformats.org/officeDocument/2006/math">
+                    <m:oMathParaPr>
+                      <m:jc m:val="centerGroup"/>
+                    </m:oMathParaPr>
+                    <m:oMath xmlns:m="http://schemas.openxmlformats.org/officeDocument/2006/math">
+                      <m:sSub>
+                        <m:sSubPr>
+                          <m:ctrlPr>
+                            <a:rPr lang="fr-FR" sz="1050" b="0" i="1" smtClean="0">
+                              <a:latin typeface="Cambria Math" panose="02040503050406030204" pitchFamily="18" charset="0"/>
+                            </a:rPr>
+                          </m:ctrlPr>
+                        </m:sSubPr>
+                        <m:e>
+                          <m:r>
+                            <a:rPr lang="fr-FR" sz="1050" b="0" i="1" smtClean="0">
+                              <a:latin typeface="Cambria Math" panose="02040503050406030204" pitchFamily="18" charset="0"/>
+                            </a:rPr>
+                            <m:t>𝜃</m:t>
+                          </m:r>
+                        </m:e>
+                        <m:sub>
+                          <m:r>
+                            <a:rPr lang="fr-FR" sz="1050" b="0" i="1" smtClean="0">
+                              <a:latin typeface="Cambria Math" panose="02040503050406030204" pitchFamily="18" charset="0"/>
+                            </a:rPr>
+                            <m:t>23</m:t>
+                          </m:r>
+                        </m:sub>
+                      </m:sSub>
+                    </m:oMath>
+                  </m:oMathPara>
+                </a14:m>
+                <a:endParaRPr lang="fr-FR" sz="1050" dirty="0"/>
+              </a:p>
+            </p:txBody>
+          </p:sp>
+        </mc:Choice>
+        <mc:Fallback>
+          <p:sp>
+            <p:nvSpPr>
+              <p:cNvPr id="69" name="ZoneTexte 68">
+                <a:extLst>
+                  <a:ext uri="{FF2B5EF4-FFF2-40B4-BE49-F238E27FC236}">
+                    <a16:creationId xmlns:a16="http://schemas.microsoft.com/office/drawing/2014/main" id="{579C91BC-9B6D-4D4C-B37D-8697FD822F5E}"/>
+                  </a:ext>
+                </a:extLst>
+              </p:cNvPr>
+              <p:cNvSpPr txBox="1">
+                <a:spLocks noRot="1" noChangeAspect="1" noMove="1" noResize="1" noEditPoints="1" noAdjustHandles="1" noChangeArrowheads="1" noChangeShapeType="1" noTextEdit="1"/>
+              </p:cNvSpPr>
+              <p:nvPr/>
+            </p:nvSpPr>
+            <p:spPr>
+              <a:xfrm>
+                <a:off x="5208556" y="2301158"/>
+                <a:ext cx="366949" cy="161583"/>
+              </a:xfrm>
+              <a:prstGeom prst="rect">
+                <a:avLst/>
+              </a:prstGeom>
+              <a:blipFill>
+                <a:blip r:embed="rId10"/>
+                <a:stretch>
+                  <a:fillRect b="-14815"/>
+                </a:stretch>
+              </a:blipFill>
+              <a:ln>
+                <a:noFill/>
+              </a:ln>
+            </p:spPr>
+            <p:txBody>
+              <a:bodyPr/>
+              <a:lstStyle/>
+              <a:p>
+                <a:r>
+                  <a:rPr lang="fr-FR">
+                    <a:noFill/>
+                  </a:rPr>
+                  <a:t> </a:t>
+                </a:r>
+              </a:p>
+            </p:txBody>
+          </p:sp>
+        </mc:Fallback>
+      </mc:AlternateContent>
+      <p:sp>
+        <p:nvSpPr>
+          <p:cNvPr id="70" name="Arc 69">
+            <a:extLst>
+              <a:ext uri="{FF2B5EF4-FFF2-40B4-BE49-F238E27FC236}">
+                <a16:creationId xmlns:a16="http://schemas.microsoft.com/office/drawing/2014/main" id="{DCDBD665-9F1F-49BE-B1AA-FB9BD50A8516}"/>
+              </a:ext>
+            </a:extLst>
+          </p:cNvPr>
+          <p:cNvSpPr/>
+          <p:nvPr/>
+        </p:nvSpPr>
+        <p:spPr>
+          <a:xfrm>
+            <a:off x="4043749" y="2176465"/>
+            <a:ext cx="1074034" cy="1074034"/>
+          </a:xfrm>
+          <a:prstGeom prst="arc">
+            <a:avLst>
+              <a:gd name="adj1" fmla="val 19861650"/>
+              <a:gd name="adj2" fmla="val 0"/>
+            </a:avLst>
+          </a:prstGeom>
+          <a:ln>
+            <a:solidFill>
+              <a:schemeClr val="accent5">
+                <a:lumMod val="50000"/>
+              </a:schemeClr>
+            </a:solidFill>
+            <a:headEnd type="stealth" w="med" len="lg"/>
+          </a:ln>
+        </p:spPr>
+        <p:style>
+          <a:lnRef idx="1">
+            <a:schemeClr val="accent1"/>
+          </a:lnRef>
+          <a:fillRef idx="0">
+            <a:schemeClr val="accent1"/>
+          </a:fillRef>
+          <a:effectRef idx="0">
+            <a:schemeClr val="accent1"/>
+          </a:effectRef>
+          <a:fontRef idx="minor">
+            <a:schemeClr val="tx1"/>
+          </a:fontRef>
+        </p:style>
+        <p:txBody>
+          <a:bodyPr rtlCol="0" anchor="ctr"/>
+          <a:lstStyle/>
+          <a:p>
+            <a:pPr algn="ctr"/>
+            <a:endParaRPr lang="fr-FR"/>
+          </a:p>
+        </p:txBody>
+      </p:sp>
+      <mc:AlternateContent xmlns:mc="http://schemas.openxmlformats.org/markup-compatibility/2006">
+        <mc:Choice xmlns:a14="http://schemas.microsoft.com/office/drawing/2010/main" Requires="a14">
+          <p:sp>
+            <p:nvSpPr>
+              <p:cNvPr id="71" name="ZoneTexte 70">
+                <a:extLst>
+                  <a:ext uri="{FF2B5EF4-FFF2-40B4-BE49-F238E27FC236}">
+                    <a16:creationId xmlns:a16="http://schemas.microsoft.com/office/drawing/2014/main" id="{C3DCCFFD-A4C0-4D70-9641-94BAFA86B27E}"/>
+                  </a:ext>
+                </a:extLst>
+              </p:cNvPr>
+              <p:cNvSpPr txBox="1"/>
+              <p:nvPr/>
+            </p:nvSpPr>
+            <p:spPr>
+              <a:xfrm>
+                <a:off x="4761308" y="2250337"/>
+                <a:ext cx="366949" cy="161583"/>
+              </a:xfrm>
+              <a:prstGeom prst="rect">
+                <a:avLst/>
+              </a:prstGeom>
+              <a:noFill/>
+              <a:ln>
+                <a:noFill/>
+              </a:ln>
+            </p:spPr>
+            <p:txBody>
+              <a:bodyPr wrap="square" lIns="0" tIns="0" rIns="0" bIns="0" rtlCol="0">
+                <a:spAutoFit/>
+              </a:bodyPr>
+              <a:lstStyle/>
+              <a:p>
+                <a:pPr/>
+                <a14:m>
+                  <m:oMathPara xmlns:m="http://schemas.openxmlformats.org/officeDocument/2006/math">
+                    <m:oMathParaPr>
+                      <m:jc m:val="centerGroup"/>
+                    </m:oMathParaPr>
+                    <m:oMath xmlns:m="http://schemas.openxmlformats.org/officeDocument/2006/math">
+                      <m:sSub>
+                        <m:sSubPr>
+                          <m:ctrlPr>
+                            <a:rPr lang="fr-FR" sz="1050" b="0" i="1" smtClean="0">
+                              <a:latin typeface="Cambria Math" panose="02040503050406030204" pitchFamily="18" charset="0"/>
+                            </a:rPr>
+                          </m:ctrlPr>
+                        </m:sSubPr>
+                        <m:e>
+                          <m:r>
+                            <a:rPr lang="fr-FR" sz="1050" b="0" i="1" smtClean="0">
+                              <a:latin typeface="Cambria Math" panose="02040503050406030204" pitchFamily="18" charset="0"/>
+                            </a:rPr>
+                            <m:t>𝜃</m:t>
+                          </m:r>
+                        </m:e>
+                        <m:sub>
+                          <m:r>
+                            <a:rPr lang="fr-FR" sz="1050" b="0" i="1" smtClean="0">
+                              <a:latin typeface="Cambria Math" panose="02040503050406030204" pitchFamily="18" charset="0"/>
+                            </a:rPr>
+                            <m:t>13</m:t>
+                          </m:r>
+                        </m:sub>
+                      </m:sSub>
+                    </m:oMath>
+                  </m:oMathPara>
+                </a14:m>
+                <a:endParaRPr lang="fr-FR" sz="1050" dirty="0"/>
+              </a:p>
+            </p:txBody>
+          </p:sp>
+        </mc:Choice>
+        <mc:Fallback>
+          <p:sp>
+            <p:nvSpPr>
+              <p:cNvPr id="71" name="ZoneTexte 70">
+                <a:extLst>
+                  <a:ext uri="{FF2B5EF4-FFF2-40B4-BE49-F238E27FC236}">
+                    <a16:creationId xmlns:a16="http://schemas.microsoft.com/office/drawing/2014/main" id="{C3DCCFFD-A4C0-4D70-9641-94BAFA86B27E}"/>
+                  </a:ext>
+                </a:extLst>
+              </p:cNvPr>
+              <p:cNvSpPr txBox="1">
+                <a:spLocks noRot="1" noChangeAspect="1" noMove="1" noResize="1" noEditPoints="1" noAdjustHandles="1" noChangeArrowheads="1" noChangeShapeType="1" noTextEdit="1"/>
+              </p:cNvSpPr>
+              <p:nvPr/>
+            </p:nvSpPr>
+            <p:spPr>
+              <a:xfrm>
+                <a:off x="4761308" y="2250337"/>
+                <a:ext cx="366949" cy="161583"/>
+              </a:xfrm>
+              <a:prstGeom prst="rect">
+                <a:avLst/>
+              </a:prstGeom>
+              <a:blipFill>
+                <a:blip r:embed="rId11"/>
+                <a:stretch>
+                  <a:fillRect b="-14815"/>
+                </a:stretch>
+              </a:blipFill>
+              <a:ln>
+                <a:noFill/>
+              </a:ln>
+            </p:spPr>
+            <p:txBody>
+              <a:bodyPr/>
+              <a:lstStyle/>
+              <a:p>
+                <a:r>
+                  <a:rPr lang="fr-FR">
+                    <a:noFill/>
+                  </a:rPr>
+                  <a:t> </a:t>
+                </a:r>
+              </a:p>
+            </p:txBody>
+          </p:sp>
+        </mc:Fallback>
+      </mc:AlternateContent>
+    </p:spTree>
+    <p:extLst>
+      <p:ext uri="{BB962C8B-B14F-4D97-AF65-F5344CB8AC3E}">
+        <p14:creationId xmlns:p14="http://schemas.microsoft.com/office/powerpoint/2010/main" val="3083589223"/>
+      </p:ext>
+    </p:extLst>
+  </p:cSld>
+  <p:clrMapOvr>
+    <a:masterClrMapping/>
+  </p:clrMapOvr>
+</p:sld>
+</file>
+
+<file path=ppt/slides/slide3.xml><?xml version="1.0" encoding="utf-8"?>
 <p:sld xmlns:a="http://schemas.openxmlformats.org/drawingml/2006/main" xmlns:r="http://schemas.openxmlformats.org/officeDocument/2006/relationships" xmlns:p="http://schemas.openxmlformats.org/presentationml/2006/main">
   <p:cSld>
     <p:spTree>
@@ -12701,7 +15335,7 @@
 </p:sld>
 </file>
 
-<file path=ppt/slides/slide3.xml><?xml version="1.0" encoding="utf-8"?>
+<file path=ppt/slides/slide4.xml><?xml version="1.0" encoding="utf-8"?>
 <p:sld xmlns:a="http://schemas.openxmlformats.org/drawingml/2006/main" xmlns:r="http://schemas.openxmlformats.org/officeDocument/2006/relationships" xmlns:p="http://schemas.openxmlformats.org/presentationml/2006/main">
   <p:cSld>
     <p:spTree>
@@ -13264,932 +15898,6 @@
 </p:sld>
 </file>
 
-<file path=ppt/slides/slide4.xml><?xml version="1.0" encoding="utf-8"?>
-<p:sld xmlns:a="http://schemas.openxmlformats.org/drawingml/2006/main" xmlns:r="http://schemas.openxmlformats.org/officeDocument/2006/relationships" xmlns:p="http://schemas.openxmlformats.org/presentationml/2006/main">
-  <p:cSld>
-    <p:spTree>
-      <p:nvGrpSpPr>
-        <p:cNvPr id="1" name=""/>
-        <p:cNvGrpSpPr/>
-        <p:nvPr/>
-      </p:nvGrpSpPr>
-      <p:grpSpPr>
-        <a:xfrm>
-          <a:off x="0" y="0"/>
-          <a:ext cx="0" cy="0"/>
-          <a:chOff x="0" y="0"/>
-          <a:chExt cx="0" cy="0"/>
-        </a:xfrm>
-      </p:grpSpPr>
-      <p:sp>
-        <p:nvSpPr>
-          <p:cNvPr id="4" name="Rectangle 3"/>
-          <p:cNvSpPr/>
-          <p:nvPr/>
-        </p:nvSpPr>
-        <p:spPr>
-          <a:xfrm>
-            <a:off x="3491880" y="548680"/>
-            <a:ext cx="1440160" cy="1368152"/>
-          </a:xfrm>
-          <a:prstGeom prst="rect">
-            <a:avLst/>
-          </a:prstGeom>
-        </p:spPr>
-        <p:style>
-          <a:lnRef idx="1">
-            <a:schemeClr val="accent2"/>
-          </a:lnRef>
-          <a:fillRef idx="2">
-            <a:schemeClr val="accent2"/>
-          </a:fillRef>
-          <a:effectRef idx="1">
-            <a:schemeClr val="accent2"/>
-          </a:effectRef>
-          <a:fontRef idx="minor">
-            <a:schemeClr val="dk1"/>
-          </a:fontRef>
-        </p:style>
-        <p:txBody>
-          <a:bodyPr rtlCol="0" anchor="ctr"/>
-          <a:lstStyle/>
-          <a:p>
-            <a:pPr algn="ctr"/>
-            <a:r>
-              <a:rPr lang="fr-FR" dirty="0"/>
-              <a:t>Système combinatoire</a:t>
-            </a:r>
-          </a:p>
-        </p:txBody>
-      </p:sp>
-      <p:cxnSp>
-        <p:nvCxnSpPr>
-          <p:cNvPr id="6" name="Connecteur droit avec flèche 5"/>
-          <p:cNvCxnSpPr/>
-          <p:nvPr/>
-        </p:nvCxnSpPr>
-        <p:spPr>
-          <a:xfrm>
-            <a:off x="2411760" y="764704"/>
-            <a:ext cx="1080120" cy="0"/>
-          </a:xfrm>
-          <a:prstGeom prst="straightConnector1">
-            <a:avLst/>
-          </a:prstGeom>
-          <a:ln w="28575">
-            <a:tailEnd type="arrow"/>
-          </a:ln>
-        </p:spPr>
-        <p:style>
-          <a:lnRef idx="1">
-            <a:schemeClr val="accent1"/>
-          </a:lnRef>
-          <a:fillRef idx="0">
-            <a:schemeClr val="accent1"/>
-          </a:fillRef>
-          <a:effectRef idx="0">
-            <a:schemeClr val="accent1"/>
-          </a:effectRef>
-          <a:fontRef idx="minor">
-            <a:schemeClr val="tx1"/>
-          </a:fontRef>
-        </p:style>
-      </p:cxnSp>
-      <p:cxnSp>
-        <p:nvCxnSpPr>
-          <p:cNvPr id="7" name="Connecteur droit avec flèche 6"/>
-          <p:cNvCxnSpPr/>
-          <p:nvPr/>
-        </p:nvCxnSpPr>
-        <p:spPr>
-          <a:xfrm>
-            <a:off x="2411760" y="1772816"/>
-            <a:ext cx="1080120" cy="0"/>
-          </a:xfrm>
-          <a:prstGeom prst="straightConnector1">
-            <a:avLst/>
-          </a:prstGeom>
-          <a:ln w="28575">
-            <a:tailEnd type="arrow"/>
-          </a:ln>
-        </p:spPr>
-        <p:style>
-          <a:lnRef idx="1">
-            <a:schemeClr val="accent1"/>
-          </a:lnRef>
-          <a:fillRef idx="0">
-            <a:schemeClr val="accent1"/>
-          </a:fillRef>
-          <a:effectRef idx="0">
-            <a:schemeClr val="accent1"/>
-          </a:effectRef>
-          <a:fontRef idx="minor">
-            <a:schemeClr val="tx1"/>
-          </a:fontRef>
-        </p:style>
-      </p:cxnSp>
-      <p:sp>
-        <p:nvSpPr>
-          <p:cNvPr id="8" name="ZoneTexte 7"/>
-          <p:cNvSpPr txBox="1"/>
-          <p:nvPr/>
-        </p:nvSpPr>
-        <p:spPr>
-          <a:xfrm>
-            <a:off x="1331640" y="580038"/>
-            <a:ext cx="1080120" cy="369332"/>
-          </a:xfrm>
-          <a:prstGeom prst="rect">
-            <a:avLst/>
-          </a:prstGeom>
-          <a:noFill/>
-        </p:spPr>
-        <p:txBody>
-          <a:bodyPr wrap="square" rtlCol="0">
-            <a:spAutoFit/>
-          </a:bodyPr>
-          <a:lstStyle/>
-          <a:p>
-            <a:r>
-              <a:rPr lang="fr-FR" dirty="0"/>
-              <a:t>Entrée </a:t>
-            </a:r>
-            <a:r>
-              <a:rPr lang="fr-FR" i="1" dirty="0"/>
-              <a:t>E</a:t>
-            </a:r>
-            <a:r>
-              <a:rPr lang="fr-FR" i="1" baseline="-25000" dirty="0"/>
-              <a:t>1</a:t>
-            </a:r>
-          </a:p>
-        </p:txBody>
-      </p:sp>
-      <p:sp>
-        <p:nvSpPr>
-          <p:cNvPr id="9" name="ZoneTexte 8"/>
-          <p:cNvSpPr txBox="1"/>
-          <p:nvPr/>
-        </p:nvSpPr>
-        <p:spPr>
-          <a:xfrm>
-            <a:off x="1331640" y="1588150"/>
-            <a:ext cx="1080120" cy="369332"/>
-          </a:xfrm>
-          <a:prstGeom prst="rect">
-            <a:avLst/>
-          </a:prstGeom>
-          <a:noFill/>
-        </p:spPr>
-        <p:txBody>
-          <a:bodyPr wrap="square" rtlCol="0">
-            <a:spAutoFit/>
-          </a:bodyPr>
-          <a:lstStyle/>
-          <a:p>
-            <a:r>
-              <a:rPr lang="fr-FR" dirty="0"/>
-              <a:t>Entrée </a:t>
-            </a:r>
-            <a:r>
-              <a:rPr lang="fr-FR" i="1" dirty="0" err="1"/>
-              <a:t>E</a:t>
-            </a:r>
-            <a:r>
-              <a:rPr lang="fr-FR" i="1" baseline="-25000" dirty="0" err="1"/>
-              <a:t>i</a:t>
-            </a:r>
-            <a:endParaRPr lang="fr-FR" i="1" baseline="-25000" dirty="0"/>
-          </a:p>
-        </p:txBody>
-      </p:sp>
-      <p:cxnSp>
-        <p:nvCxnSpPr>
-          <p:cNvPr id="10" name="Connecteur droit avec flèche 9"/>
-          <p:cNvCxnSpPr/>
-          <p:nvPr/>
-        </p:nvCxnSpPr>
-        <p:spPr>
-          <a:xfrm>
-            <a:off x="4932040" y="725385"/>
-            <a:ext cx="1080120" cy="0"/>
-          </a:xfrm>
-          <a:prstGeom prst="straightConnector1">
-            <a:avLst/>
-          </a:prstGeom>
-          <a:ln w="28575">
-            <a:solidFill>
-              <a:srgbClr val="00B050"/>
-            </a:solidFill>
-            <a:tailEnd type="arrow"/>
-          </a:ln>
-        </p:spPr>
-        <p:style>
-          <a:lnRef idx="1">
-            <a:schemeClr val="accent1"/>
-          </a:lnRef>
-          <a:fillRef idx="0">
-            <a:schemeClr val="accent1"/>
-          </a:fillRef>
-          <a:effectRef idx="0">
-            <a:schemeClr val="accent1"/>
-          </a:effectRef>
-          <a:fontRef idx="minor">
-            <a:schemeClr val="tx1"/>
-          </a:fontRef>
-        </p:style>
-      </p:cxnSp>
-      <p:cxnSp>
-        <p:nvCxnSpPr>
-          <p:cNvPr id="11" name="Connecteur droit avec flèche 10"/>
-          <p:cNvCxnSpPr/>
-          <p:nvPr/>
-        </p:nvCxnSpPr>
-        <p:spPr>
-          <a:xfrm>
-            <a:off x="4932040" y="1733497"/>
-            <a:ext cx="1080120" cy="0"/>
-          </a:xfrm>
-          <a:prstGeom prst="straightConnector1">
-            <a:avLst/>
-          </a:prstGeom>
-          <a:ln w="28575">
-            <a:solidFill>
-              <a:srgbClr val="00B050"/>
-            </a:solidFill>
-            <a:tailEnd type="arrow"/>
-          </a:ln>
-        </p:spPr>
-        <p:style>
-          <a:lnRef idx="1">
-            <a:schemeClr val="accent1"/>
-          </a:lnRef>
-          <a:fillRef idx="0">
-            <a:schemeClr val="accent1"/>
-          </a:fillRef>
-          <a:effectRef idx="0">
-            <a:schemeClr val="accent1"/>
-          </a:effectRef>
-          <a:fontRef idx="minor">
-            <a:schemeClr val="tx1"/>
-          </a:fontRef>
-        </p:style>
-      </p:cxnSp>
-      <p:sp>
-        <p:nvSpPr>
-          <p:cNvPr id="12" name="ZoneTexte 11"/>
-          <p:cNvSpPr txBox="1"/>
-          <p:nvPr/>
-        </p:nvSpPr>
-        <p:spPr>
-          <a:xfrm>
-            <a:off x="5997083" y="540719"/>
-            <a:ext cx="1080120" cy="369332"/>
-          </a:xfrm>
-          <a:prstGeom prst="rect">
-            <a:avLst/>
-          </a:prstGeom>
-          <a:noFill/>
-        </p:spPr>
-        <p:txBody>
-          <a:bodyPr wrap="square" rtlCol="0">
-            <a:spAutoFit/>
-          </a:bodyPr>
-          <a:lstStyle/>
-          <a:p>
-            <a:r>
-              <a:rPr lang="fr-FR" dirty="0"/>
-              <a:t>Sortie S</a:t>
-            </a:r>
-            <a:r>
-              <a:rPr lang="fr-FR" i="1" baseline="-25000" dirty="0"/>
-              <a:t>1</a:t>
-            </a:r>
-          </a:p>
-        </p:txBody>
-      </p:sp>
-      <p:sp>
-        <p:nvSpPr>
-          <p:cNvPr id="13" name="ZoneTexte 12"/>
-          <p:cNvSpPr txBox="1"/>
-          <p:nvPr/>
-        </p:nvSpPr>
-        <p:spPr>
-          <a:xfrm>
-            <a:off x="5997083" y="1547500"/>
-            <a:ext cx="1080120" cy="369332"/>
-          </a:xfrm>
-          <a:prstGeom prst="rect">
-            <a:avLst/>
-          </a:prstGeom>
-          <a:noFill/>
-        </p:spPr>
-        <p:txBody>
-          <a:bodyPr wrap="square" rtlCol="0">
-            <a:spAutoFit/>
-          </a:bodyPr>
-          <a:lstStyle/>
-          <a:p>
-            <a:r>
-              <a:rPr lang="fr-FR" dirty="0"/>
-              <a:t>Sortie </a:t>
-            </a:r>
-            <a:r>
-              <a:rPr lang="fr-FR" i="1" dirty="0" err="1"/>
-              <a:t>S</a:t>
-            </a:r>
-            <a:r>
-              <a:rPr lang="fr-FR" i="1" baseline="-25000" dirty="0" err="1"/>
-              <a:t>k</a:t>
-            </a:r>
-            <a:endParaRPr lang="fr-FR" i="1" baseline="-25000" dirty="0"/>
-          </a:p>
-        </p:txBody>
-      </p:sp>
-      <p:cxnSp>
-        <p:nvCxnSpPr>
-          <p:cNvPr id="16" name="Connecteur droit avec flèche 15"/>
-          <p:cNvCxnSpPr/>
-          <p:nvPr/>
-        </p:nvCxnSpPr>
-        <p:spPr>
-          <a:xfrm>
-            <a:off x="2951820" y="805354"/>
-            <a:ext cx="0" cy="967462"/>
-          </a:xfrm>
-          <a:prstGeom prst="straightConnector1">
-            <a:avLst/>
-          </a:prstGeom>
-          <a:ln w="28575">
-            <a:prstDash val="dash"/>
-            <a:headEnd type="none" w="med" len="med"/>
-            <a:tailEnd type="none" w="med" len="med"/>
-          </a:ln>
-        </p:spPr>
-        <p:style>
-          <a:lnRef idx="1">
-            <a:schemeClr val="accent1"/>
-          </a:lnRef>
-          <a:fillRef idx="0">
-            <a:schemeClr val="accent1"/>
-          </a:fillRef>
-          <a:effectRef idx="0">
-            <a:schemeClr val="accent1"/>
-          </a:effectRef>
-          <a:fontRef idx="minor">
-            <a:schemeClr val="tx1"/>
-          </a:fontRef>
-        </p:style>
-      </p:cxnSp>
-      <p:cxnSp>
-        <p:nvCxnSpPr>
-          <p:cNvPr id="20" name="Connecteur droit avec flèche 19"/>
-          <p:cNvCxnSpPr/>
-          <p:nvPr/>
-        </p:nvCxnSpPr>
-        <p:spPr>
-          <a:xfrm>
-            <a:off x="5472100" y="766035"/>
-            <a:ext cx="0" cy="967462"/>
-          </a:xfrm>
-          <a:prstGeom prst="straightConnector1">
-            <a:avLst/>
-          </a:prstGeom>
-          <a:ln w="28575">
-            <a:solidFill>
-              <a:srgbClr val="92D050"/>
-            </a:solidFill>
-            <a:prstDash val="dash"/>
-            <a:headEnd type="none" w="med" len="med"/>
-            <a:tailEnd type="none" w="med" len="med"/>
-          </a:ln>
-        </p:spPr>
-        <p:style>
-          <a:lnRef idx="1">
-            <a:schemeClr val="accent1"/>
-          </a:lnRef>
-          <a:fillRef idx="0">
-            <a:schemeClr val="accent1"/>
-          </a:fillRef>
-          <a:effectRef idx="0">
-            <a:schemeClr val="accent1"/>
-          </a:effectRef>
-          <a:fontRef idx="minor">
-            <a:schemeClr val="tx1"/>
-          </a:fontRef>
-        </p:style>
-      </p:cxnSp>
-      <p:sp>
-        <p:nvSpPr>
-          <p:cNvPr id="21" name="Rectangle 20"/>
-          <p:cNvSpPr/>
-          <p:nvPr/>
-        </p:nvSpPr>
-        <p:spPr>
-          <a:xfrm>
-            <a:off x="3491880" y="3140968"/>
-            <a:ext cx="1440160" cy="864096"/>
-          </a:xfrm>
-          <a:prstGeom prst="rect">
-            <a:avLst/>
-          </a:prstGeom>
-        </p:spPr>
-        <p:style>
-          <a:lnRef idx="1">
-            <a:schemeClr val="accent2"/>
-          </a:lnRef>
-          <a:fillRef idx="2">
-            <a:schemeClr val="accent2"/>
-          </a:fillRef>
-          <a:effectRef idx="1">
-            <a:schemeClr val="accent2"/>
-          </a:effectRef>
-          <a:fontRef idx="minor">
-            <a:schemeClr val="dk1"/>
-          </a:fontRef>
-        </p:style>
-        <p:txBody>
-          <a:bodyPr rtlCol="0" anchor="ctr"/>
-          <a:lstStyle/>
-          <a:p>
-            <a:pPr algn="ctr"/>
-            <a:r>
-              <a:rPr lang="fr-FR" dirty="0"/>
-              <a:t>Système combinatoire</a:t>
-            </a:r>
-          </a:p>
-        </p:txBody>
-      </p:sp>
-      <p:cxnSp>
-        <p:nvCxnSpPr>
-          <p:cNvPr id="22" name="Connecteur droit avec flèche 21"/>
-          <p:cNvCxnSpPr/>
-          <p:nvPr/>
-        </p:nvCxnSpPr>
-        <p:spPr>
-          <a:xfrm>
-            <a:off x="2411760" y="3426848"/>
-            <a:ext cx="1080120" cy="0"/>
-          </a:xfrm>
-          <a:prstGeom prst="straightConnector1">
-            <a:avLst/>
-          </a:prstGeom>
-          <a:ln w="28575">
-            <a:tailEnd type="arrow"/>
-          </a:ln>
-        </p:spPr>
-        <p:style>
-          <a:lnRef idx="1">
-            <a:schemeClr val="accent1"/>
-          </a:lnRef>
-          <a:fillRef idx="0">
-            <a:schemeClr val="accent1"/>
-          </a:fillRef>
-          <a:effectRef idx="0">
-            <a:schemeClr val="accent1"/>
-          </a:effectRef>
-          <a:fontRef idx="minor">
-            <a:schemeClr val="tx1"/>
-          </a:fontRef>
-        </p:style>
-      </p:cxnSp>
-      <p:sp>
-        <p:nvSpPr>
-          <p:cNvPr id="23" name="ZoneTexte 22"/>
-          <p:cNvSpPr txBox="1"/>
-          <p:nvPr/>
-        </p:nvSpPr>
-        <p:spPr>
-          <a:xfrm>
-            <a:off x="1331640" y="3103682"/>
-            <a:ext cx="1080120" cy="646331"/>
-          </a:xfrm>
-          <a:prstGeom prst="rect">
-            <a:avLst/>
-          </a:prstGeom>
-          <a:noFill/>
-        </p:spPr>
-        <p:txBody>
-          <a:bodyPr wrap="square" rtlCol="0">
-            <a:spAutoFit/>
-          </a:bodyPr>
-          <a:lstStyle/>
-          <a:p>
-            <a:pPr algn="ctr"/>
-            <a:r>
-              <a:rPr lang="fr-FR" dirty="0"/>
-              <a:t>Variables d’entrée</a:t>
-            </a:r>
-            <a:endParaRPr lang="fr-FR" i="1" baseline="-25000" dirty="0"/>
-          </a:p>
-        </p:txBody>
-      </p:sp>
-      <p:cxnSp>
-        <p:nvCxnSpPr>
-          <p:cNvPr id="24" name="Connecteur droit avec flèche 23"/>
-          <p:cNvCxnSpPr/>
-          <p:nvPr/>
-        </p:nvCxnSpPr>
-        <p:spPr>
-          <a:xfrm>
-            <a:off x="4946206" y="3426848"/>
-            <a:ext cx="1080120" cy="0"/>
-          </a:xfrm>
-          <a:prstGeom prst="straightConnector1">
-            <a:avLst/>
-          </a:prstGeom>
-          <a:ln w="28575">
-            <a:solidFill>
-              <a:srgbClr val="00B050"/>
-            </a:solidFill>
-            <a:tailEnd type="arrow"/>
-          </a:ln>
-        </p:spPr>
-        <p:style>
-          <a:lnRef idx="1">
-            <a:schemeClr val="accent1"/>
-          </a:lnRef>
-          <a:fillRef idx="0">
-            <a:schemeClr val="accent1"/>
-          </a:fillRef>
-          <a:effectRef idx="0">
-            <a:schemeClr val="accent1"/>
-          </a:effectRef>
-          <a:fontRef idx="minor">
-            <a:schemeClr val="tx1"/>
-          </a:fontRef>
-        </p:style>
-      </p:cxnSp>
-      <p:sp>
-        <p:nvSpPr>
-          <p:cNvPr id="25" name="ZoneTexte 24"/>
-          <p:cNvSpPr txBox="1"/>
-          <p:nvPr/>
-        </p:nvSpPr>
-        <p:spPr>
-          <a:xfrm>
-            <a:off x="6011249" y="3103682"/>
-            <a:ext cx="1080120" cy="646331"/>
-          </a:xfrm>
-          <a:prstGeom prst="rect">
-            <a:avLst/>
-          </a:prstGeom>
-          <a:noFill/>
-        </p:spPr>
-        <p:txBody>
-          <a:bodyPr wrap="square" rtlCol="0">
-            <a:spAutoFit/>
-          </a:bodyPr>
-          <a:lstStyle/>
-          <a:p>
-            <a:pPr algn="ctr"/>
-            <a:r>
-              <a:rPr lang="fr-FR" dirty="0"/>
-              <a:t>Variables de sortie</a:t>
-            </a:r>
-            <a:endParaRPr lang="fr-FR" i="1" baseline="-25000" dirty="0"/>
-          </a:p>
-        </p:txBody>
-      </p:sp>
-      <p:sp>
-        <p:nvSpPr>
-          <p:cNvPr id="26" name="Rectangle 25"/>
-          <p:cNvSpPr/>
-          <p:nvPr/>
-        </p:nvSpPr>
-        <p:spPr>
-          <a:xfrm>
-            <a:off x="3491880" y="4365104"/>
-            <a:ext cx="1440160" cy="864096"/>
-          </a:xfrm>
-          <a:prstGeom prst="rect">
-            <a:avLst/>
-          </a:prstGeom>
-        </p:spPr>
-        <p:style>
-          <a:lnRef idx="1">
-            <a:schemeClr val="accent2"/>
-          </a:lnRef>
-          <a:fillRef idx="2">
-            <a:schemeClr val="accent2"/>
-          </a:fillRef>
-          <a:effectRef idx="1">
-            <a:schemeClr val="accent2"/>
-          </a:effectRef>
-          <a:fontRef idx="minor">
-            <a:schemeClr val="dk1"/>
-          </a:fontRef>
-        </p:style>
-        <p:txBody>
-          <a:bodyPr rtlCol="0" anchor="ctr"/>
-          <a:lstStyle/>
-          <a:p>
-            <a:pPr algn="ctr"/>
-            <a:r>
-              <a:rPr lang="fr-FR" dirty="0"/>
-              <a:t>Bloc mémoire</a:t>
-            </a:r>
-          </a:p>
-        </p:txBody>
-      </p:sp>
-      <p:cxnSp>
-        <p:nvCxnSpPr>
-          <p:cNvPr id="27" name="Connecteur droit avec flèche 26"/>
-          <p:cNvCxnSpPr/>
-          <p:nvPr/>
-        </p:nvCxnSpPr>
-        <p:spPr>
-          <a:xfrm>
-            <a:off x="2951820" y="3750013"/>
-            <a:ext cx="540060" cy="0"/>
-          </a:xfrm>
-          <a:prstGeom prst="straightConnector1">
-            <a:avLst/>
-          </a:prstGeom>
-          <a:ln w="28575">
-            <a:solidFill>
-              <a:schemeClr val="accent4">
-                <a:lumMod val="60000"/>
-                <a:lumOff val="40000"/>
-              </a:schemeClr>
-            </a:solidFill>
-            <a:tailEnd type="arrow"/>
-          </a:ln>
-        </p:spPr>
-        <p:style>
-          <a:lnRef idx="1">
-            <a:schemeClr val="accent1"/>
-          </a:lnRef>
-          <a:fillRef idx="0">
-            <a:schemeClr val="accent1"/>
-          </a:fillRef>
-          <a:effectRef idx="0">
-            <a:schemeClr val="accent1"/>
-          </a:effectRef>
-          <a:fontRef idx="minor">
-            <a:schemeClr val="tx1"/>
-          </a:fontRef>
-        </p:style>
-      </p:cxnSp>
-      <p:cxnSp>
-        <p:nvCxnSpPr>
-          <p:cNvPr id="29" name="Connecteur droit avec flèche 28"/>
-          <p:cNvCxnSpPr/>
-          <p:nvPr/>
-        </p:nvCxnSpPr>
-        <p:spPr>
-          <a:xfrm flipH="1">
-            <a:off x="4946206" y="4797152"/>
-            <a:ext cx="540060" cy="0"/>
-          </a:xfrm>
-          <a:prstGeom prst="straightConnector1">
-            <a:avLst/>
-          </a:prstGeom>
-          <a:ln w="28575">
-            <a:solidFill>
-              <a:schemeClr val="accent4">
-                <a:lumMod val="60000"/>
-                <a:lumOff val="40000"/>
-              </a:schemeClr>
-            </a:solidFill>
-            <a:tailEnd type="arrow"/>
-          </a:ln>
-        </p:spPr>
-        <p:style>
-          <a:lnRef idx="1">
-            <a:schemeClr val="accent1"/>
-          </a:lnRef>
-          <a:fillRef idx="0">
-            <a:schemeClr val="accent1"/>
-          </a:fillRef>
-          <a:effectRef idx="0">
-            <a:schemeClr val="accent1"/>
-          </a:effectRef>
-          <a:fontRef idx="minor">
-            <a:schemeClr val="tx1"/>
-          </a:fontRef>
-        </p:style>
-      </p:cxnSp>
-      <p:cxnSp>
-        <p:nvCxnSpPr>
-          <p:cNvPr id="30" name="Connecteur droit avec flèche 29"/>
-          <p:cNvCxnSpPr/>
-          <p:nvPr/>
-        </p:nvCxnSpPr>
-        <p:spPr>
-          <a:xfrm flipH="1">
-            <a:off x="4932040" y="3750013"/>
-            <a:ext cx="540060" cy="0"/>
-          </a:xfrm>
-          <a:prstGeom prst="straightConnector1">
-            <a:avLst/>
-          </a:prstGeom>
-          <a:ln w="28575">
-            <a:solidFill>
-              <a:schemeClr val="accent4">
-                <a:lumMod val="60000"/>
-                <a:lumOff val="40000"/>
-              </a:schemeClr>
-            </a:solidFill>
-            <a:headEnd type="none" w="med" len="med"/>
-            <a:tailEnd type="none" w="med" len="med"/>
-          </a:ln>
-        </p:spPr>
-        <p:style>
-          <a:lnRef idx="1">
-            <a:schemeClr val="accent1"/>
-          </a:lnRef>
-          <a:fillRef idx="0">
-            <a:schemeClr val="accent1"/>
-          </a:fillRef>
-          <a:effectRef idx="0">
-            <a:schemeClr val="accent1"/>
-          </a:effectRef>
-          <a:fontRef idx="minor">
-            <a:schemeClr val="tx1"/>
-          </a:fontRef>
-        </p:style>
-      </p:cxnSp>
-      <p:cxnSp>
-        <p:nvCxnSpPr>
-          <p:cNvPr id="31" name="Connecteur droit avec flèche 30"/>
-          <p:cNvCxnSpPr/>
-          <p:nvPr/>
-        </p:nvCxnSpPr>
-        <p:spPr>
-          <a:xfrm flipH="1">
-            <a:off x="2951820" y="4797152"/>
-            <a:ext cx="540060" cy="0"/>
-          </a:xfrm>
-          <a:prstGeom prst="straightConnector1">
-            <a:avLst/>
-          </a:prstGeom>
-          <a:ln w="28575">
-            <a:solidFill>
-              <a:schemeClr val="accent4">
-                <a:lumMod val="60000"/>
-                <a:lumOff val="40000"/>
-              </a:schemeClr>
-            </a:solidFill>
-            <a:headEnd type="none" w="med" len="med"/>
-            <a:tailEnd type="none" w="med" len="med"/>
-          </a:ln>
-        </p:spPr>
-        <p:style>
-          <a:lnRef idx="1">
-            <a:schemeClr val="accent1"/>
-          </a:lnRef>
-          <a:fillRef idx="0">
-            <a:schemeClr val="accent1"/>
-          </a:fillRef>
-          <a:effectRef idx="0">
-            <a:schemeClr val="accent1"/>
-          </a:effectRef>
-          <a:fontRef idx="minor">
-            <a:schemeClr val="tx1"/>
-          </a:fontRef>
-        </p:style>
-      </p:cxnSp>
-      <p:cxnSp>
-        <p:nvCxnSpPr>
-          <p:cNvPr id="32" name="Connecteur droit avec flèche 31"/>
-          <p:cNvCxnSpPr/>
-          <p:nvPr/>
-        </p:nvCxnSpPr>
-        <p:spPr>
-          <a:xfrm flipV="1">
-            <a:off x="2951820" y="3735034"/>
-            <a:ext cx="0" cy="1062118"/>
-          </a:xfrm>
-          <a:prstGeom prst="straightConnector1">
-            <a:avLst/>
-          </a:prstGeom>
-          <a:ln w="28575">
-            <a:solidFill>
-              <a:schemeClr val="accent4">
-                <a:lumMod val="60000"/>
-                <a:lumOff val="40000"/>
-              </a:schemeClr>
-            </a:solidFill>
-            <a:headEnd type="none" w="med" len="med"/>
-            <a:tailEnd type="none" w="med" len="med"/>
-          </a:ln>
-        </p:spPr>
-        <p:style>
-          <a:lnRef idx="1">
-            <a:schemeClr val="accent1"/>
-          </a:lnRef>
-          <a:fillRef idx="0">
-            <a:schemeClr val="accent1"/>
-          </a:fillRef>
-          <a:effectRef idx="0">
-            <a:schemeClr val="accent1"/>
-          </a:effectRef>
-          <a:fontRef idx="minor">
-            <a:schemeClr val="tx1"/>
-          </a:fontRef>
-        </p:style>
-      </p:cxnSp>
-      <p:cxnSp>
-        <p:nvCxnSpPr>
-          <p:cNvPr id="34" name="Connecteur droit avec flèche 33"/>
-          <p:cNvCxnSpPr/>
-          <p:nvPr/>
-        </p:nvCxnSpPr>
-        <p:spPr>
-          <a:xfrm flipV="1">
-            <a:off x="5472100" y="3735034"/>
-            <a:ext cx="0" cy="1062118"/>
-          </a:xfrm>
-          <a:prstGeom prst="straightConnector1">
-            <a:avLst/>
-          </a:prstGeom>
-          <a:ln w="28575">
-            <a:solidFill>
-              <a:schemeClr val="accent4">
-                <a:lumMod val="60000"/>
-                <a:lumOff val="40000"/>
-              </a:schemeClr>
-            </a:solidFill>
-            <a:headEnd type="none" w="med" len="med"/>
-            <a:tailEnd type="none" w="med" len="med"/>
-          </a:ln>
-        </p:spPr>
-        <p:style>
-          <a:lnRef idx="1">
-            <a:schemeClr val="accent1"/>
-          </a:lnRef>
-          <a:fillRef idx="0">
-            <a:schemeClr val="accent1"/>
-          </a:fillRef>
-          <a:effectRef idx="0">
-            <a:schemeClr val="accent1"/>
-          </a:effectRef>
-          <a:fontRef idx="minor">
-            <a:schemeClr val="tx1"/>
-          </a:fontRef>
-        </p:style>
-      </p:cxnSp>
-      <p:sp>
-        <p:nvSpPr>
-          <p:cNvPr id="35" name="Rectangle 34"/>
-          <p:cNvSpPr/>
-          <p:nvPr/>
-        </p:nvSpPr>
-        <p:spPr>
-          <a:xfrm>
-            <a:off x="2699792" y="2852936"/>
-            <a:ext cx="3024336" cy="2808312"/>
-          </a:xfrm>
-          <a:prstGeom prst="rect">
-            <a:avLst/>
-          </a:prstGeom>
-          <a:noFill/>
-          <a:ln>
-            <a:solidFill>
-              <a:srgbClr val="C00000"/>
-            </a:solidFill>
-            <a:prstDash val="dash"/>
-          </a:ln>
-        </p:spPr>
-        <p:style>
-          <a:lnRef idx="2">
-            <a:schemeClr val="accent1">
-              <a:shade val="50000"/>
-            </a:schemeClr>
-          </a:lnRef>
-          <a:fillRef idx="1">
-            <a:schemeClr val="accent1"/>
-          </a:fillRef>
-          <a:effectRef idx="0">
-            <a:schemeClr val="accent1"/>
-          </a:effectRef>
-          <a:fontRef idx="minor">
-            <a:schemeClr val="lt1"/>
-          </a:fontRef>
-        </p:style>
-        <p:txBody>
-          <a:bodyPr rtlCol="0" anchor="ctr"/>
-          <a:lstStyle/>
-          <a:p>
-            <a:pPr algn="ctr"/>
-            <a:endParaRPr lang="fr-FR"/>
-          </a:p>
-        </p:txBody>
-      </p:sp>
-    </p:spTree>
-    <p:extLst>
-      <p:ext uri="{BB962C8B-B14F-4D97-AF65-F5344CB8AC3E}">
-        <p14:creationId xmlns:p14="http://schemas.microsoft.com/office/powerpoint/2010/main" val="1665989406"/>
-      </p:ext>
-    </p:extLst>
-  </p:cSld>
-  <p:clrMapOvr>
-    <a:masterClrMapping/>
-  </p:clrMapOvr>
-</p:sld>
-</file>
-
 <file path=ppt/slides/slide5.xml><?xml version="1.0" encoding="utf-8"?>
 <p:sld xmlns:a="http://schemas.openxmlformats.org/drawingml/2006/main" xmlns:r="http://schemas.openxmlformats.org/officeDocument/2006/relationships" xmlns:p="http://schemas.openxmlformats.org/presentationml/2006/main">
   <p:cSld>
@@ -14207,6 +15915,47 @@
           <a:chExt cx="0" cy="0"/>
         </a:xfrm>
       </p:grpSpPr>
+      <p:sp>
+        <p:nvSpPr>
+          <p:cNvPr id="4" name="Rectangle 3"/>
+          <p:cNvSpPr/>
+          <p:nvPr/>
+        </p:nvSpPr>
+        <p:spPr>
+          <a:xfrm>
+            <a:off x="3491880" y="548680"/>
+            <a:ext cx="1440160" cy="1368152"/>
+          </a:xfrm>
+          <a:prstGeom prst="rect">
+            <a:avLst/>
+          </a:prstGeom>
+        </p:spPr>
+        <p:style>
+          <a:lnRef idx="1">
+            <a:schemeClr val="accent2"/>
+          </a:lnRef>
+          <a:fillRef idx="2">
+            <a:schemeClr val="accent2"/>
+          </a:fillRef>
+          <a:effectRef idx="1">
+            <a:schemeClr val="accent2"/>
+          </a:effectRef>
+          <a:fontRef idx="minor">
+            <a:schemeClr val="dk1"/>
+          </a:fontRef>
+        </p:style>
+        <p:txBody>
+          <a:bodyPr rtlCol="0" anchor="ctr"/>
+          <a:lstStyle/>
+          <a:p>
+            <a:pPr algn="ctr"/>
+            <a:r>
+              <a:rPr lang="fr-FR" dirty="0"/>
+              <a:t>Système combinatoire</a:t>
+            </a:r>
+          </a:p>
+        </p:txBody>
+      </p:sp>
       <p:cxnSp>
         <p:nvCxnSpPr>
           <p:cNvPr id="6" name="Connecteur droit avec flèche 5"/>
@@ -14215,7 +15964,148 @@
         </p:nvCxnSpPr>
         <p:spPr>
           <a:xfrm>
-            <a:off x="4438257" y="2401849"/>
+            <a:off x="2411760" y="764704"/>
+            <a:ext cx="1080120" cy="0"/>
+          </a:xfrm>
+          <a:prstGeom prst="straightConnector1">
+            <a:avLst/>
+          </a:prstGeom>
+          <a:ln w="28575">
+            <a:tailEnd type="arrow"/>
+          </a:ln>
+        </p:spPr>
+        <p:style>
+          <a:lnRef idx="1">
+            <a:schemeClr val="accent1"/>
+          </a:lnRef>
+          <a:fillRef idx="0">
+            <a:schemeClr val="accent1"/>
+          </a:fillRef>
+          <a:effectRef idx="0">
+            <a:schemeClr val="accent1"/>
+          </a:effectRef>
+          <a:fontRef idx="minor">
+            <a:schemeClr val="tx1"/>
+          </a:fontRef>
+        </p:style>
+      </p:cxnSp>
+      <p:cxnSp>
+        <p:nvCxnSpPr>
+          <p:cNvPr id="7" name="Connecteur droit avec flèche 6"/>
+          <p:cNvCxnSpPr/>
+          <p:nvPr/>
+        </p:nvCxnSpPr>
+        <p:spPr>
+          <a:xfrm>
+            <a:off x="2411760" y="1772816"/>
+            <a:ext cx="1080120" cy="0"/>
+          </a:xfrm>
+          <a:prstGeom prst="straightConnector1">
+            <a:avLst/>
+          </a:prstGeom>
+          <a:ln w="28575">
+            <a:tailEnd type="arrow"/>
+          </a:ln>
+        </p:spPr>
+        <p:style>
+          <a:lnRef idx="1">
+            <a:schemeClr val="accent1"/>
+          </a:lnRef>
+          <a:fillRef idx="0">
+            <a:schemeClr val="accent1"/>
+          </a:fillRef>
+          <a:effectRef idx="0">
+            <a:schemeClr val="accent1"/>
+          </a:effectRef>
+          <a:fontRef idx="minor">
+            <a:schemeClr val="tx1"/>
+          </a:fontRef>
+        </p:style>
+      </p:cxnSp>
+      <p:sp>
+        <p:nvSpPr>
+          <p:cNvPr id="8" name="ZoneTexte 7"/>
+          <p:cNvSpPr txBox="1"/>
+          <p:nvPr/>
+        </p:nvSpPr>
+        <p:spPr>
+          <a:xfrm>
+            <a:off x="1331640" y="580038"/>
+            <a:ext cx="1080120" cy="369332"/>
+          </a:xfrm>
+          <a:prstGeom prst="rect">
+            <a:avLst/>
+          </a:prstGeom>
+          <a:noFill/>
+        </p:spPr>
+        <p:txBody>
+          <a:bodyPr wrap="square" rtlCol="0">
+            <a:spAutoFit/>
+          </a:bodyPr>
+          <a:lstStyle/>
+          <a:p>
+            <a:r>
+              <a:rPr lang="fr-FR" dirty="0"/>
+              <a:t>Entrée </a:t>
+            </a:r>
+            <a:r>
+              <a:rPr lang="fr-FR" i="1" dirty="0"/>
+              <a:t>E</a:t>
+            </a:r>
+            <a:r>
+              <a:rPr lang="fr-FR" i="1" baseline="-25000" dirty="0"/>
+              <a:t>1</a:t>
+            </a:r>
+          </a:p>
+        </p:txBody>
+      </p:sp>
+      <p:sp>
+        <p:nvSpPr>
+          <p:cNvPr id="9" name="ZoneTexte 8"/>
+          <p:cNvSpPr txBox="1"/>
+          <p:nvPr/>
+        </p:nvSpPr>
+        <p:spPr>
+          <a:xfrm>
+            <a:off x="1331640" y="1588150"/>
+            <a:ext cx="1080120" cy="369332"/>
+          </a:xfrm>
+          <a:prstGeom prst="rect">
+            <a:avLst/>
+          </a:prstGeom>
+          <a:noFill/>
+        </p:spPr>
+        <p:txBody>
+          <a:bodyPr wrap="square" rtlCol="0">
+            <a:spAutoFit/>
+          </a:bodyPr>
+          <a:lstStyle/>
+          <a:p>
+            <a:r>
+              <a:rPr lang="fr-FR" dirty="0"/>
+              <a:t>Entrée </a:t>
+            </a:r>
+            <a:r>
+              <a:rPr lang="fr-FR" i="1" dirty="0" err="1"/>
+              <a:t>E</a:t>
+            </a:r>
+            <a:r>
+              <a:rPr lang="fr-FR" i="1" baseline="-25000" dirty="0" err="1"/>
+              <a:t>i</a:t>
+            </a:r>
+            <a:endParaRPr lang="fr-FR" i="1" baseline="-25000" dirty="0"/>
+          </a:p>
+        </p:txBody>
+      </p:sp>
+      <p:cxnSp>
+        <p:nvCxnSpPr>
+          <p:cNvPr id="10" name="Connecteur droit avec flèche 9"/>
+          <p:cNvCxnSpPr/>
+          <p:nvPr/>
+        </p:nvCxnSpPr>
+        <p:spPr>
+          <a:xfrm>
+            <a:off x="4932040" y="725385"/>
             <a:ext cx="1080120" cy="0"/>
           </a:xfrm>
           <a:prstGeom prst="straightConnector1">
@@ -14243,62 +16133,24 @@
           </a:fontRef>
         </p:style>
       </p:cxnSp>
-      <p:sp>
-        <p:nvSpPr>
-          <p:cNvPr id="4" name="Rectangle 3"/>
-          <p:cNvSpPr/>
-          <p:nvPr/>
-        </p:nvSpPr>
-        <p:spPr>
-          <a:xfrm>
-            <a:off x="2998097" y="1995147"/>
-            <a:ext cx="1440160" cy="813405"/>
-          </a:xfrm>
-          <a:prstGeom prst="rect">
-            <a:avLst/>
-          </a:prstGeom>
-        </p:spPr>
-        <p:style>
-          <a:lnRef idx="1">
-            <a:schemeClr val="accent2"/>
-          </a:lnRef>
-          <a:fillRef idx="2">
-            <a:schemeClr val="accent2"/>
-          </a:fillRef>
-          <a:effectRef idx="1">
-            <a:schemeClr val="accent2"/>
-          </a:effectRef>
-          <a:fontRef idx="minor">
-            <a:schemeClr val="dk1"/>
-          </a:fontRef>
-        </p:style>
-        <p:txBody>
-          <a:bodyPr rtlCol="0" anchor="ctr"/>
-          <a:lstStyle/>
-          <a:p>
-            <a:pPr algn="ctr"/>
-            <a:r>
-              <a:rPr lang="fr-FR" dirty="0"/>
-              <a:t>Système asservi</a:t>
-            </a:r>
-          </a:p>
-        </p:txBody>
-      </p:sp>
       <p:cxnSp>
         <p:nvCxnSpPr>
-          <p:cNvPr id="5" name="Connecteur droit avec flèche 4"/>
+          <p:cNvPr id="11" name="Connecteur droit avec flèche 10"/>
           <p:cNvCxnSpPr/>
           <p:nvPr/>
         </p:nvCxnSpPr>
         <p:spPr>
           <a:xfrm>
-            <a:off x="1917977" y="2401849"/>
+            <a:off x="4932040" y="1733497"/>
             <a:ext cx="1080120" cy="0"/>
           </a:xfrm>
           <a:prstGeom prst="straightConnector1">
             <a:avLst/>
           </a:prstGeom>
           <a:ln w="28575">
+            <a:solidFill>
+              <a:srgbClr val="00B050"/>
+            </a:solidFill>
             <a:tailEnd type="arrow"/>
           </a:ln>
         </p:spPr>
@@ -14319,14 +16171,14 @@
       </p:cxnSp>
       <p:sp>
         <p:nvSpPr>
-          <p:cNvPr id="7" name="ZoneTexte 6"/>
+          <p:cNvPr id="12" name="ZoneTexte 11"/>
           <p:cNvSpPr txBox="1"/>
           <p:nvPr/>
         </p:nvSpPr>
         <p:spPr>
           <a:xfrm>
-            <a:off x="5507338" y="2204157"/>
-            <a:ext cx="1450433" cy="369332"/>
+            <a:off x="5997083" y="540719"/>
+            <a:ext cx="1080120" cy="369332"/>
           </a:xfrm>
           <a:prstGeom prst="rect">
             <a:avLst/>
@@ -14341,26 +16193,25 @@
           <a:p>
             <a:r>
               <a:rPr lang="fr-FR" dirty="0"/>
-              <a:t>Sortie </a:t>
-            </a:r>
-            <a:r>
-              <a:rPr lang="fr-FR" i="1" dirty="0"/>
-              <a:t>s(t)</a:t>
-            </a:r>
-            <a:endParaRPr lang="fr-FR" i="1" baseline="-25000" dirty="0"/>
-          </a:p>
-        </p:txBody>
-      </p:sp>
-      <p:sp>
-        <p:nvSpPr>
-          <p:cNvPr id="8" name="ZoneTexte 7"/>
+              <a:t>Sortie S</a:t>
+            </a:r>
+            <a:r>
+              <a:rPr lang="fr-FR" i="1" baseline="-25000" dirty="0"/>
+              <a:t>1</a:t>
+            </a:r>
+          </a:p>
+        </p:txBody>
+      </p:sp>
+      <p:sp>
+        <p:nvSpPr>
+          <p:cNvPr id="13" name="ZoneTexte 12"/>
           <p:cNvSpPr txBox="1"/>
           <p:nvPr/>
         </p:nvSpPr>
         <p:spPr>
           <a:xfrm>
-            <a:off x="453254" y="2217183"/>
-            <a:ext cx="1450433" cy="369332"/>
+            <a:off x="5997083" y="1547500"/>
+            <a:ext cx="1080120" cy="369332"/>
           </a:xfrm>
           <a:prstGeom prst="rect">
             <a:avLst/>
@@ -14373,14 +16224,17 @@
           </a:bodyPr>
           <a:lstStyle/>
           <a:p>
-            <a:pPr algn="r"/>
             <a:r>
               <a:rPr lang="fr-FR" dirty="0"/>
-              <a:t>Entrée </a:t>
-            </a:r>
-            <a:r>
-              <a:rPr lang="fr-FR" i="1" dirty="0"/>
-              <a:t>e(t)</a:t>
+              <a:t>Sortie </a:t>
+            </a:r>
+            <a:r>
+              <a:rPr lang="fr-FR" i="1" dirty="0" err="1"/>
+              <a:t>S</a:t>
+            </a:r>
+            <a:r>
+              <a:rPr lang="fr-FR" i="1" baseline="-25000" dirty="0" err="1"/>
+              <a:t>k</a:t>
             </a:r>
             <a:endParaRPr lang="fr-FR" i="1" baseline="-25000" dirty="0"/>
           </a:p>
@@ -14388,23 +16242,22 @@
       </p:sp>
       <p:cxnSp>
         <p:nvCxnSpPr>
-          <p:cNvPr id="9" name="Connecteur droit avec flèche 8"/>
+          <p:cNvPr id="16" name="Connecteur droit avec flèche 15"/>
           <p:cNvCxnSpPr/>
           <p:nvPr/>
         </p:nvCxnSpPr>
         <p:spPr>
           <a:xfrm>
-            <a:off x="3718177" y="1455087"/>
-            <a:ext cx="0" cy="540060"/>
+            <a:off x="2951820" y="805354"/>
+            <a:ext cx="0" cy="967462"/>
           </a:xfrm>
           <a:prstGeom prst="straightConnector1">
             <a:avLst/>
           </a:prstGeom>
           <a:ln w="28575">
-            <a:solidFill>
-              <a:srgbClr val="FFC000"/>
-            </a:solidFill>
-            <a:tailEnd type="arrow"/>
+            <a:prstDash val="dash"/>
+            <a:headEnd type="none" w="med" len="med"/>
+            <a:tailEnd type="none" w="med" len="med"/>
           </a:ln>
         </p:spPr>
         <p:style>
@@ -14422,16 +16275,128 @@
           </a:fontRef>
         </p:style>
       </p:cxnSp>
-      <p:sp>
-        <p:nvSpPr>
-          <p:cNvPr id="11" name="ZoneTexte 10"/>
+      <p:cxnSp>
+        <p:nvCxnSpPr>
+          <p:cNvPr id="20" name="Connecteur droit avec flèche 19"/>
+          <p:cNvCxnSpPr/>
+          <p:nvPr/>
+        </p:nvCxnSpPr>
+        <p:spPr>
+          <a:xfrm>
+            <a:off x="5472100" y="766035"/>
+            <a:ext cx="0" cy="967462"/>
+          </a:xfrm>
+          <a:prstGeom prst="straightConnector1">
+            <a:avLst/>
+          </a:prstGeom>
+          <a:ln w="28575">
+            <a:solidFill>
+              <a:srgbClr val="92D050"/>
+            </a:solidFill>
+            <a:prstDash val="dash"/>
+            <a:headEnd type="none" w="med" len="med"/>
+            <a:tailEnd type="none" w="med" len="med"/>
+          </a:ln>
+        </p:spPr>
+        <p:style>
+          <a:lnRef idx="1">
+            <a:schemeClr val="accent1"/>
+          </a:lnRef>
+          <a:fillRef idx="0">
+            <a:schemeClr val="accent1"/>
+          </a:fillRef>
+          <a:effectRef idx="0">
+            <a:schemeClr val="accent1"/>
+          </a:effectRef>
+          <a:fontRef idx="minor">
+            <a:schemeClr val="tx1"/>
+          </a:fontRef>
+        </p:style>
+      </p:cxnSp>
+      <p:sp>
+        <p:nvSpPr>
+          <p:cNvPr id="21" name="Rectangle 20"/>
+          <p:cNvSpPr/>
+          <p:nvPr/>
+        </p:nvSpPr>
+        <p:spPr>
+          <a:xfrm>
+            <a:off x="3491880" y="3140968"/>
+            <a:ext cx="1440160" cy="864096"/>
+          </a:xfrm>
+          <a:prstGeom prst="rect">
+            <a:avLst/>
+          </a:prstGeom>
+        </p:spPr>
+        <p:style>
+          <a:lnRef idx="1">
+            <a:schemeClr val="accent2"/>
+          </a:lnRef>
+          <a:fillRef idx="2">
+            <a:schemeClr val="accent2"/>
+          </a:fillRef>
+          <a:effectRef idx="1">
+            <a:schemeClr val="accent2"/>
+          </a:effectRef>
+          <a:fontRef idx="minor">
+            <a:schemeClr val="dk1"/>
+          </a:fontRef>
+        </p:style>
+        <p:txBody>
+          <a:bodyPr rtlCol="0" anchor="ctr"/>
+          <a:lstStyle/>
+          <a:p>
+            <a:pPr algn="ctr"/>
+            <a:r>
+              <a:rPr lang="fr-FR" dirty="0"/>
+              <a:t>Système combinatoire</a:t>
+            </a:r>
+          </a:p>
+        </p:txBody>
+      </p:sp>
+      <p:cxnSp>
+        <p:nvCxnSpPr>
+          <p:cNvPr id="22" name="Connecteur droit avec flèche 21"/>
+          <p:cNvCxnSpPr/>
+          <p:nvPr/>
+        </p:nvCxnSpPr>
+        <p:spPr>
+          <a:xfrm>
+            <a:off x="2411760" y="3426848"/>
+            <a:ext cx="1080120" cy="0"/>
+          </a:xfrm>
+          <a:prstGeom prst="straightConnector1">
+            <a:avLst/>
+          </a:prstGeom>
+          <a:ln w="28575">
+            <a:tailEnd type="arrow"/>
+          </a:ln>
+        </p:spPr>
+        <p:style>
+          <a:lnRef idx="1">
+            <a:schemeClr val="accent1"/>
+          </a:lnRef>
+          <a:fillRef idx="0">
+            <a:schemeClr val="accent1"/>
+          </a:fillRef>
+          <a:effectRef idx="0">
+            <a:schemeClr val="accent1"/>
+          </a:effectRef>
+          <a:fontRef idx="minor">
+            <a:schemeClr val="tx1"/>
+          </a:fontRef>
+        </p:style>
+      </p:cxnSp>
+      <p:sp>
+        <p:nvSpPr>
+          <p:cNvPr id="23" name="ZoneTexte 22"/>
           <p:cNvSpPr txBox="1"/>
           <p:nvPr/>
         </p:nvSpPr>
         <p:spPr>
           <a:xfrm>
-            <a:off x="2854081" y="1085755"/>
-            <a:ext cx="1717920" cy="369332"/>
+            <a:off x="1331640" y="3103682"/>
+            <a:ext cx="1080120" cy="646331"/>
           </a:xfrm>
           <a:prstGeom prst="rect">
             <a:avLst/>
@@ -14447,16 +16412,409 @@
             <a:pPr algn="ctr"/>
             <a:r>
               <a:rPr lang="fr-FR" dirty="0"/>
-              <a:t>Perturbations</a:t>
+              <a:t>Variables d’entrée</a:t>
             </a:r>
             <a:endParaRPr lang="fr-FR" i="1" baseline="-25000" dirty="0"/>
+          </a:p>
+        </p:txBody>
+      </p:sp>
+      <p:cxnSp>
+        <p:nvCxnSpPr>
+          <p:cNvPr id="24" name="Connecteur droit avec flèche 23"/>
+          <p:cNvCxnSpPr/>
+          <p:nvPr/>
+        </p:nvCxnSpPr>
+        <p:spPr>
+          <a:xfrm>
+            <a:off x="4946206" y="3426848"/>
+            <a:ext cx="1080120" cy="0"/>
+          </a:xfrm>
+          <a:prstGeom prst="straightConnector1">
+            <a:avLst/>
+          </a:prstGeom>
+          <a:ln w="28575">
+            <a:solidFill>
+              <a:srgbClr val="00B050"/>
+            </a:solidFill>
+            <a:tailEnd type="arrow"/>
+          </a:ln>
+        </p:spPr>
+        <p:style>
+          <a:lnRef idx="1">
+            <a:schemeClr val="accent1"/>
+          </a:lnRef>
+          <a:fillRef idx="0">
+            <a:schemeClr val="accent1"/>
+          </a:fillRef>
+          <a:effectRef idx="0">
+            <a:schemeClr val="accent1"/>
+          </a:effectRef>
+          <a:fontRef idx="minor">
+            <a:schemeClr val="tx1"/>
+          </a:fontRef>
+        </p:style>
+      </p:cxnSp>
+      <p:sp>
+        <p:nvSpPr>
+          <p:cNvPr id="25" name="ZoneTexte 24"/>
+          <p:cNvSpPr txBox="1"/>
+          <p:nvPr/>
+        </p:nvSpPr>
+        <p:spPr>
+          <a:xfrm>
+            <a:off x="6011249" y="3103682"/>
+            <a:ext cx="1080120" cy="646331"/>
+          </a:xfrm>
+          <a:prstGeom prst="rect">
+            <a:avLst/>
+          </a:prstGeom>
+          <a:noFill/>
+        </p:spPr>
+        <p:txBody>
+          <a:bodyPr wrap="square" rtlCol="0">
+            <a:spAutoFit/>
+          </a:bodyPr>
+          <a:lstStyle/>
+          <a:p>
+            <a:pPr algn="ctr"/>
+            <a:r>
+              <a:rPr lang="fr-FR" dirty="0"/>
+              <a:t>Variables de sortie</a:t>
+            </a:r>
+            <a:endParaRPr lang="fr-FR" i="1" baseline="-25000" dirty="0"/>
+          </a:p>
+        </p:txBody>
+      </p:sp>
+      <p:sp>
+        <p:nvSpPr>
+          <p:cNvPr id="26" name="Rectangle 25"/>
+          <p:cNvSpPr/>
+          <p:nvPr/>
+        </p:nvSpPr>
+        <p:spPr>
+          <a:xfrm>
+            <a:off x="3491880" y="4365104"/>
+            <a:ext cx="1440160" cy="864096"/>
+          </a:xfrm>
+          <a:prstGeom prst="rect">
+            <a:avLst/>
+          </a:prstGeom>
+        </p:spPr>
+        <p:style>
+          <a:lnRef idx="1">
+            <a:schemeClr val="accent2"/>
+          </a:lnRef>
+          <a:fillRef idx="2">
+            <a:schemeClr val="accent2"/>
+          </a:fillRef>
+          <a:effectRef idx="1">
+            <a:schemeClr val="accent2"/>
+          </a:effectRef>
+          <a:fontRef idx="minor">
+            <a:schemeClr val="dk1"/>
+          </a:fontRef>
+        </p:style>
+        <p:txBody>
+          <a:bodyPr rtlCol="0" anchor="ctr"/>
+          <a:lstStyle/>
+          <a:p>
+            <a:pPr algn="ctr"/>
+            <a:r>
+              <a:rPr lang="fr-FR" dirty="0"/>
+              <a:t>Bloc mémoire</a:t>
+            </a:r>
+          </a:p>
+        </p:txBody>
+      </p:sp>
+      <p:cxnSp>
+        <p:nvCxnSpPr>
+          <p:cNvPr id="27" name="Connecteur droit avec flèche 26"/>
+          <p:cNvCxnSpPr/>
+          <p:nvPr/>
+        </p:nvCxnSpPr>
+        <p:spPr>
+          <a:xfrm>
+            <a:off x="2951820" y="3750013"/>
+            <a:ext cx="540060" cy="0"/>
+          </a:xfrm>
+          <a:prstGeom prst="straightConnector1">
+            <a:avLst/>
+          </a:prstGeom>
+          <a:ln w="28575">
+            <a:solidFill>
+              <a:schemeClr val="accent4">
+                <a:lumMod val="60000"/>
+                <a:lumOff val="40000"/>
+              </a:schemeClr>
+            </a:solidFill>
+            <a:tailEnd type="arrow"/>
+          </a:ln>
+        </p:spPr>
+        <p:style>
+          <a:lnRef idx="1">
+            <a:schemeClr val="accent1"/>
+          </a:lnRef>
+          <a:fillRef idx="0">
+            <a:schemeClr val="accent1"/>
+          </a:fillRef>
+          <a:effectRef idx="0">
+            <a:schemeClr val="accent1"/>
+          </a:effectRef>
+          <a:fontRef idx="minor">
+            <a:schemeClr val="tx1"/>
+          </a:fontRef>
+        </p:style>
+      </p:cxnSp>
+      <p:cxnSp>
+        <p:nvCxnSpPr>
+          <p:cNvPr id="29" name="Connecteur droit avec flèche 28"/>
+          <p:cNvCxnSpPr/>
+          <p:nvPr/>
+        </p:nvCxnSpPr>
+        <p:spPr>
+          <a:xfrm flipH="1">
+            <a:off x="4946206" y="4797152"/>
+            <a:ext cx="540060" cy="0"/>
+          </a:xfrm>
+          <a:prstGeom prst="straightConnector1">
+            <a:avLst/>
+          </a:prstGeom>
+          <a:ln w="28575">
+            <a:solidFill>
+              <a:schemeClr val="accent4">
+                <a:lumMod val="60000"/>
+                <a:lumOff val="40000"/>
+              </a:schemeClr>
+            </a:solidFill>
+            <a:tailEnd type="arrow"/>
+          </a:ln>
+        </p:spPr>
+        <p:style>
+          <a:lnRef idx="1">
+            <a:schemeClr val="accent1"/>
+          </a:lnRef>
+          <a:fillRef idx="0">
+            <a:schemeClr val="accent1"/>
+          </a:fillRef>
+          <a:effectRef idx="0">
+            <a:schemeClr val="accent1"/>
+          </a:effectRef>
+          <a:fontRef idx="minor">
+            <a:schemeClr val="tx1"/>
+          </a:fontRef>
+        </p:style>
+      </p:cxnSp>
+      <p:cxnSp>
+        <p:nvCxnSpPr>
+          <p:cNvPr id="30" name="Connecteur droit avec flèche 29"/>
+          <p:cNvCxnSpPr/>
+          <p:nvPr/>
+        </p:nvCxnSpPr>
+        <p:spPr>
+          <a:xfrm flipH="1">
+            <a:off x="4932040" y="3750013"/>
+            <a:ext cx="540060" cy="0"/>
+          </a:xfrm>
+          <a:prstGeom prst="straightConnector1">
+            <a:avLst/>
+          </a:prstGeom>
+          <a:ln w="28575">
+            <a:solidFill>
+              <a:schemeClr val="accent4">
+                <a:lumMod val="60000"/>
+                <a:lumOff val="40000"/>
+              </a:schemeClr>
+            </a:solidFill>
+            <a:headEnd type="none" w="med" len="med"/>
+            <a:tailEnd type="none" w="med" len="med"/>
+          </a:ln>
+        </p:spPr>
+        <p:style>
+          <a:lnRef idx="1">
+            <a:schemeClr val="accent1"/>
+          </a:lnRef>
+          <a:fillRef idx="0">
+            <a:schemeClr val="accent1"/>
+          </a:fillRef>
+          <a:effectRef idx="0">
+            <a:schemeClr val="accent1"/>
+          </a:effectRef>
+          <a:fontRef idx="minor">
+            <a:schemeClr val="tx1"/>
+          </a:fontRef>
+        </p:style>
+      </p:cxnSp>
+      <p:cxnSp>
+        <p:nvCxnSpPr>
+          <p:cNvPr id="31" name="Connecteur droit avec flèche 30"/>
+          <p:cNvCxnSpPr/>
+          <p:nvPr/>
+        </p:nvCxnSpPr>
+        <p:spPr>
+          <a:xfrm flipH="1">
+            <a:off x="2951820" y="4797152"/>
+            <a:ext cx="540060" cy="0"/>
+          </a:xfrm>
+          <a:prstGeom prst="straightConnector1">
+            <a:avLst/>
+          </a:prstGeom>
+          <a:ln w="28575">
+            <a:solidFill>
+              <a:schemeClr val="accent4">
+                <a:lumMod val="60000"/>
+                <a:lumOff val="40000"/>
+              </a:schemeClr>
+            </a:solidFill>
+            <a:headEnd type="none" w="med" len="med"/>
+            <a:tailEnd type="none" w="med" len="med"/>
+          </a:ln>
+        </p:spPr>
+        <p:style>
+          <a:lnRef idx="1">
+            <a:schemeClr val="accent1"/>
+          </a:lnRef>
+          <a:fillRef idx="0">
+            <a:schemeClr val="accent1"/>
+          </a:fillRef>
+          <a:effectRef idx="0">
+            <a:schemeClr val="accent1"/>
+          </a:effectRef>
+          <a:fontRef idx="minor">
+            <a:schemeClr val="tx1"/>
+          </a:fontRef>
+        </p:style>
+      </p:cxnSp>
+      <p:cxnSp>
+        <p:nvCxnSpPr>
+          <p:cNvPr id="32" name="Connecteur droit avec flèche 31"/>
+          <p:cNvCxnSpPr/>
+          <p:nvPr/>
+        </p:nvCxnSpPr>
+        <p:spPr>
+          <a:xfrm flipV="1">
+            <a:off x="2951820" y="3735034"/>
+            <a:ext cx="0" cy="1062118"/>
+          </a:xfrm>
+          <a:prstGeom prst="straightConnector1">
+            <a:avLst/>
+          </a:prstGeom>
+          <a:ln w="28575">
+            <a:solidFill>
+              <a:schemeClr val="accent4">
+                <a:lumMod val="60000"/>
+                <a:lumOff val="40000"/>
+              </a:schemeClr>
+            </a:solidFill>
+            <a:headEnd type="none" w="med" len="med"/>
+            <a:tailEnd type="none" w="med" len="med"/>
+          </a:ln>
+        </p:spPr>
+        <p:style>
+          <a:lnRef idx="1">
+            <a:schemeClr val="accent1"/>
+          </a:lnRef>
+          <a:fillRef idx="0">
+            <a:schemeClr val="accent1"/>
+          </a:fillRef>
+          <a:effectRef idx="0">
+            <a:schemeClr val="accent1"/>
+          </a:effectRef>
+          <a:fontRef idx="minor">
+            <a:schemeClr val="tx1"/>
+          </a:fontRef>
+        </p:style>
+      </p:cxnSp>
+      <p:cxnSp>
+        <p:nvCxnSpPr>
+          <p:cNvPr id="34" name="Connecteur droit avec flèche 33"/>
+          <p:cNvCxnSpPr/>
+          <p:nvPr/>
+        </p:nvCxnSpPr>
+        <p:spPr>
+          <a:xfrm flipV="1">
+            <a:off x="5472100" y="3735034"/>
+            <a:ext cx="0" cy="1062118"/>
+          </a:xfrm>
+          <a:prstGeom prst="straightConnector1">
+            <a:avLst/>
+          </a:prstGeom>
+          <a:ln w="28575">
+            <a:solidFill>
+              <a:schemeClr val="accent4">
+                <a:lumMod val="60000"/>
+                <a:lumOff val="40000"/>
+              </a:schemeClr>
+            </a:solidFill>
+            <a:headEnd type="none" w="med" len="med"/>
+            <a:tailEnd type="none" w="med" len="med"/>
+          </a:ln>
+        </p:spPr>
+        <p:style>
+          <a:lnRef idx="1">
+            <a:schemeClr val="accent1"/>
+          </a:lnRef>
+          <a:fillRef idx="0">
+            <a:schemeClr val="accent1"/>
+          </a:fillRef>
+          <a:effectRef idx="0">
+            <a:schemeClr val="accent1"/>
+          </a:effectRef>
+          <a:fontRef idx="minor">
+            <a:schemeClr val="tx1"/>
+          </a:fontRef>
+        </p:style>
+      </p:cxnSp>
+      <p:sp>
+        <p:nvSpPr>
+          <p:cNvPr id="35" name="Rectangle 34"/>
+          <p:cNvSpPr/>
+          <p:nvPr/>
+        </p:nvSpPr>
+        <p:spPr>
+          <a:xfrm>
+            <a:off x="2699792" y="2852936"/>
+            <a:ext cx="3024336" cy="2808312"/>
+          </a:xfrm>
+          <a:prstGeom prst="rect">
+            <a:avLst/>
+          </a:prstGeom>
+          <a:noFill/>
+          <a:ln>
+            <a:solidFill>
+              <a:srgbClr val="C00000"/>
+            </a:solidFill>
+            <a:prstDash val="dash"/>
+          </a:ln>
+        </p:spPr>
+        <p:style>
+          <a:lnRef idx="2">
+            <a:schemeClr val="accent1">
+              <a:shade val="50000"/>
+            </a:schemeClr>
+          </a:lnRef>
+          <a:fillRef idx="1">
+            <a:schemeClr val="accent1"/>
+          </a:fillRef>
+          <a:effectRef idx="0">
+            <a:schemeClr val="accent1"/>
+          </a:effectRef>
+          <a:fontRef idx="minor">
+            <a:schemeClr val="lt1"/>
+          </a:fontRef>
+        </p:style>
+        <p:txBody>
+          <a:bodyPr rtlCol="0" anchor="ctr"/>
+          <a:lstStyle/>
+          <a:p>
+            <a:pPr algn="ctr"/>
+            <a:endParaRPr lang="fr-FR"/>
           </a:p>
         </p:txBody>
       </p:sp>
     </p:spTree>
     <p:extLst>
       <p:ext uri="{BB962C8B-B14F-4D97-AF65-F5344CB8AC3E}">
-        <p14:creationId xmlns:p14="http://schemas.microsoft.com/office/powerpoint/2010/main" val="3689370377"/>
+        <p14:creationId xmlns:p14="http://schemas.microsoft.com/office/powerpoint/2010/main" val="1665989406"/>
       </p:ext>
     </p:extLst>
   </p:cSld>
@@ -14486,6 +16844,282 @@
       <p:cxnSp>
         <p:nvCxnSpPr>
           <p:cNvPr id="6" name="Connecteur droit avec flèche 5"/>
+          <p:cNvCxnSpPr/>
+          <p:nvPr/>
+        </p:nvCxnSpPr>
+        <p:spPr>
+          <a:xfrm>
+            <a:off x="4438257" y="2401849"/>
+            <a:ext cx="1080120" cy="0"/>
+          </a:xfrm>
+          <a:prstGeom prst="straightConnector1">
+            <a:avLst/>
+          </a:prstGeom>
+          <a:ln w="28575">
+            <a:solidFill>
+              <a:srgbClr val="00B050"/>
+            </a:solidFill>
+            <a:tailEnd type="arrow"/>
+          </a:ln>
+        </p:spPr>
+        <p:style>
+          <a:lnRef idx="1">
+            <a:schemeClr val="accent1"/>
+          </a:lnRef>
+          <a:fillRef idx="0">
+            <a:schemeClr val="accent1"/>
+          </a:fillRef>
+          <a:effectRef idx="0">
+            <a:schemeClr val="accent1"/>
+          </a:effectRef>
+          <a:fontRef idx="minor">
+            <a:schemeClr val="tx1"/>
+          </a:fontRef>
+        </p:style>
+      </p:cxnSp>
+      <p:sp>
+        <p:nvSpPr>
+          <p:cNvPr id="4" name="Rectangle 3"/>
+          <p:cNvSpPr/>
+          <p:nvPr/>
+        </p:nvSpPr>
+        <p:spPr>
+          <a:xfrm>
+            <a:off x="2998097" y="1995147"/>
+            <a:ext cx="1440160" cy="813405"/>
+          </a:xfrm>
+          <a:prstGeom prst="rect">
+            <a:avLst/>
+          </a:prstGeom>
+        </p:spPr>
+        <p:style>
+          <a:lnRef idx="1">
+            <a:schemeClr val="accent2"/>
+          </a:lnRef>
+          <a:fillRef idx="2">
+            <a:schemeClr val="accent2"/>
+          </a:fillRef>
+          <a:effectRef idx="1">
+            <a:schemeClr val="accent2"/>
+          </a:effectRef>
+          <a:fontRef idx="minor">
+            <a:schemeClr val="dk1"/>
+          </a:fontRef>
+        </p:style>
+        <p:txBody>
+          <a:bodyPr rtlCol="0" anchor="ctr"/>
+          <a:lstStyle/>
+          <a:p>
+            <a:pPr algn="ctr"/>
+            <a:r>
+              <a:rPr lang="fr-FR" dirty="0"/>
+              <a:t>Système asservi</a:t>
+            </a:r>
+          </a:p>
+        </p:txBody>
+      </p:sp>
+      <p:cxnSp>
+        <p:nvCxnSpPr>
+          <p:cNvPr id="5" name="Connecteur droit avec flèche 4"/>
+          <p:cNvCxnSpPr/>
+          <p:nvPr/>
+        </p:nvCxnSpPr>
+        <p:spPr>
+          <a:xfrm>
+            <a:off x="1917977" y="2401849"/>
+            <a:ext cx="1080120" cy="0"/>
+          </a:xfrm>
+          <a:prstGeom prst="straightConnector1">
+            <a:avLst/>
+          </a:prstGeom>
+          <a:ln w="28575">
+            <a:tailEnd type="arrow"/>
+          </a:ln>
+        </p:spPr>
+        <p:style>
+          <a:lnRef idx="1">
+            <a:schemeClr val="accent1"/>
+          </a:lnRef>
+          <a:fillRef idx="0">
+            <a:schemeClr val="accent1"/>
+          </a:fillRef>
+          <a:effectRef idx="0">
+            <a:schemeClr val="accent1"/>
+          </a:effectRef>
+          <a:fontRef idx="minor">
+            <a:schemeClr val="tx1"/>
+          </a:fontRef>
+        </p:style>
+      </p:cxnSp>
+      <p:sp>
+        <p:nvSpPr>
+          <p:cNvPr id="7" name="ZoneTexte 6"/>
+          <p:cNvSpPr txBox="1"/>
+          <p:nvPr/>
+        </p:nvSpPr>
+        <p:spPr>
+          <a:xfrm>
+            <a:off x="5507338" y="2204157"/>
+            <a:ext cx="1450433" cy="369332"/>
+          </a:xfrm>
+          <a:prstGeom prst="rect">
+            <a:avLst/>
+          </a:prstGeom>
+          <a:noFill/>
+        </p:spPr>
+        <p:txBody>
+          <a:bodyPr wrap="square" rtlCol="0">
+            <a:spAutoFit/>
+          </a:bodyPr>
+          <a:lstStyle/>
+          <a:p>
+            <a:r>
+              <a:rPr lang="fr-FR" dirty="0"/>
+              <a:t>Sortie </a:t>
+            </a:r>
+            <a:r>
+              <a:rPr lang="fr-FR" i="1" dirty="0"/>
+              <a:t>s(t)</a:t>
+            </a:r>
+            <a:endParaRPr lang="fr-FR" i="1" baseline="-25000" dirty="0"/>
+          </a:p>
+        </p:txBody>
+      </p:sp>
+      <p:sp>
+        <p:nvSpPr>
+          <p:cNvPr id="8" name="ZoneTexte 7"/>
+          <p:cNvSpPr txBox="1"/>
+          <p:nvPr/>
+        </p:nvSpPr>
+        <p:spPr>
+          <a:xfrm>
+            <a:off x="453254" y="2217183"/>
+            <a:ext cx="1450433" cy="369332"/>
+          </a:xfrm>
+          <a:prstGeom prst="rect">
+            <a:avLst/>
+          </a:prstGeom>
+          <a:noFill/>
+        </p:spPr>
+        <p:txBody>
+          <a:bodyPr wrap="square" rtlCol="0">
+            <a:spAutoFit/>
+          </a:bodyPr>
+          <a:lstStyle/>
+          <a:p>
+            <a:pPr algn="r"/>
+            <a:r>
+              <a:rPr lang="fr-FR" dirty="0"/>
+              <a:t>Entrée </a:t>
+            </a:r>
+            <a:r>
+              <a:rPr lang="fr-FR" i="1" dirty="0"/>
+              <a:t>e(t)</a:t>
+            </a:r>
+            <a:endParaRPr lang="fr-FR" i="1" baseline="-25000" dirty="0"/>
+          </a:p>
+        </p:txBody>
+      </p:sp>
+      <p:cxnSp>
+        <p:nvCxnSpPr>
+          <p:cNvPr id="9" name="Connecteur droit avec flèche 8"/>
+          <p:cNvCxnSpPr/>
+          <p:nvPr/>
+        </p:nvCxnSpPr>
+        <p:spPr>
+          <a:xfrm>
+            <a:off x="3718177" y="1455087"/>
+            <a:ext cx="0" cy="540060"/>
+          </a:xfrm>
+          <a:prstGeom prst="straightConnector1">
+            <a:avLst/>
+          </a:prstGeom>
+          <a:ln w="28575">
+            <a:solidFill>
+              <a:srgbClr val="FFC000"/>
+            </a:solidFill>
+            <a:tailEnd type="arrow"/>
+          </a:ln>
+        </p:spPr>
+        <p:style>
+          <a:lnRef idx="1">
+            <a:schemeClr val="accent1"/>
+          </a:lnRef>
+          <a:fillRef idx="0">
+            <a:schemeClr val="accent1"/>
+          </a:fillRef>
+          <a:effectRef idx="0">
+            <a:schemeClr val="accent1"/>
+          </a:effectRef>
+          <a:fontRef idx="minor">
+            <a:schemeClr val="tx1"/>
+          </a:fontRef>
+        </p:style>
+      </p:cxnSp>
+      <p:sp>
+        <p:nvSpPr>
+          <p:cNvPr id="11" name="ZoneTexte 10"/>
+          <p:cNvSpPr txBox="1"/>
+          <p:nvPr/>
+        </p:nvSpPr>
+        <p:spPr>
+          <a:xfrm>
+            <a:off x="2854081" y="1085755"/>
+            <a:ext cx="1717920" cy="369332"/>
+          </a:xfrm>
+          <a:prstGeom prst="rect">
+            <a:avLst/>
+          </a:prstGeom>
+          <a:noFill/>
+        </p:spPr>
+        <p:txBody>
+          <a:bodyPr wrap="square" rtlCol="0">
+            <a:spAutoFit/>
+          </a:bodyPr>
+          <a:lstStyle/>
+          <a:p>
+            <a:pPr algn="ctr"/>
+            <a:r>
+              <a:rPr lang="fr-FR" dirty="0"/>
+              <a:t>Perturbations</a:t>
+            </a:r>
+            <a:endParaRPr lang="fr-FR" i="1" baseline="-25000" dirty="0"/>
+          </a:p>
+        </p:txBody>
+      </p:sp>
+    </p:spTree>
+    <p:extLst>
+      <p:ext uri="{BB962C8B-B14F-4D97-AF65-F5344CB8AC3E}">
+        <p14:creationId xmlns:p14="http://schemas.microsoft.com/office/powerpoint/2010/main" val="3689370377"/>
+      </p:ext>
+    </p:extLst>
+  </p:cSld>
+  <p:clrMapOvr>
+    <a:masterClrMapping/>
+  </p:clrMapOvr>
+</p:sld>
+</file>
+
+<file path=ppt/slides/slide7.xml><?xml version="1.0" encoding="utf-8"?>
+<p:sld xmlns:a="http://schemas.openxmlformats.org/drawingml/2006/main" xmlns:r="http://schemas.openxmlformats.org/officeDocument/2006/relationships" xmlns:p="http://schemas.openxmlformats.org/presentationml/2006/main">
+  <p:cSld>
+    <p:spTree>
+      <p:nvGrpSpPr>
+        <p:cNvPr id="1" name=""/>
+        <p:cNvGrpSpPr/>
+        <p:nvPr/>
+      </p:nvGrpSpPr>
+      <p:grpSpPr>
+        <a:xfrm>
+          <a:off x="0" y="0"/>
+          <a:ext cx="0" cy="0"/>
+          <a:chOff x="0" y="0"/>
+          <a:chExt cx="0" cy="0"/>
+        </a:xfrm>
+      </p:grpSpPr>
+      <p:cxnSp>
+        <p:nvCxnSpPr>
+          <p:cNvPr id="6" name="Connecteur droit avec flèche 5"/>
           <p:cNvCxnSpPr>
             <a:cxnSpLocks/>
             <a:endCxn id="7" idx="1"/>
@@ -15047,7 +17681,7 @@
 </p:sld>
 </file>
 
-<file path=ppt/slides/slide7.xml><?xml version="1.0" encoding="utf-8"?>
+<file path=ppt/slides/slide8.xml><?xml version="1.0" encoding="utf-8"?>
 <p:sld xmlns:a="http://schemas.openxmlformats.org/drawingml/2006/main" xmlns:r="http://schemas.openxmlformats.org/officeDocument/2006/relationships" xmlns:p="http://schemas.openxmlformats.org/presentationml/2006/main">
   <p:cSld>
     <p:spTree>
@@ -16794,7 +19428,7 @@
 </p:sld>
 </file>
 
-<file path=ppt/slides/slide8.xml><?xml version="1.0" encoding="utf-8"?>
+<file path=ppt/slides/slide9.xml><?xml version="1.0" encoding="utf-8"?>
 <p:sld xmlns:a="http://schemas.openxmlformats.org/drawingml/2006/main" xmlns:r="http://schemas.openxmlformats.org/officeDocument/2006/relationships" xmlns:p="http://schemas.openxmlformats.org/presentationml/2006/main">
   <p:cSld>
     <p:spTree>
@@ -17767,698 +20401,6 @@
     <p:extLst>
       <p:ext uri="{BB962C8B-B14F-4D97-AF65-F5344CB8AC3E}">
         <p14:creationId xmlns:p14="http://schemas.microsoft.com/office/powerpoint/2010/main" val="1651036510"/>
-      </p:ext>
-    </p:extLst>
-  </p:cSld>
-  <p:clrMapOvr>
-    <a:masterClrMapping/>
-  </p:clrMapOvr>
-</p:sld>
-</file>
-
-<file path=ppt/slides/slide9.xml><?xml version="1.0" encoding="utf-8"?>
-<p:sld xmlns:a="http://schemas.openxmlformats.org/drawingml/2006/main" xmlns:r="http://schemas.openxmlformats.org/officeDocument/2006/relationships" xmlns:p="http://schemas.openxmlformats.org/presentationml/2006/main">
-  <p:cSld>
-    <p:spTree>
-      <p:nvGrpSpPr>
-        <p:cNvPr id="1" name=""/>
-        <p:cNvGrpSpPr/>
-        <p:nvPr/>
-      </p:nvGrpSpPr>
-      <p:grpSpPr>
-        <a:xfrm>
-          <a:off x="0" y="0"/>
-          <a:ext cx="0" cy="0"/>
-          <a:chOff x="0" y="0"/>
-          <a:chExt cx="0" cy="0"/>
-        </a:xfrm>
-      </p:grpSpPr>
-      <p:pic>
-        <p:nvPicPr>
-          <p:cNvPr id="2050" name="Picture 2"/>
-          <p:cNvPicPr>
-            <a:picLocks noChangeAspect="1" noChangeArrowheads="1"/>
-          </p:cNvPicPr>
-          <p:nvPr/>
-        </p:nvPicPr>
-        <p:blipFill>
-          <a:blip r:embed="rId2" cstate="print">
-            <a:extLst>
-              <a:ext uri="{28A0092B-C50C-407E-A947-70E740481C1C}">
-                <a14:useLocalDpi xmlns:a14="http://schemas.microsoft.com/office/drawing/2010/main" val="0"/>
-              </a:ext>
-            </a:extLst>
-          </a:blip>
-          <a:srcRect/>
-          <a:stretch>
-            <a:fillRect/>
-          </a:stretch>
-        </p:blipFill>
-        <p:spPr bwMode="auto">
-          <a:xfrm>
-            <a:off x="755576" y="1628800"/>
-            <a:ext cx="1810387" cy="956488"/>
-          </a:xfrm>
-          <a:prstGeom prst="rect">
-            <a:avLst/>
-          </a:prstGeom>
-          <a:noFill/>
-          <a:ln>
-            <a:noFill/>
-          </a:ln>
-          <a:effectLst/>
-          <a:extLst>
-            <a:ext uri="{909E8E84-426E-40DD-AFC4-6F175D3DCCD1}">
-              <a14:hiddenFill xmlns:a14="http://schemas.microsoft.com/office/drawing/2010/main">
-                <a:solidFill>
-                  <a:schemeClr val="accent1"/>
-                </a:solidFill>
-              </a14:hiddenFill>
-            </a:ext>
-            <a:ext uri="{91240B29-F687-4F45-9708-019B960494DF}">
-              <a14:hiddenLine xmlns:a14="http://schemas.microsoft.com/office/drawing/2010/main" w="9525">
-                <a:solidFill>
-                  <a:schemeClr val="tx1"/>
-                </a:solidFill>
-                <a:miter lim="800000"/>
-                <a:headEnd/>
-                <a:tailEnd/>
-              </a14:hiddenLine>
-            </a:ext>
-            <a:ext uri="{AF507438-7753-43E0-B8FC-AC1667EBCBE1}">
-              <a14:hiddenEffects xmlns:a14="http://schemas.microsoft.com/office/drawing/2010/main">
-                <a:effectLst>
-                  <a:outerShdw dist="35921" dir="2700000" algn="ctr" rotWithShape="0">
-                    <a:schemeClr val="bg2"/>
-                  </a:outerShdw>
-                </a:effectLst>
-              </a14:hiddenEffects>
-            </a:ext>
-          </a:extLst>
-        </p:spPr>
-      </p:pic>
-      <p:cxnSp>
-        <p:nvCxnSpPr>
-          <p:cNvPr id="5" name="Connecteur droit avec flèche 4"/>
-          <p:cNvCxnSpPr>
-            <a:stCxn id="2050" idx="3"/>
-          </p:cNvCxnSpPr>
-          <p:nvPr/>
-        </p:nvCxnSpPr>
-        <p:spPr>
-          <a:xfrm>
-            <a:off x="2565963" y="2107044"/>
-            <a:ext cx="3950253" cy="0"/>
-          </a:xfrm>
-          <a:prstGeom prst="straightConnector1">
-            <a:avLst/>
-          </a:prstGeom>
-          <a:ln w="28575">
-            <a:tailEnd type="arrow"/>
-          </a:ln>
-        </p:spPr>
-        <p:style>
-          <a:lnRef idx="1">
-            <a:schemeClr val="accent1"/>
-          </a:lnRef>
-          <a:fillRef idx="0">
-            <a:schemeClr val="accent1"/>
-          </a:fillRef>
-          <a:effectRef idx="0">
-            <a:schemeClr val="accent1"/>
-          </a:effectRef>
-          <a:fontRef idx="minor">
-            <a:schemeClr val="tx1"/>
-          </a:fontRef>
-        </p:style>
-      </p:cxnSp>
-      <p:sp>
-        <p:nvSpPr>
-          <p:cNvPr id="8" name="ZoneTexte 7"/>
-          <p:cNvSpPr txBox="1"/>
-          <p:nvPr/>
-        </p:nvSpPr>
-        <p:spPr>
-          <a:xfrm>
-            <a:off x="6444208" y="2052455"/>
-            <a:ext cx="2016224" cy="307777"/>
-          </a:xfrm>
-          <a:prstGeom prst="rect">
-            <a:avLst/>
-          </a:prstGeom>
-          <a:noFill/>
-        </p:spPr>
-        <p:txBody>
-          <a:bodyPr wrap="square" rtlCol="0">
-            <a:spAutoFit/>
-          </a:bodyPr>
-          <a:lstStyle/>
-          <a:p>
-            <a:r>
-              <a:rPr lang="fr-FR" sz="1400" dirty="0">
-                <a:solidFill>
-                  <a:schemeClr val="accent1"/>
-                </a:solidFill>
-              </a:rPr>
-              <a:t>Altitude de consigne </a:t>
-            </a:r>
-            <a:r>
-              <a:rPr lang="fr-FR" sz="1400" i="1" dirty="0">
-                <a:solidFill>
-                  <a:schemeClr val="accent1"/>
-                </a:solidFill>
-              </a:rPr>
-              <a:t>e(t)</a:t>
-            </a:r>
-          </a:p>
-        </p:txBody>
-      </p:sp>
-      <p:cxnSp>
-        <p:nvCxnSpPr>
-          <p:cNvPr id="10" name="Connecteur droit 9"/>
-          <p:cNvCxnSpPr/>
-          <p:nvPr/>
-        </p:nvCxnSpPr>
-        <p:spPr>
-          <a:xfrm>
-            <a:off x="2565963" y="1988840"/>
-            <a:ext cx="781901" cy="0"/>
-          </a:xfrm>
-          <a:prstGeom prst="line">
-            <a:avLst/>
-          </a:prstGeom>
-          <a:ln w="28575">
-            <a:solidFill>
-              <a:srgbClr val="FF0000"/>
-            </a:solidFill>
-          </a:ln>
-        </p:spPr>
-        <p:style>
-          <a:lnRef idx="1">
-            <a:schemeClr val="accent1"/>
-          </a:lnRef>
-          <a:fillRef idx="0">
-            <a:schemeClr val="accent1"/>
-          </a:fillRef>
-          <a:effectRef idx="0">
-            <a:schemeClr val="accent1"/>
-          </a:effectRef>
-          <a:fontRef idx="minor">
-            <a:schemeClr val="tx1"/>
-          </a:fontRef>
-        </p:style>
-      </p:cxnSp>
-      <p:cxnSp>
-        <p:nvCxnSpPr>
-          <p:cNvPr id="12" name="Connecteur droit 11"/>
-          <p:cNvCxnSpPr/>
-          <p:nvPr/>
-        </p:nvCxnSpPr>
-        <p:spPr>
-          <a:xfrm>
-            <a:off x="5364088" y="1988840"/>
-            <a:ext cx="781901" cy="0"/>
-          </a:xfrm>
-          <a:prstGeom prst="line">
-            <a:avLst/>
-          </a:prstGeom>
-          <a:ln w="28575">
-            <a:solidFill>
-              <a:srgbClr val="FF0000"/>
-            </a:solidFill>
-          </a:ln>
-        </p:spPr>
-        <p:style>
-          <a:lnRef idx="1">
-            <a:schemeClr val="accent1"/>
-          </a:lnRef>
-          <a:fillRef idx="0">
-            <a:schemeClr val="accent1"/>
-          </a:fillRef>
-          <a:effectRef idx="0">
-            <a:schemeClr val="accent1"/>
-          </a:effectRef>
-          <a:fontRef idx="minor">
-            <a:schemeClr val="tx1"/>
-          </a:fontRef>
-        </p:style>
-      </p:cxnSp>
-      <p:sp>
-        <p:nvSpPr>
-          <p:cNvPr id="11" name="Forme libre 10"/>
-          <p:cNvSpPr/>
-          <p:nvPr/>
-        </p:nvSpPr>
-        <p:spPr>
-          <a:xfrm>
-            <a:off x="3329796" y="1992700"/>
-            <a:ext cx="2061714" cy="716188"/>
-          </a:xfrm>
-          <a:custGeom>
-            <a:avLst/>
-            <a:gdLst>
-              <a:gd name="connsiteX0" fmla="*/ 0 w 2009955"/>
-              <a:gd name="connsiteY0" fmla="*/ 0 h 1321725"/>
-              <a:gd name="connsiteX1" fmla="*/ 1069676 w 2009955"/>
-              <a:gd name="connsiteY1" fmla="*/ 1319842 h 1321725"/>
-              <a:gd name="connsiteX2" fmla="*/ 1526876 w 2009955"/>
-              <a:gd name="connsiteY2" fmla="*/ 284672 h 1321725"/>
-              <a:gd name="connsiteX3" fmla="*/ 2009955 w 2009955"/>
-              <a:gd name="connsiteY3" fmla="*/ 0 h 1321725"/>
-              <a:gd name="connsiteX0" fmla="*/ 0 w 2009955"/>
-              <a:gd name="connsiteY0" fmla="*/ 0 h 1331141"/>
-              <a:gd name="connsiteX1" fmla="*/ 517585 w 2009955"/>
-              <a:gd name="connsiteY1" fmla="*/ 785004 h 1331141"/>
-              <a:gd name="connsiteX2" fmla="*/ 1069676 w 2009955"/>
-              <a:gd name="connsiteY2" fmla="*/ 1319842 h 1331141"/>
-              <a:gd name="connsiteX3" fmla="*/ 1526876 w 2009955"/>
-              <a:gd name="connsiteY3" fmla="*/ 284672 h 1331141"/>
-              <a:gd name="connsiteX4" fmla="*/ 2009955 w 2009955"/>
-              <a:gd name="connsiteY4" fmla="*/ 0 h 1331141"/>
-              <a:gd name="connsiteX0" fmla="*/ 0 w 2009955"/>
-              <a:gd name="connsiteY0" fmla="*/ 0 h 1331141"/>
-              <a:gd name="connsiteX1" fmla="*/ 517585 w 2009955"/>
-              <a:gd name="connsiteY1" fmla="*/ 785004 h 1331141"/>
-              <a:gd name="connsiteX2" fmla="*/ 1069676 w 2009955"/>
-              <a:gd name="connsiteY2" fmla="*/ 1319842 h 1331141"/>
-              <a:gd name="connsiteX3" fmla="*/ 1526876 w 2009955"/>
-              <a:gd name="connsiteY3" fmla="*/ 284672 h 1331141"/>
-              <a:gd name="connsiteX4" fmla="*/ 2009955 w 2009955"/>
-              <a:gd name="connsiteY4" fmla="*/ 0 h 1331141"/>
-              <a:gd name="connsiteX0" fmla="*/ 0 w 2009955"/>
-              <a:gd name="connsiteY0" fmla="*/ 0 h 1331141"/>
-              <a:gd name="connsiteX1" fmla="*/ 517585 w 2009955"/>
-              <a:gd name="connsiteY1" fmla="*/ 785004 h 1331141"/>
-              <a:gd name="connsiteX2" fmla="*/ 1069676 w 2009955"/>
-              <a:gd name="connsiteY2" fmla="*/ 1319842 h 1331141"/>
-              <a:gd name="connsiteX3" fmla="*/ 1526876 w 2009955"/>
-              <a:gd name="connsiteY3" fmla="*/ 284672 h 1331141"/>
-              <a:gd name="connsiteX4" fmla="*/ 2009955 w 2009955"/>
-              <a:gd name="connsiteY4" fmla="*/ 0 h 1331141"/>
-              <a:gd name="connsiteX0" fmla="*/ 0 w 2009955"/>
-              <a:gd name="connsiteY0" fmla="*/ 0 h 1343447"/>
-              <a:gd name="connsiteX1" fmla="*/ 517585 w 2009955"/>
-              <a:gd name="connsiteY1" fmla="*/ 785004 h 1343447"/>
-              <a:gd name="connsiteX2" fmla="*/ 1069676 w 2009955"/>
-              <a:gd name="connsiteY2" fmla="*/ 1319842 h 1343447"/>
-              <a:gd name="connsiteX3" fmla="*/ 2009955 w 2009955"/>
-              <a:gd name="connsiteY3" fmla="*/ 0 h 1343447"/>
-              <a:gd name="connsiteX0" fmla="*/ 0 w 2009955"/>
-              <a:gd name="connsiteY0" fmla="*/ 0 h 1319842"/>
-              <a:gd name="connsiteX1" fmla="*/ 1069676 w 2009955"/>
-              <a:gd name="connsiteY1" fmla="*/ 1319842 h 1319842"/>
-              <a:gd name="connsiteX2" fmla="*/ 2009955 w 2009955"/>
-              <a:gd name="connsiteY2" fmla="*/ 0 h 1319842"/>
-              <a:gd name="connsiteX0" fmla="*/ 0 w 2009955"/>
-              <a:gd name="connsiteY0" fmla="*/ 0 h 1319842"/>
-              <a:gd name="connsiteX1" fmla="*/ 1069676 w 2009955"/>
-              <a:gd name="connsiteY1" fmla="*/ 1319842 h 1319842"/>
-              <a:gd name="connsiteX2" fmla="*/ 2009955 w 2009955"/>
-              <a:gd name="connsiteY2" fmla="*/ 0 h 1319842"/>
-              <a:gd name="connsiteX0" fmla="*/ 0 w 2009955"/>
-              <a:gd name="connsiteY0" fmla="*/ 0 h 1319842"/>
-              <a:gd name="connsiteX1" fmla="*/ 1069676 w 2009955"/>
-              <a:gd name="connsiteY1" fmla="*/ 1319842 h 1319842"/>
-              <a:gd name="connsiteX2" fmla="*/ 2009955 w 2009955"/>
-              <a:gd name="connsiteY2" fmla="*/ 0 h 1319842"/>
-              <a:gd name="connsiteX0" fmla="*/ 0 w 2009955"/>
-              <a:gd name="connsiteY0" fmla="*/ 0 h 1293963"/>
-              <a:gd name="connsiteX1" fmla="*/ 957532 w 2009955"/>
-              <a:gd name="connsiteY1" fmla="*/ 1293963 h 1293963"/>
-              <a:gd name="connsiteX2" fmla="*/ 2009955 w 2009955"/>
-              <a:gd name="connsiteY2" fmla="*/ 0 h 1293963"/>
-              <a:gd name="connsiteX0" fmla="*/ 0 w 2009955"/>
-              <a:gd name="connsiteY0" fmla="*/ 0 h 1294020"/>
-              <a:gd name="connsiteX1" fmla="*/ 957532 w 2009955"/>
-              <a:gd name="connsiteY1" fmla="*/ 1293963 h 1294020"/>
-              <a:gd name="connsiteX2" fmla="*/ 2009955 w 2009955"/>
-              <a:gd name="connsiteY2" fmla="*/ 0 h 1294020"/>
-              <a:gd name="connsiteX0" fmla="*/ 0 w 2027208"/>
-              <a:gd name="connsiteY0" fmla="*/ 0 h 1309744"/>
-              <a:gd name="connsiteX1" fmla="*/ 974785 w 2027208"/>
-              <a:gd name="connsiteY1" fmla="*/ 1309740 h 1309744"/>
-              <a:gd name="connsiteX2" fmla="*/ 2027208 w 2027208"/>
-              <a:gd name="connsiteY2" fmla="*/ 15777 h 1309744"/>
-              <a:gd name="connsiteX0" fmla="*/ 0 w 2061714"/>
-              <a:gd name="connsiteY0" fmla="*/ 0 h 1309740"/>
-              <a:gd name="connsiteX1" fmla="*/ 974785 w 2061714"/>
-              <a:gd name="connsiteY1" fmla="*/ 1309740 h 1309740"/>
-              <a:gd name="connsiteX2" fmla="*/ 2061714 w 2061714"/>
-              <a:gd name="connsiteY2" fmla="*/ 0 h 1309740"/>
-            </a:gdLst>
-            <a:ahLst/>
-            <a:cxnLst>
-              <a:cxn ang="0">
-                <a:pos x="connsiteX0" y="connsiteY0"/>
-              </a:cxn>
-              <a:cxn ang="0">
-                <a:pos x="connsiteX1" y="connsiteY1"/>
-              </a:cxn>
-              <a:cxn ang="0">
-                <a:pos x="connsiteX2" y="connsiteY2"/>
-              </a:cxn>
-            </a:cxnLst>
-            <a:rect l="l" t="t" r="r" b="b"/>
-            <a:pathLst>
-              <a:path w="2061714" h="1309740">
-                <a:moveTo>
-                  <a:pt x="0" y="0"/>
-                </a:moveTo>
-                <a:cubicBezTo>
-                  <a:pt x="455763" y="-1078"/>
-                  <a:pt x="631166" y="1309740"/>
-                  <a:pt x="974785" y="1309740"/>
-                </a:cubicBezTo>
-                <a:cubicBezTo>
-                  <a:pt x="1318404" y="1309740"/>
-                  <a:pt x="1598404" y="7548"/>
-                  <a:pt x="2061714" y="0"/>
-                </a:cubicBezTo>
-              </a:path>
-            </a:pathLst>
-          </a:custGeom>
-          <a:ln w="28575">
-            <a:solidFill>
-              <a:srgbClr val="FF0000"/>
-            </a:solidFill>
-          </a:ln>
-        </p:spPr>
-        <p:style>
-          <a:lnRef idx="1">
-            <a:schemeClr val="accent1"/>
-          </a:lnRef>
-          <a:fillRef idx="0">
-            <a:schemeClr val="accent1"/>
-          </a:fillRef>
-          <a:effectRef idx="0">
-            <a:schemeClr val="accent1"/>
-          </a:effectRef>
-          <a:fontRef idx="minor">
-            <a:schemeClr val="tx1"/>
-          </a:fontRef>
-        </p:style>
-        <p:txBody>
-          <a:bodyPr rtlCol="0" anchor="ctr"/>
-          <a:lstStyle/>
-          <a:p>
-            <a:pPr algn="ctr"/>
-            <a:endParaRPr lang="fr-FR" dirty="0">
-              <a:ln>
-                <a:solidFill>
-                  <a:srgbClr val="FF0000"/>
-                </a:solidFill>
-              </a:ln>
-            </a:endParaRPr>
-          </a:p>
-        </p:txBody>
-      </p:sp>
-      <p:sp>
-        <p:nvSpPr>
-          <p:cNvPr id="14" name="ZoneTexte 13"/>
-          <p:cNvSpPr txBox="1"/>
-          <p:nvPr/>
-        </p:nvSpPr>
-        <p:spPr>
-          <a:xfrm>
-            <a:off x="6444208" y="1772816"/>
-            <a:ext cx="1872208" cy="307777"/>
-          </a:xfrm>
-          <a:prstGeom prst="rect">
-            <a:avLst/>
-          </a:prstGeom>
-          <a:noFill/>
-        </p:spPr>
-        <p:txBody>
-          <a:bodyPr wrap="square" rtlCol="0">
-            <a:spAutoFit/>
-          </a:bodyPr>
-          <a:lstStyle/>
-          <a:p>
-            <a:r>
-              <a:rPr lang="fr-FR" sz="1400" dirty="0">
-                <a:solidFill>
-                  <a:srgbClr val="FF0000"/>
-                </a:solidFill>
-              </a:rPr>
-              <a:t>Altitude de l’avion </a:t>
-            </a:r>
-            <a:r>
-              <a:rPr lang="fr-FR" sz="1400" i="1" dirty="0">
-                <a:solidFill>
-                  <a:srgbClr val="FF0000"/>
-                </a:solidFill>
-              </a:rPr>
-              <a:t>s(t)</a:t>
-            </a:r>
-          </a:p>
-        </p:txBody>
-      </p:sp>
-      <p:sp>
-        <p:nvSpPr>
-          <p:cNvPr id="15" name="ZoneTexte 14"/>
-          <p:cNvSpPr txBox="1"/>
-          <p:nvPr/>
-        </p:nvSpPr>
-        <p:spPr>
-          <a:xfrm>
-            <a:off x="3329796" y="2725639"/>
-            <a:ext cx="936104" cy="307777"/>
-          </a:xfrm>
-          <a:prstGeom prst="rect">
-            <a:avLst/>
-          </a:prstGeom>
-          <a:noFill/>
-        </p:spPr>
-        <p:txBody>
-          <a:bodyPr wrap="square" rtlCol="0">
-            <a:spAutoFit/>
-          </a:bodyPr>
-          <a:lstStyle/>
-          <a:p>
-            <a:r>
-              <a:rPr lang="fr-FR" sz="1400" dirty="0"/>
-              <a:t>Trou d’air</a:t>
-            </a:r>
-          </a:p>
-        </p:txBody>
-      </p:sp>
-      <p:cxnSp>
-        <p:nvCxnSpPr>
-          <p:cNvPr id="16" name="Connecteur droit 15"/>
-          <p:cNvCxnSpPr>
-            <a:stCxn id="11" idx="0"/>
-          </p:cNvCxnSpPr>
-          <p:nvPr/>
-        </p:nvCxnSpPr>
-        <p:spPr>
-          <a:xfrm>
-            <a:off x="3329796" y="1992700"/>
-            <a:ext cx="0" cy="1057469"/>
-          </a:xfrm>
-          <a:prstGeom prst="line">
-            <a:avLst/>
-          </a:prstGeom>
-          <a:ln>
-            <a:solidFill>
-              <a:srgbClr val="FF0000"/>
-            </a:solidFill>
-          </a:ln>
-        </p:spPr>
-        <p:style>
-          <a:lnRef idx="1">
-            <a:schemeClr val="accent1"/>
-          </a:lnRef>
-          <a:fillRef idx="0">
-            <a:schemeClr val="accent1"/>
-          </a:fillRef>
-          <a:effectRef idx="0">
-            <a:schemeClr val="accent1"/>
-          </a:effectRef>
-          <a:fontRef idx="minor">
-            <a:schemeClr val="tx1"/>
-          </a:fontRef>
-        </p:style>
-      </p:cxnSp>
-      <p:cxnSp>
-        <p:nvCxnSpPr>
-          <p:cNvPr id="18" name="Connecteur droit 17"/>
-          <p:cNvCxnSpPr/>
-          <p:nvPr/>
-        </p:nvCxnSpPr>
-        <p:spPr>
-          <a:xfrm>
-            <a:off x="5391510" y="1992700"/>
-            <a:ext cx="0" cy="1057469"/>
-          </a:xfrm>
-          <a:prstGeom prst="line">
-            <a:avLst/>
-          </a:prstGeom>
-          <a:ln>
-            <a:solidFill>
-              <a:srgbClr val="FF0000"/>
-            </a:solidFill>
-          </a:ln>
-        </p:spPr>
-        <p:style>
-          <a:lnRef idx="1">
-            <a:schemeClr val="accent1"/>
-          </a:lnRef>
-          <a:fillRef idx="0">
-            <a:schemeClr val="accent1"/>
-          </a:fillRef>
-          <a:effectRef idx="0">
-            <a:schemeClr val="accent1"/>
-          </a:effectRef>
-          <a:fontRef idx="minor">
-            <a:schemeClr val="tx1"/>
-          </a:fontRef>
-        </p:style>
-      </p:cxnSp>
-      <p:cxnSp>
-        <p:nvCxnSpPr>
-          <p:cNvPr id="19" name="Connecteur droit 18"/>
-          <p:cNvCxnSpPr>
-            <a:stCxn id="11" idx="1"/>
-          </p:cNvCxnSpPr>
-          <p:nvPr/>
-        </p:nvCxnSpPr>
-        <p:spPr>
-          <a:xfrm>
-            <a:off x="4304581" y="2708888"/>
-            <a:ext cx="0" cy="341281"/>
-          </a:xfrm>
-          <a:prstGeom prst="line">
-            <a:avLst/>
-          </a:prstGeom>
-          <a:ln>
-            <a:solidFill>
-              <a:srgbClr val="FF0000"/>
-            </a:solidFill>
-          </a:ln>
-        </p:spPr>
-        <p:style>
-          <a:lnRef idx="1">
-            <a:schemeClr val="accent1"/>
-          </a:lnRef>
-          <a:fillRef idx="0">
-            <a:schemeClr val="accent1"/>
-          </a:fillRef>
-          <a:effectRef idx="0">
-            <a:schemeClr val="accent1"/>
-          </a:effectRef>
-          <a:fontRef idx="minor">
-            <a:schemeClr val="tx1"/>
-          </a:fontRef>
-        </p:style>
-      </p:cxnSp>
-      <p:cxnSp>
-        <p:nvCxnSpPr>
-          <p:cNvPr id="23" name="Connecteur droit 22"/>
-          <p:cNvCxnSpPr/>
-          <p:nvPr/>
-        </p:nvCxnSpPr>
-        <p:spPr>
-          <a:xfrm>
-            <a:off x="3329796" y="2996952"/>
-            <a:ext cx="974785" cy="1"/>
-          </a:xfrm>
-          <a:prstGeom prst="line">
-            <a:avLst/>
-          </a:prstGeom>
-          <a:ln>
-            <a:solidFill>
-              <a:srgbClr val="FF0000"/>
-            </a:solidFill>
-            <a:headEnd type="arrow" w="med" len="med"/>
-            <a:tailEnd type="arrow" w="med" len="med"/>
-          </a:ln>
-        </p:spPr>
-        <p:style>
-          <a:lnRef idx="1">
-            <a:schemeClr val="accent1"/>
-          </a:lnRef>
-          <a:fillRef idx="0">
-            <a:schemeClr val="accent1"/>
-          </a:fillRef>
-          <a:effectRef idx="0">
-            <a:schemeClr val="accent1"/>
-          </a:effectRef>
-          <a:fontRef idx="minor">
-            <a:schemeClr val="tx1"/>
-          </a:fontRef>
-        </p:style>
-      </p:cxnSp>
-      <p:cxnSp>
-        <p:nvCxnSpPr>
-          <p:cNvPr id="25" name="Connecteur droit 24"/>
-          <p:cNvCxnSpPr/>
-          <p:nvPr/>
-        </p:nvCxnSpPr>
-        <p:spPr>
-          <a:xfrm>
-            <a:off x="4304581" y="2996951"/>
-            <a:ext cx="1086929" cy="0"/>
-          </a:xfrm>
-          <a:prstGeom prst="line">
-            <a:avLst/>
-          </a:prstGeom>
-          <a:ln>
-            <a:solidFill>
-              <a:srgbClr val="FF0000"/>
-            </a:solidFill>
-            <a:headEnd type="arrow" w="med" len="med"/>
-            <a:tailEnd type="arrow" w="med" len="med"/>
-          </a:ln>
-        </p:spPr>
-        <p:style>
-          <a:lnRef idx="1">
-            <a:schemeClr val="accent1"/>
-          </a:lnRef>
-          <a:fillRef idx="0">
-            <a:schemeClr val="accent1"/>
-          </a:fillRef>
-          <a:effectRef idx="0">
-            <a:schemeClr val="accent1"/>
-          </a:effectRef>
-          <a:fontRef idx="minor">
-            <a:schemeClr val="tx1"/>
-          </a:fontRef>
-        </p:style>
-      </p:cxnSp>
-      <p:sp>
-        <p:nvSpPr>
-          <p:cNvPr id="27" name="ZoneTexte 26"/>
-          <p:cNvSpPr txBox="1"/>
-          <p:nvPr/>
-        </p:nvSpPr>
-        <p:spPr>
-          <a:xfrm>
-            <a:off x="4304582" y="2726950"/>
-            <a:ext cx="1086928" cy="523220"/>
-          </a:xfrm>
-          <a:prstGeom prst="rect">
-            <a:avLst/>
-          </a:prstGeom>
-          <a:noFill/>
-        </p:spPr>
-        <p:txBody>
-          <a:bodyPr wrap="square" rtlCol="0">
-            <a:spAutoFit/>
-          </a:bodyPr>
-          <a:lstStyle/>
-          <a:p>
-            <a:pPr algn="ctr"/>
-            <a:r>
-              <a:rPr lang="fr-FR" sz="1400" dirty="0"/>
-              <a:t>Réaction du système</a:t>
-            </a:r>
-          </a:p>
-        </p:txBody>
-      </p:sp>
-    </p:spTree>
-    <p:extLst>
-      <p:ext uri="{BB962C8B-B14F-4D97-AF65-F5344CB8AC3E}">
-        <p14:creationId xmlns:p14="http://schemas.microsoft.com/office/powerpoint/2010/main" val="2938322222"/>
       </p:ext>
     </p:extLst>
   </p:cSld>
